--- a/OQC/Report_Nguyen Nhu Minh_V0.pptx
+++ b/OQC/Report_Nguyen Nhu Minh_V0.pptx
@@ -224,7 +224,7 @@
           <a:p>
             <a:fld id="{80F76F07-4DDF-4742-A599-1A1948D9D8BF}" type="datetimeFigureOut">
               <a:rPr lang="en-US" smtClean="0"/>
-              <a:t>11/25/2024</a:t>
+              <a:t>11/26/2024</a:t>
             </a:fld>
             <a:endParaRPr lang="en-US" dirty="0"/>
           </a:p>
@@ -389,7 +389,7 @@
           <a:p>
             <a:fld id="{D69DC1A8-4A29-4ED6-A8C3-F6D12A0C95F5}" type="datetimeFigureOut">
               <a:rPr lang="en-US" smtClean="0"/>
-              <a:t>11/25/2024</a:t>
+              <a:t>11/26/2024</a:t>
             </a:fld>
             <a:endParaRPr lang="en-US" dirty="0"/>
           </a:p>
@@ -5742,7 +5742,7 @@
           <a:p>
             <a:fld id="{15D6C63C-0848-4B82-AE9B-D0C2F4F853C4}" type="datetimeFigureOut">
               <a:rPr lang="en-US" smtClean="0"/>
-              <a:t>11/25/2024</a:t>
+              <a:t>11/26/2024</a:t>
             </a:fld>
             <a:endParaRPr lang="en-US" dirty="0"/>
           </a:p>
@@ -5910,7 +5910,7 @@
           <a:p>
             <a:fld id="{15D6C63C-0848-4B82-AE9B-D0C2F4F853C4}" type="datetimeFigureOut">
               <a:rPr lang="en-US" smtClean="0"/>
-              <a:t>11/25/2024</a:t>
+              <a:t>11/26/2024</a:t>
             </a:fld>
             <a:endParaRPr lang="en-US" dirty="0"/>
           </a:p>
@@ -6088,7 +6088,7 @@
           <a:p>
             <a:fld id="{15D6C63C-0848-4B82-AE9B-D0C2F4F853C4}" type="datetimeFigureOut">
               <a:rPr lang="en-US" smtClean="0"/>
-              <a:t>11/25/2024</a:t>
+              <a:t>11/26/2024</a:t>
             </a:fld>
             <a:endParaRPr lang="en-US" dirty="0"/>
           </a:p>
@@ -6422,7 +6422,7 @@
           <a:p>
             <a:fld id="{15D6C63C-0848-4B82-AE9B-D0C2F4F853C4}" type="datetimeFigureOut">
               <a:rPr lang="en-US" smtClean="0"/>
-              <a:t>11/25/2024</a:t>
+              <a:t>11/26/2024</a:t>
             </a:fld>
             <a:endParaRPr lang="en-US" dirty="0"/>
           </a:p>
@@ -6667,7 +6667,7 @@
           <a:p>
             <a:fld id="{15D6C63C-0848-4B82-AE9B-D0C2F4F853C4}" type="datetimeFigureOut">
               <a:rPr lang="en-US" smtClean="0"/>
-              <a:t>11/25/2024</a:t>
+              <a:t>11/26/2024</a:t>
             </a:fld>
             <a:endParaRPr lang="en-US" dirty="0"/>
           </a:p>
@@ -6952,7 +6952,7 @@
           <a:p>
             <a:fld id="{15D6C63C-0848-4B82-AE9B-D0C2F4F853C4}" type="datetimeFigureOut">
               <a:rPr lang="en-US" smtClean="0"/>
-              <a:t>11/25/2024</a:t>
+              <a:t>11/26/2024</a:t>
             </a:fld>
             <a:endParaRPr lang="en-US" dirty="0"/>
           </a:p>
@@ -7371,7 +7371,7 @@
           <a:p>
             <a:fld id="{15D6C63C-0848-4B82-AE9B-D0C2F4F853C4}" type="datetimeFigureOut">
               <a:rPr lang="en-US" smtClean="0"/>
-              <a:t>11/25/2024</a:t>
+              <a:t>11/26/2024</a:t>
             </a:fld>
             <a:endParaRPr lang="en-US" dirty="0"/>
           </a:p>
@@ -7488,7 +7488,7 @@
           <a:p>
             <a:fld id="{15D6C63C-0848-4B82-AE9B-D0C2F4F853C4}" type="datetimeFigureOut">
               <a:rPr lang="en-US" smtClean="0"/>
-              <a:t>11/25/2024</a:t>
+              <a:t>11/26/2024</a:t>
             </a:fld>
             <a:endParaRPr lang="en-US" dirty="0"/>
           </a:p>
@@ -7583,7 +7583,7 @@
           <a:p>
             <a:fld id="{15D6C63C-0848-4B82-AE9B-D0C2F4F853C4}" type="datetimeFigureOut">
               <a:rPr lang="en-US" smtClean="0"/>
-              <a:t>11/25/2024</a:t>
+              <a:t>11/26/2024</a:t>
             </a:fld>
             <a:endParaRPr lang="en-US" dirty="0"/>
           </a:p>
@@ -7858,7 +7858,7 @@
           <a:p>
             <a:fld id="{15D6C63C-0848-4B82-AE9B-D0C2F4F853C4}" type="datetimeFigureOut">
               <a:rPr lang="en-US" smtClean="0"/>
-              <a:t>11/25/2024</a:t>
+              <a:t>11/26/2024</a:t>
             </a:fld>
             <a:endParaRPr lang="en-US" dirty="0"/>
           </a:p>
@@ -8110,7 +8110,7 @@
           <a:p>
             <a:fld id="{15D6C63C-0848-4B82-AE9B-D0C2F4F853C4}" type="datetimeFigureOut">
               <a:rPr lang="en-US" smtClean="0"/>
-              <a:t>11/25/2024</a:t>
+              <a:t>11/26/2024</a:t>
             </a:fld>
             <a:endParaRPr lang="en-US" dirty="0"/>
           </a:p>
@@ -8321,7 +8321,7 @@
           <a:p>
             <a:fld id="{15D6C63C-0848-4B82-AE9B-D0C2F4F853C4}" type="datetimeFigureOut">
               <a:rPr lang="en-US" smtClean="0"/>
-              <a:t>11/25/2024</a:t>
+              <a:t>11/26/2024</a:t>
             </a:fld>
             <a:endParaRPr lang="en-US" dirty="0"/>
           </a:p>
@@ -9182,8 +9182,38 @@
                 <a:ea typeface="HGP創英角ｺﾞｼｯｸUB" panose="020B0900000000000000" pitchFamily="50" charset="-128"/>
                 <a:cs typeface="Arial" panose="020B0604020202020204" pitchFamily="34" charset="0"/>
               </a:rPr>
-              <a:t>Page 8~9</a:t>
-            </a:r>
+              <a:t>Page </a:t>
+            </a:r>
+            <a:r>
+              <a:rPr kumimoji="1" lang="en-US" altLang="ja-JP" sz="2000" dirty="0" smtClean="0">
+                <a:solidFill>
+                  <a:prstClr val="black"/>
+                </a:solidFill>
+                <a:latin typeface="Arial" panose="020B0604020202020204" pitchFamily="34" charset="0"/>
+                <a:ea typeface="HGP創英角ｺﾞｼｯｸUB" panose="020B0900000000000000" pitchFamily="50" charset="-128"/>
+                <a:cs typeface="Arial" panose="020B0604020202020204" pitchFamily="34" charset="0"/>
+              </a:rPr>
+              <a:t>..</a:t>
+            </a:r>
+            <a:r>
+              <a:rPr kumimoji="1" lang="en-US" altLang="ja-JP" sz="2000" dirty="0" smtClean="0">
+                <a:solidFill>
+                  <a:prstClr val="black"/>
+                </a:solidFill>
+                <a:latin typeface="Arial" panose="020B0604020202020204" pitchFamily="34" charset="0"/>
+                <a:ea typeface="HGP創英角ｺﾞｼｯｸUB" panose="020B0900000000000000" pitchFamily="50" charset="-128"/>
+                <a:cs typeface="Arial" panose="020B0604020202020204" pitchFamily="34" charset="0"/>
+              </a:rPr>
+              <a:t>~..</a:t>
+            </a:r>
+            <a:endParaRPr kumimoji="1" lang="en-US" altLang="ja-JP" sz="2000" dirty="0">
+              <a:solidFill>
+                <a:prstClr val="black"/>
+              </a:solidFill>
+              <a:latin typeface="Arial" panose="020B0604020202020204" pitchFamily="34" charset="0"/>
+              <a:ea typeface="HGP創英角ｺﾞｼｯｸUB" panose="020B0900000000000000" pitchFamily="50" charset="-128"/>
+              <a:cs typeface="Arial" panose="020B0604020202020204" pitchFamily="34" charset="0"/>
+            </a:endParaRPr>
           </a:p>
         </p:txBody>
       </p:sp>
@@ -9721,7 +9751,19 @@
               <a:rPr lang="en-US" altLang="en-US" sz="2000" dirty="0">
                 <a:latin typeface="+mn-lt"/>
               </a:rPr>
-              <a:t>Current Position	 : Officer (5 years)</a:t>
+              <a:t>Current Position	 : Officer </a:t>
+            </a:r>
+            <a:r>
+              <a:rPr lang="en-US" altLang="en-US" sz="2000" dirty="0" smtClean="0">
+                <a:latin typeface="+mn-lt"/>
+              </a:rPr>
+              <a:t>(6 </a:t>
+            </a:r>
+            <a:r>
+              <a:rPr lang="en-US" altLang="en-US" sz="2000" dirty="0">
+                <a:latin typeface="+mn-lt"/>
+              </a:rPr>
+              <a:t>years)</a:t>
             </a:r>
           </a:p>
           <a:p>
@@ -9798,36 +9840,33 @@
                   <a:srgbClr val="0000FF"/>
                 </a:solidFill>
               </a:rPr>
-              <a:t>Upgrade </a:t>
-            </a:r>
-            <a:r>
-              <a:rPr lang="en-US" altLang="ja-JP" sz="2400" dirty="0">
-                <a:solidFill>
-                  <a:srgbClr val="0000FF"/>
-                </a:solidFill>
-              </a:rPr>
-              <a:t>Factory Operation Support System (Foss)</a:t>
-            </a:r>
-            <a:r>
-              <a:rPr lang="en-US" sz="2400" dirty="0">
-                <a:solidFill>
-                  <a:srgbClr val="0000FF"/>
-                </a:solidFill>
-              </a:rPr>
-              <a:t> &amp; </a:t>
-            </a:r>
+              <a:t>Optimize the OQC management process by software </a:t>
+            </a:r>
+            <a:endParaRPr lang="en-US" sz="2400" dirty="0" smtClean="0">
+              <a:solidFill>
+                <a:srgbClr val="0000FF"/>
+              </a:solidFill>
+            </a:endParaRPr>
           </a:p>
           <a:p>
             <a:pPr algn="ctr">
               <a:defRPr/>
             </a:pPr>
             <a:r>
+              <a:rPr lang="en-US" sz="2400" dirty="0" smtClean="0">
+                <a:solidFill>
+                  <a:srgbClr val="0000FF"/>
+                </a:solidFill>
+              </a:rPr>
+              <a:t>&amp; </a:t>
+            </a:r>
+            <a:r>
               <a:rPr lang="en-US" sz="2400" dirty="0">
                 <a:solidFill>
                   <a:srgbClr val="0000FF"/>
                 </a:solidFill>
               </a:rPr>
-              <a:t>Make Asset Life Cycle Management System</a:t>
+              <a:t>standardize electronic stamps</a:t>
             </a:r>
             <a:endParaRPr kumimoji="1" lang="en-US" altLang="ja-JP" sz="2400" dirty="0">
               <a:solidFill>
@@ -11390,8 +11429,23 @@
                   </a:solidFill>
                   <a:ea typeface="Meiryo UI" panose="020B0604030504040204" pitchFamily="50" charset="-128"/>
                 </a:rPr>
-                <a:t>Job History &amp; Achievement (2109-2023)</a:t>
+                <a:t>Job History &amp; Achievement (</a:t>
               </a:r>
+              <a:r>
+                <a:rPr lang="en-US" altLang="ja-JP" sz="2000" b="1" dirty="0" smtClean="0">
+                  <a:solidFill>
+                    <a:srgbClr val="FFFFCC"/>
+                  </a:solidFill>
+                  <a:ea typeface="Meiryo UI" panose="020B0604030504040204" pitchFamily="50" charset="-128"/>
+                </a:rPr>
+                <a:t>2019-2024)</a:t>
+              </a:r>
+              <a:endParaRPr lang="en-US" altLang="ja-JP" sz="2000" b="1" dirty="0">
+                <a:solidFill>
+                  <a:srgbClr val="FFFFCC"/>
+                </a:solidFill>
+                <a:ea typeface="Meiryo UI" panose="020B0604030504040204" pitchFamily="50" charset="-128"/>
+              </a:endParaRPr>
             </a:p>
           </p:txBody>
         </p:sp>
@@ -11841,7 +11895,7 @@
           <p:nvPr>
             <p:extLst>
               <p:ext uri="{D42A27DB-BD31-4B8C-83A1-F6EECF244321}">
-                <p14:modId xmlns:p14="http://schemas.microsoft.com/office/powerpoint/2010/main" val="3182741883"/>
+                <p14:modId xmlns:p14="http://schemas.microsoft.com/office/powerpoint/2010/main" val="3140414410"/>
               </p:ext>
             </p:extLst>
           </p:nvPr>
@@ -12224,24 +12278,9 @@
                           <a:spcPct val="150000"/>
                         </a:lnSpc>
                       </a:pPr>
-                      <a:r>
-                        <a:rPr lang="en-US" sz="1600" dirty="0">
-                          <a:latin typeface="Arial "/>
-                        </a:rPr>
-                        <a:t>Rank</a:t>
-                      </a:r>
-                      <a:r>
-                        <a:rPr lang="en-US" sz="1600" baseline="0" dirty="0">
-                          <a:latin typeface="Arial "/>
-                        </a:rPr>
-                        <a:t> </a:t>
-                      </a:r>
-                      <a:r>
-                        <a:rPr lang="en-US" sz="1600" dirty="0">
-                          <a:latin typeface="Arial "/>
-                        </a:rPr>
-                        <a:t>up (V12-V13)</a:t>
-                      </a:r>
+                      <a:endParaRPr lang="en-US" sz="1600" dirty="0">
+                        <a:latin typeface="Arial "/>
+                      </a:endParaRPr>
                     </a:p>
                   </a:txBody>
                   <a:tcPr marL="0" marR="0" marT="0" marB="0">
@@ -12462,1396 +12501,6 @@
           </a:graphicData>
         </a:graphic>
       </p:graphicFrame>
-      <p:sp>
-        <p:nvSpPr>
-          <p:cNvPr id="6" name="Rectangle 5"/>
-          <p:cNvSpPr/>
-          <p:nvPr/>
-        </p:nvSpPr>
-        <p:spPr>
-          <a:xfrm>
-            <a:off x="5257800" y="1066731"/>
-            <a:ext cx="2912443" cy="315706"/>
-          </a:xfrm>
-          <a:prstGeom prst="rect">
-            <a:avLst/>
-          </a:prstGeom>
-          <a:solidFill>
-            <a:schemeClr val="tx2">
-              <a:lumMod val="20000"/>
-              <a:lumOff val="80000"/>
-            </a:schemeClr>
-          </a:solidFill>
-          <a:ln w="12700"/>
-        </p:spPr>
-        <p:style>
-          <a:lnRef idx="2">
-            <a:schemeClr val="accent1">
-              <a:shade val="50000"/>
-            </a:schemeClr>
-          </a:lnRef>
-          <a:fillRef idx="1">
-            <a:schemeClr val="accent1"/>
-          </a:fillRef>
-          <a:effectRef idx="0">
-            <a:schemeClr val="accent1"/>
-          </a:effectRef>
-          <a:fontRef idx="minor">
-            <a:schemeClr val="lt1"/>
-          </a:fontRef>
-        </p:style>
-        <p:txBody>
-          <a:bodyPr rtlCol="0" anchor="ctr"/>
-          <a:lstStyle/>
-          <a:p>
-            <a:pPr algn="ctr"/>
-            <a:r>
-              <a:rPr lang="en-US" sz="1600" b="1" dirty="0">
-                <a:solidFill>
-                  <a:schemeClr val="tx1"/>
-                </a:solidFill>
-                <a:latin typeface="Arial "/>
-              </a:rPr>
-              <a:t>ISD (GM. Matsushita)</a:t>
-            </a:r>
-          </a:p>
-        </p:txBody>
-      </p:sp>
-      <p:sp>
-        <p:nvSpPr>
-          <p:cNvPr id="7" name="Rectangle 6"/>
-          <p:cNvSpPr/>
-          <p:nvPr/>
-        </p:nvSpPr>
-        <p:spPr>
-          <a:xfrm>
-            <a:off x="7206770" y="2743200"/>
-            <a:ext cx="1900718" cy="381000"/>
-          </a:xfrm>
-          <a:prstGeom prst="rect">
-            <a:avLst/>
-          </a:prstGeom>
-          <a:solidFill>
-            <a:schemeClr val="bg1">
-              <a:lumMod val="95000"/>
-            </a:schemeClr>
-          </a:solidFill>
-          <a:ln w="3175"/>
-        </p:spPr>
-        <p:style>
-          <a:lnRef idx="2">
-            <a:schemeClr val="accent1">
-              <a:shade val="50000"/>
-            </a:schemeClr>
-          </a:lnRef>
-          <a:fillRef idx="1">
-            <a:schemeClr val="accent1"/>
-          </a:fillRef>
-          <a:effectRef idx="0">
-            <a:schemeClr val="accent1"/>
-          </a:effectRef>
-          <a:fontRef idx="minor">
-            <a:schemeClr val="lt1"/>
-          </a:fontRef>
-        </p:style>
-        <p:txBody>
-          <a:bodyPr rtlCol="0" anchor="ctr"/>
-          <a:lstStyle/>
-          <a:p>
-            <a:pPr algn="ctr"/>
-            <a:r>
-              <a:rPr lang="en-US" sz="1600" dirty="0">
-                <a:solidFill>
-                  <a:schemeClr val="tx1"/>
-                </a:solidFill>
-                <a:latin typeface="Arial "/>
-              </a:rPr>
-              <a:t>Business Planning</a:t>
-            </a:r>
-          </a:p>
-        </p:txBody>
-      </p:sp>
-      <p:sp>
-        <p:nvSpPr>
-          <p:cNvPr id="20" name="Rectangle 19"/>
-          <p:cNvSpPr/>
-          <p:nvPr/>
-        </p:nvSpPr>
-        <p:spPr>
-          <a:xfrm>
-            <a:off x="5467180" y="2743200"/>
-            <a:ext cx="705020" cy="367792"/>
-          </a:xfrm>
-          <a:prstGeom prst="rect">
-            <a:avLst/>
-          </a:prstGeom>
-          <a:solidFill>
-            <a:schemeClr val="bg1">
-              <a:lumMod val="95000"/>
-            </a:schemeClr>
-          </a:solidFill>
-          <a:ln w="3175"/>
-        </p:spPr>
-        <p:style>
-          <a:lnRef idx="2">
-            <a:schemeClr val="accent1">
-              <a:shade val="50000"/>
-            </a:schemeClr>
-          </a:lnRef>
-          <a:fillRef idx="1">
-            <a:schemeClr val="accent1"/>
-          </a:fillRef>
-          <a:effectRef idx="0">
-            <a:schemeClr val="accent1"/>
-          </a:effectRef>
-          <a:fontRef idx="minor">
-            <a:schemeClr val="lt1"/>
-          </a:fontRef>
-        </p:style>
-        <p:txBody>
-          <a:bodyPr rtlCol="0" anchor="ctr"/>
-          <a:lstStyle/>
-          <a:p>
-            <a:pPr algn="ctr"/>
-            <a:r>
-              <a:rPr lang="en-US" sz="1600" dirty="0">
-                <a:solidFill>
-                  <a:schemeClr val="tx1"/>
-                </a:solidFill>
-                <a:latin typeface="Arial "/>
-              </a:rPr>
-              <a:t>Sap</a:t>
-            </a:r>
-          </a:p>
-        </p:txBody>
-      </p:sp>
-      <p:sp>
-        <p:nvSpPr>
-          <p:cNvPr id="21" name="Rectangle 20"/>
-          <p:cNvSpPr/>
-          <p:nvPr/>
-        </p:nvSpPr>
-        <p:spPr>
-          <a:xfrm>
-            <a:off x="6324600" y="2743200"/>
-            <a:ext cx="729770" cy="377120"/>
-          </a:xfrm>
-          <a:prstGeom prst="rect">
-            <a:avLst/>
-          </a:prstGeom>
-          <a:solidFill>
-            <a:schemeClr val="bg1">
-              <a:lumMod val="95000"/>
-            </a:schemeClr>
-          </a:solidFill>
-          <a:ln w="3175"/>
-        </p:spPr>
-        <p:style>
-          <a:lnRef idx="2">
-            <a:schemeClr val="accent1">
-              <a:shade val="50000"/>
-            </a:schemeClr>
-          </a:lnRef>
-          <a:fillRef idx="1">
-            <a:schemeClr val="accent1"/>
-          </a:fillRef>
-          <a:effectRef idx="0">
-            <a:schemeClr val="accent1"/>
-          </a:effectRef>
-          <a:fontRef idx="minor">
-            <a:schemeClr val="lt1"/>
-          </a:fontRef>
-        </p:style>
-        <p:txBody>
-          <a:bodyPr rtlCol="0" anchor="ctr"/>
-          <a:lstStyle/>
-          <a:p>
-            <a:pPr algn="ctr"/>
-            <a:r>
-              <a:rPr lang="en-US" sz="1600" dirty="0">
-                <a:solidFill>
-                  <a:schemeClr val="tx1"/>
-                </a:solidFill>
-                <a:latin typeface="Arial "/>
-              </a:rPr>
-              <a:t>Infra</a:t>
-            </a:r>
-          </a:p>
-        </p:txBody>
-      </p:sp>
-      <p:sp>
-        <p:nvSpPr>
-          <p:cNvPr id="23" name="Rectangle 22"/>
-          <p:cNvSpPr/>
-          <p:nvPr/>
-        </p:nvSpPr>
-        <p:spPr>
-          <a:xfrm>
-            <a:off x="4191000" y="2743200"/>
-            <a:ext cx="1124856" cy="357582"/>
-          </a:xfrm>
-          <a:prstGeom prst="rect">
-            <a:avLst/>
-          </a:prstGeom>
-          <a:solidFill>
-            <a:schemeClr val="bg1">
-              <a:lumMod val="95000"/>
-            </a:schemeClr>
-          </a:solidFill>
-          <a:ln w="3175"/>
-        </p:spPr>
-        <p:style>
-          <a:lnRef idx="2">
-            <a:schemeClr val="accent1">
-              <a:shade val="50000"/>
-            </a:schemeClr>
-          </a:lnRef>
-          <a:fillRef idx="1">
-            <a:schemeClr val="accent1"/>
-          </a:fillRef>
-          <a:effectRef idx="0">
-            <a:schemeClr val="accent1"/>
-          </a:effectRef>
-          <a:fontRef idx="minor">
-            <a:schemeClr val="lt1"/>
-          </a:fontRef>
-        </p:style>
-        <p:txBody>
-          <a:bodyPr rtlCol="0" anchor="ctr"/>
-          <a:lstStyle/>
-          <a:p>
-            <a:pPr algn="ctr"/>
-            <a:r>
-              <a:rPr lang="en-US" sz="1600" dirty="0">
-                <a:solidFill>
-                  <a:schemeClr val="tx1"/>
-                </a:solidFill>
-                <a:latin typeface="Arial "/>
-              </a:rPr>
-              <a:t>Develop</a:t>
-            </a:r>
-          </a:p>
-        </p:txBody>
-      </p:sp>
-      <p:sp>
-        <p:nvSpPr>
-          <p:cNvPr id="14" name="Rectangle 13"/>
-          <p:cNvSpPr/>
-          <p:nvPr/>
-        </p:nvSpPr>
-        <p:spPr>
-          <a:xfrm>
-            <a:off x="4966650" y="2521646"/>
-            <a:ext cx="627744" cy="257959"/>
-          </a:xfrm>
-          <a:prstGeom prst="rect">
-            <a:avLst/>
-          </a:prstGeom>
-          <a:noFill/>
-          <a:ln>
-            <a:noFill/>
-          </a:ln>
-        </p:spPr>
-        <p:style>
-          <a:lnRef idx="2">
-            <a:schemeClr val="accent1">
-              <a:shade val="50000"/>
-            </a:schemeClr>
-          </a:lnRef>
-          <a:fillRef idx="1">
-            <a:schemeClr val="accent1"/>
-          </a:fillRef>
-          <a:effectRef idx="0">
-            <a:schemeClr val="accent1"/>
-          </a:effectRef>
-          <a:fontRef idx="minor">
-            <a:schemeClr val="lt1"/>
-          </a:fontRef>
-        </p:style>
-        <p:txBody>
-          <a:bodyPr rtlCol="0" anchor="ctr"/>
-          <a:lstStyle/>
-          <a:p>
-            <a:pPr algn="ctr"/>
-            <a:r>
-              <a:rPr lang="en-US" sz="1400" dirty="0">
-                <a:solidFill>
-                  <a:schemeClr val="tx1"/>
-                </a:solidFill>
-                <a:latin typeface="Arial "/>
-              </a:rPr>
-              <a:t>4HC</a:t>
-            </a:r>
-          </a:p>
-        </p:txBody>
-      </p:sp>
-      <p:cxnSp>
-        <p:nvCxnSpPr>
-          <p:cNvPr id="47" name="Straight Arrow Connector 46"/>
-          <p:cNvCxnSpPr>
-            <a:cxnSpLocks/>
-          </p:cNvCxnSpPr>
-          <p:nvPr/>
-        </p:nvCxnSpPr>
-        <p:spPr>
-          <a:xfrm>
-            <a:off x="5819690" y="1905000"/>
-            <a:ext cx="0" cy="841353"/>
-          </a:xfrm>
-          <a:prstGeom prst="straightConnector1">
-            <a:avLst/>
-          </a:prstGeom>
-          <a:ln w="12700">
-            <a:tailEnd type="triangle"/>
-          </a:ln>
-        </p:spPr>
-        <p:style>
-          <a:lnRef idx="1">
-            <a:schemeClr val="accent1"/>
-          </a:lnRef>
-          <a:fillRef idx="0">
-            <a:schemeClr val="accent1"/>
-          </a:fillRef>
-          <a:effectRef idx="0">
-            <a:schemeClr val="accent1"/>
-          </a:effectRef>
-          <a:fontRef idx="minor">
-            <a:schemeClr val="tx1"/>
-          </a:fontRef>
-        </p:style>
-      </p:cxnSp>
-      <p:cxnSp>
-        <p:nvCxnSpPr>
-          <p:cNvPr id="50" name="Straight Arrow Connector 49"/>
-          <p:cNvCxnSpPr/>
-          <p:nvPr/>
-        </p:nvCxnSpPr>
-        <p:spPr>
-          <a:xfrm>
-            <a:off x="6689485" y="2514600"/>
-            <a:ext cx="0" cy="228600"/>
-          </a:xfrm>
-          <a:prstGeom prst="straightConnector1">
-            <a:avLst/>
-          </a:prstGeom>
-          <a:ln w="12700">
-            <a:tailEnd type="triangle"/>
-          </a:ln>
-        </p:spPr>
-        <p:style>
-          <a:lnRef idx="1">
-            <a:schemeClr val="accent1"/>
-          </a:lnRef>
-          <a:fillRef idx="0">
-            <a:schemeClr val="accent1"/>
-          </a:fillRef>
-          <a:effectRef idx="0">
-            <a:schemeClr val="accent1"/>
-          </a:effectRef>
-          <a:fontRef idx="minor">
-            <a:schemeClr val="tx1"/>
-          </a:fontRef>
-        </p:style>
-      </p:cxnSp>
-      <p:cxnSp>
-        <p:nvCxnSpPr>
-          <p:cNvPr id="51" name="Straight Arrow Connector 50"/>
-          <p:cNvCxnSpPr>
-            <a:cxnSpLocks/>
-          </p:cNvCxnSpPr>
-          <p:nvPr/>
-        </p:nvCxnSpPr>
-        <p:spPr>
-          <a:xfrm>
-            <a:off x="8077200" y="1905000"/>
-            <a:ext cx="0" cy="820914"/>
-          </a:xfrm>
-          <a:prstGeom prst="straightConnector1">
-            <a:avLst/>
-          </a:prstGeom>
-          <a:ln w="12700">
-            <a:tailEnd type="triangle"/>
-          </a:ln>
-        </p:spPr>
-        <p:style>
-          <a:lnRef idx="1">
-            <a:schemeClr val="accent1"/>
-          </a:lnRef>
-          <a:fillRef idx="0">
-            <a:schemeClr val="accent1"/>
-          </a:fillRef>
-          <a:effectRef idx="0">
-            <a:schemeClr val="accent1"/>
-          </a:effectRef>
-          <a:fontRef idx="minor">
-            <a:schemeClr val="tx1"/>
-          </a:fontRef>
-        </p:style>
-      </p:cxnSp>
-      <p:cxnSp>
-        <p:nvCxnSpPr>
-          <p:cNvPr id="4165" name="Straight Connector 4164"/>
-          <p:cNvCxnSpPr>
-            <a:cxnSpLocks/>
-          </p:cNvCxnSpPr>
-          <p:nvPr/>
-        </p:nvCxnSpPr>
-        <p:spPr>
-          <a:xfrm>
-            <a:off x="6689485" y="1371600"/>
-            <a:ext cx="0" cy="228600"/>
-          </a:xfrm>
-          <a:prstGeom prst="line">
-            <a:avLst/>
-          </a:prstGeom>
-          <a:ln w="12700"/>
-        </p:spPr>
-        <p:style>
-          <a:lnRef idx="1">
-            <a:schemeClr val="accent1"/>
-          </a:lnRef>
-          <a:fillRef idx="0">
-            <a:schemeClr val="accent1"/>
-          </a:fillRef>
-          <a:effectRef idx="0">
-            <a:schemeClr val="accent1"/>
-          </a:effectRef>
-          <a:fontRef idx="minor">
-            <a:schemeClr val="tx1"/>
-          </a:fontRef>
-        </p:style>
-      </p:cxnSp>
-      <p:cxnSp>
-        <p:nvCxnSpPr>
-          <p:cNvPr id="72" name="Straight Connector 71"/>
-          <p:cNvCxnSpPr>
-            <a:cxnSpLocks/>
-          </p:cNvCxnSpPr>
-          <p:nvPr/>
-        </p:nvCxnSpPr>
-        <p:spPr>
-          <a:xfrm>
-            <a:off x="6689484" y="1785122"/>
-            <a:ext cx="2" cy="960912"/>
-          </a:xfrm>
-          <a:prstGeom prst="line">
-            <a:avLst/>
-          </a:prstGeom>
-          <a:ln w="12700"/>
-        </p:spPr>
-        <p:style>
-          <a:lnRef idx="1">
-            <a:schemeClr val="accent1"/>
-          </a:lnRef>
-          <a:fillRef idx="0">
-            <a:schemeClr val="accent1"/>
-          </a:fillRef>
-          <a:effectRef idx="0">
-            <a:schemeClr val="accent1"/>
-          </a:effectRef>
-          <a:fontRef idx="minor">
-            <a:schemeClr val="tx1"/>
-          </a:fontRef>
-        </p:style>
-      </p:cxnSp>
-      <p:sp>
-        <p:nvSpPr>
-          <p:cNvPr id="73" name="Rectangle 72"/>
-          <p:cNvSpPr/>
-          <p:nvPr/>
-        </p:nvSpPr>
-        <p:spPr>
-          <a:xfrm>
-            <a:off x="5812663" y="2521647"/>
-            <a:ext cx="627744" cy="257959"/>
-          </a:xfrm>
-          <a:prstGeom prst="rect">
-            <a:avLst/>
-          </a:prstGeom>
-          <a:noFill/>
-          <a:ln>
-            <a:noFill/>
-          </a:ln>
-        </p:spPr>
-        <p:style>
-          <a:lnRef idx="2">
-            <a:schemeClr val="accent1">
-              <a:shade val="50000"/>
-            </a:schemeClr>
-          </a:lnRef>
-          <a:fillRef idx="1">
-            <a:schemeClr val="accent1"/>
-          </a:fillRef>
-          <a:effectRef idx="0">
-            <a:schemeClr val="accent1"/>
-          </a:effectRef>
-          <a:fontRef idx="minor">
-            <a:schemeClr val="lt1"/>
-          </a:fontRef>
-        </p:style>
-        <p:txBody>
-          <a:bodyPr rtlCol="0" anchor="ctr"/>
-          <a:lstStyle/>
-          <a:p>
-            <a:pPr algn="ctr"/>
-            <a:r>
-              <a:rPr lang="en-US" sz="1400" dirty="0">
-                <a:solidFill>
-                  <a:schemeClr val="tx1"/>
-                </a:solidFill>
-                <a:latin typeface="Arial "/>
-              </a:rPr>
-              <a:t>4HC</a:t>
-            </a:r>
-          </a:p>
-        </p:txBody>
-      </p:sp>
-      <p:sp>
-        <p:nvSpPr>
-          <p:cNvPr id="74" name="Rectangle 73"/>
-          <p:cNvSpPr/>
-          <p:nvPr/>
-        </p:nvSpPr>
-        <p:spPr>
-          <a:xfrm>
-            <a:off x="6668236" y="2531911"/>
-            <a:ext cx="627744" cy="257959"/>
-          </a:xfrm>
-          <a:prstGeom prst="rect">
-            <a:avLst/>
-          </a:prstGeom>
-          <a:noFill/>
-          <a:ln>
-            <a:noFill/>
-          </a:ln>
-        </p:spPr>
-        <p:style>
-          <a:lnRef idx="2">
-            <a:schemeClr val="accent1">
-              <a:shade val="50000"/>
-            </a:schemeClr>
-          </a:lnRef>
-          <a:fillRef idx="1">
-            <a:schemeClr val="accent1"/>
-          </a:fillRef>
-          <a:effectRef idx="0">
-            <a:schemeClr val="accent1"/>
-          </a:effectRef>
-          <a:fontRef idx="minor">
-            <a:schemeClr val="lt1"/>
-          </a:fontRef>
-        </p:style>
-        <p:txBody>
-          <a:bodyPr rtlCol="0" anchor="ctr"/>
-          <a:lstStyle/>
-          <a:p>
-            <a:pPr algn="ctr"/>
-            <a:r>
-              <a:rPr lang="en-US" sz="1400" dirty="0">
-                <a:solidFill>
-                  <a:schemeClr val="tx1"/>
-                </a:solidFill>
-                <a:latin typeface="Arial "/>
-              </a:rPr>
-              <a:t>6HC</a:t>
-            </a:r>
-          </a:p>
-        </p:txBody>
-      </p:sp>
-      <p:sp>
-        <p:nvSpPr>
-          <p:cNvPr id="75" name="Rectangle 74"/>
-          <p:cNvSpPr/>
-          <p:nvPr/>
-        </p:nvSpPr>
-        <p:spPr>
-          <a:xfrm>
-            <a:off x="8051828" y="2520373"/>
-            <a:ext cx="627744" cy="257959"/>
-          </a:xfrm>
-          <a:prstGeom prst="rect">
-            <a:avLst/>
-          </a:prstGeom>
-          <a:noFill/>
-          <a:ln>
-            <a:noFill/>
-          </a:ln>
-        </p:spPr>
-        <p:style>
-          <a:lnRef idx="2">
-            <a:schemeClr val="accent1">
-              <a:shade val="50000"/>
-            </a:schemeClr>
-          </a:lnRef>
-          <a:fillRef idx="1">
-            <a:schemeClr val="accent1"/>
-          </a:fillRef>
-          <a:effectRef idx="0">
-            <a:schemeClr val="accent1"/>
-          </a:effectRef>
-          <a:fontRef idx="minor">
-            <a:schemeClr val="lt1"/>
-          </a:fontRef>
-        </p:style>
-        <p:txBody>
-          <a:bodyPr rtlCol="0" anchor="ctr"/>
-          <a:lstStyle/>
-          <a:p>
-            <a:pPr algn="ctr"/>
-            <a:r>
-              <a:rPr lang="en-US" sz="1400" dirty="0">
-                <a:solidFill>
-                  <a:schemeClr val="tx1"/>
-                </a:solidFill>
-                <a:latin typeface="Arial "/>
-              </a:rPr>
-              <a:t>2HC</a:t>
-            </a:r>
-          </a:p>
-        </p:txBody>
-      </p:sp>
-      <p:sp>
-        <p:nvSpPr>
-          <p:cNvPr id="4171" name="Rectangle 4170"/>
-          <p:cNvSpPr/>
-          <p:nvPr/>
-        </p:nvSpPr>
-        <p:spPr>
-          <a:xfrm>
-            <a:off x="4183613" y="2390453"/>
-            <a:ext cx="740330" cy="247397"/>
-          </a:xfrm>
-          <a:prstGeom prst="rect">
-            <a:avLst/>
-          </a:prstGeom>
-          <a:noFill/>
-          <a:ln w="6350"/>
-        </p:spPr>
-        <p:style>
-          <a:lnRef idx="2">
-            <a:schemeClr val="accent1">
-              <a:shade val="50000"/>
-            </a:schemeClr>
-          </a:lnRef>
-          <a:fillRef idx="1">
-            <a:schemeClr val="accent1"/>
-          </a:fillRef>
-          <a:effectRef idx="0">
-            <a:schemeClr val="accent1"/>
-          </a:effectRef>
-          <a:fontRef idx="minor">
-            <a:schemeClr val="lt1"/>
-          </a:fontRef>
-        </p:style>
-        <p:txBody>
-          <a:bodyPr lIns="0" tIns="0" rIns="0" bIns="0" rtlCol="0" anchor="ctr"/>
-          <a:lstStyle/>
-          <a:p>
-            <a:pPr algn="ctr"/>
-            <a:r>
-              <a:rPr lang="en-US" sz="1200" b="1" dirty="0">
-                <a:solidFill>
-                  <a:schemeClr val="tx1"/>
-                </a:solidFill>
-                <a:latin typeface="Arial "/>
-              </a:rPr>
-              <a:t>Sup. Minh</a:t>
-            </a:r>
-          </a:p>
-        </p:txBody>
-      </p:sp>
-      <p:sp>
-        <p:nvSpPr>
-          <p:cNvPr id="46" name="Rectangle 45"/>
-          <p:cNvSpPr/>
-          <p:nvPr/>
-        </p:nvSpPr>
-        <p:spPr>
-          <a:xfrm>
-            <a:off x="6172200" y="5112444"/>
-            <a:ext cx="2918692" cy="1669355"/>
-          </a:xfrm>
-          <a:prstGeom prst="rect">
-            <a:avLst/>
-          </a:prstGeom>
-          <a:solidFill>
-            <a:schemeClr val="bg1"/>
-          </a:solidFill>
-          <a:ln w="3175">
-            <a:solidFill>
-              <a:schemeClr val="tx1"/>
-            </a:solidFill>
-          </a:ln>
-        </p:spPr>
-        <p:style>
-          <a:lnRef idx="2">
-            <a:schemeClr val="accent1">
-              <a:shade val="50000"/>
-            </a:schemeClr>
-          </a:lnRef>
-          <a:fillRef idx="1">
-            <a:schemeClr val="accent1"/>
-          </a:fillRef>
-          <a:effectRef idx="0">
-            <a:schemeClr val="accent1"/>
-          </a:effectRef>
-          <a:fontRef idx="minor">
-            <a:schemeClr val="lt1"/>
-          </a:fontRef>
-        </p:style>
-        <p:txBody>
-          <a:bodyPr lIns="72000" tIns="45720" rIns="0" bIns="0" rtlCol="0" anchor="ctr"/>
-          <a:lstStyle/>
-          <a:p>
-            <a:pPr>
-              <a:lnSpc>
-                <a:spcPct val="130000"/>
-              </a:lnSpc>
-            </a:pPr>
-            <a:r>
-              <a:rPr lang="en-US" sz="1600" b="1" dirty="0">
-                <a:solidFill>
-                  <a:srgbClr val="0000FF"/>
-                </a:solidFill>
-                <a:latin typeface="Arial" panose="020B0604020202020204" pitchFamily="34" charset="0"/>
-                <a:cs typeface="Arial" panose="020B0604020202020204" pitchFamily="34" charset="0"/>
-                <a:sym typeface="Wingdings" panose="05000000000000000000" pitchFamily="2" charset="2"/>
-              </a:rPr>
-              <a:t> Ensure Quality</a:t>
-            </a:r>
-            <a:endParaRPr lang="en-US" sz="1600" b="1" dirty="0">
-              <a:solidFill>
-                <a:srgbClr val="0000FF"/>
-              </a:solidFill>
-              <a:latin typeface="Arial" panose="020B0604020202020204" pitchFamily="34" charset="0"/>
-              <a:cs typeface="Arial" panose="020B0604020202020204" pitchFamily="34" charset="0"/>
-            </a:endParaRPr>
-          </a:p>
-          <a:p>
-            <a:pPr marL="285750" indent="-285750" fontAlgn="b">
-              <a:lnSpc>
-                <a:spcPct val="130000"/>
-              </a:lnSpc>
-              <a:buFont typeface="Wingdings" panose="05000000000000000000" pitchFamily="2" charset="2"/>
-              <a:buChar char="ü"/>
-            </a:pPr>
-            <a:r>
-              <a:rPr lang="en-US" sz="1400" dirty="0">
-                <a:solidFill>
-                  <a:schemeClr val="tx1"/>
-                </a:solidFill>
-                <a:latin typeface="Arial" panose="020B0604020202020204" pitchFamily="34" charset="0"/>
-                <a:cs typeface="Arial" panose="020B0604020202020204" pitchFamily="34" charset="0"/>
-              </a:rPr>
-              <a:t>Develop weigh check system</a:t>
-            </a:r>
-          </a:p>
-          <a:p>
-            <a:pPr marL="285750" indent="-285750" fontAlgn="b">
-              <a:lnSpc>
-                <a:spcPct val="130000"/>
-              </a:lnSpc>
-              <a:buFont typeface="Wingdings" panose="05000000000000000000" pitchFamily="2" charset="2"/>
-              <a:buChar char="ü"/>
-            </a:pPr>
-            <a:r>
-              <a:rPr lang="en-US" sz="1400" dirty="0">
-                <a:solidFill>
-                  <a:schemeClr val="tx1"/>
-                </a:solidFill>
-                <a:latin typeface="Arial" panose="020B0604020202020204" pitchFamily="34" charset="0"/>
-                <a:cs typeface="Arial" panose="020B0604020202020204" pitchFamily="34" charset="0"/>
-              </a:rPr>
-              <a:t>Modify printing label system</a:t>
-            </a:r>
-          </a:p>
-          <a:p>
-            <a:pPr marL="285750" indent="-285750" fontAlgn="b">
-              <a:lnSpc>
-                <a:spcPct val="130000"/>
-              </a:lnSpc>
-              <a:buFont typeface="Wingdings" panose="05000000000000000000" pitchFamily="2" charset="2"/>
-              <a:buChar char="ü"/>
-            </a:pPr>
-            <a:r>
-              <a:rPr lang="en-US" sz="1400" dirty="0">
-                <a:solidFill>
-                  <a:schemeClr val="tx1"/>
-                </a:solidFill>
-                <a:latin typeface="Arial" panose="020B0604020202020204" pitchFamily="34" charset="0"/>
-                <a:cs typeface="Arial" panose="020B0604020202020204" pitchFamily="34" charset="0"/>
-              </a:rPr>
-              <a:t>Check Double ID, PL, shipping for all production line</a:t>
-            </a:r>
-          </a:p>
-          <a:p>
-            <a:pPr marL="285750" indent="-285750" fontAlgn="b">
-              <a:buFont typeface="Wingdings" panose="05000000000000000000" pitchFamily="2" charset="2"/>
-              <a:buChar char="ü"/>
-            </a:pPr>
-            <a:endParaRPr lang="en-US" sz="1400" dirty="0">
-              <a:solidFill>
-                <a:schemeClr val="tx1"/>
-              </a:solidFill>
-              <a:latin typeface="Arial" panose="020B0604020202020204" pitchFamily="34" charset="0"/>
-              <a:cs typeface="Arial" panose="020B0604020202020204" pitchFamily="34" charset="0"/>
-            </a:endParaRPr>
-          </a:p>
-        </p:txBody>
-      </p:sp>
-      <p:sp>
-        <p:nvSpPr>
-          <p:cNvPr id="4" name="Rectangle 3">
-            <a:extLst>
-              <a:ext uri="{FF2B5EF4-FFF2-40B4-BE49-F238E27FC236}">
-                <a16:creationId xmlns:a16="http://schemas.microsoft.com/office/drawing/2014/main" id="{6BF2196E-75C7-4490-9AE3-3B4D10D7EDF1}"/>
-              </a:ext>
-            </a:extLst>
-          </p:cNvPr>
-          <p:cNvSpPr/>
-          <p:nvPr/>
-        </p:nvSpPr>
-        <p:spPr>
-          <a:xfrm>
-            <a:off x="3154735" y="5112444"/>
-            <a:ext cx="2971800" cy="1684082"/>
-          </a:xfrm>
-          <a:prstGeom prst="rect">
-            <a:avLst/>
-          </a:prstGeom>
-          <a:noFill/>
-          <a:ln w="3175">
-            <a:solidFill>
-              <a:schemeClr val="tx1"/>
-            </a:solidFill>
-          </a:ln>
-        </p:spPr>
-        <p:style>
-          <a:lnRef idx="2">
-            <a:schemeClr val="accent1">
-              <a:shade val="50000"/>
-            </a:schemeClr>
-          </a:lnRef>
-          <a:fillRef idx="1">
-            <a:schemeClr val="accent1"/>
-          </a:fillRef>
-          <a:effectRef idx="0">
-            <a:schemeClr val="accent1"/>
-          </a:effectRef>
-          <a:fontRef idx="minor">
-            <a:schemeClr val="lt1"/>
-          </a:fontRef>
-        </p:style>
-        <p:txBody>
-          <a:bodyPr lIns="72000" rIns="0" rtlCol="0" anchor="ctr"/>
-          <a:lstStyle/>
-          <a:p>
-            <a:pPr>
-              <a:lnSpc>
-                <a:spcPct val="130000"/>
-              </a:lnSpc>
-            </a:pPr>
-            <a:r>
-              <a:rPr lang="en-US" sz="1600" b="1" dirty="0">
-                <a:solidFill>
-                  <a:srgbClr val="0000FF"/>
-                </a:solidFill>
-                <a:latin typeface="Arial" panose="020B0604020202020204" pitchFamily="34" charset="0"/>
-                <a:cs typeface="Arial" panose="020B0604020202020204" pitchFamily="34" charset="0"/>
-                <a:sym typeface="Wingdings" panose="05000000000000000000" pitchFamily="2" charset="2"/>
-              </a:rPr>
-              <a:t> </a:t>
-            </a:r>
-            <a:r>
-              <a:rPr lang="en-US" sz="1600" b="1" dirty="0">
-                <a:solidFill>
-                  <a:srgbClr val="0000FF"/>
-                </a:solidFill>
-                <a:latin typeface="Arial" panose="020B0604020202020204" pitchFamily="34" charset="0"/>
-                <a:cs typeface="Arial" panose="020B0604020202020204" pitchFamily="34" charset="0"/>
-              </a:rPr>
-              <a:t>Save cost</a:t>
-            </a:r>
-          </a:p>
-          <a:p>
-            <a:pPr marL="285750" indent="-285750" fontAlgn="b">
-              <a:lnSpc>
-                <a:spcPct val="130000"/>
-              </a:lnSpc>
-              <a:buFont typeface="Wingdings" panose="05000000000000000000" pitchFamily="2" charset="2"/>
-              <a:buChar char="ü"/>
-            </a:pPr>
-            <a:r>
-              <a:rPr lang="en-US" sz="1400" dirty="0">
-                <a:solidFill>
-                  <a:schemeClr val="tx1"/>
-                </a:solidFill>
-                <a:latin typeface="Arial" panose="020B0604020202020204" pitchFamily="34" charset="0"/>
-                <a:cs typeface="Arial" panose="020B0604020202020204" pitchFamily="34" charset="0"/>
-              </a:rPr>
-              <a:t>Tally sheet for SCM (33.6K$)</a:t>
-            </a:r>
-          </a:p>
-          <a:p>
-            <a:pPr marL="285750" indent="-285750" fontAlgn="b">
-              <a:lnSpc>
-                <a:spcPct val="130000"/>
-              </a:lnSpc>
-              <a:buFont typeface="Wingdings" panose="05000000000000000000" pitchFamily="2" charset="2"/>
-              <a:buChar char="ü"/>
-            </a:pPr>
-            <a:r>
-              <a:rPr lang="en-US" sz="1400" dirty="0">
-                <a:solidFill>
-                  <a:schemeClr val="tx1"/>
-                </a:solidFill>
-                <a:latin typeface="Arial" panose="020B0604020202020204" pitchFamily="34" charset="0"/>
-                <a:cs typeface="Arial" panose="020B0604020202020204" pitchFamily="34" charset="0"/>
-              </a:rPr>
-              <a:t>Manage sub-material(16.8K$)</a:t>
-            </a:r>
-          </a:p>
-          <a:p>
-            <a:pPr marL="285750" indent="-285750" fontAlgn="b">
-              <a:lnSpc>
-                <a:spcPct val="130000"/>
-              </a:lnSpc>
-              <a:buFont typeface="Wingdings" panose="05000000000000000000" pitchFamily="2" charset="2"/>
-              <a:buChar char="ü"/>
-            </a:pPr>
-            <a:r>
-              <a:rPr lang="en-US" sz="1400" dirty="0">
-                <a:solidFill>
-                  <a:schemeClr val="tx1"/>
-                </a:solidFill>
-                <a:latin typeface="Arial" panose="020B0604020202020204" pitchFamily="34" charset="0"/>
-                <a:cs typeface="Arial" panose="020B0604020202020204" pitchFamily="34" charset="0"/>
-              </a:rPr>
-              <a:t>Sound Biz Adding Serial Outer &amp; Shipping control (7.8K</a:t>
-            </a:r>
-            <a:r>
-              <a:rPr lang="en-US" altLang="ja-JP" sz="1400" dirty="0">
-                <a:solidFill>
-                  <a:schemeClr val="tx1"/>
-                </a:solidFill>
-                <a:latin typeface="Arial" panose="020B0604020202020204" pitchFamily="34" charset="0"/>
-                <a:cs typeface="Arial" panose="020B0604020202020204" pitchFamily="34" charset="0"/>
-              </a:rPr>
-              <a:t>$)</a:t>
-            </a:r>
-          </a:p>
-          <a:p>
-            <a:pPr fontAlgn="b"/>
-            <a:endParaRPr lang="en-US" sz="1400" dirty="0">
-              <a:solidFill>
-                <a:schemeClr val="tx1"/>
-              </a:solidFill>
-              <a:latin typeface="Arial" panose="020B0604020202020204" pitchFamily="34" charset="0"/>
-              <a:cs typeface="Arial" panose="020B0604020202020204" pitchFamily="34" charset="0"/>
-            </a:endParaRPr>
-          </a:p>
-        </p:txBody>
-      </p:sp>
-      <p:cxnSp>
-        <p:nvCxnSpPr>
-          <p:cNvPr id="35" name="Straight Connector 34">
-            <a:extLst>
-              <a:ext uri="{FF2B5EF4-FFF2-40B4-BE49-F238E27FC236}">
-                <a16:creationId xmlns:a16="http://schemas.microsoft.com/office/drawing/2014/main" id="{A2E0298B-2C47-48D0-91E5-04BE959397A2}"/>
-              </a:ext>
-            </a:extLst>
-          </p:cNvPr>
-          <p:cNvCxnSpPr>
-            <a:cxnSpLocks/>
-          </p:cNvCxnSpPr>
-          <p:nvPr/>
-        </p:nvCxnSpPr>
-        <p:spPr>
-          <a:xfrm>
-            <a:off x="4953000" y="1905000"/>
-            <a:ext cx="3124200" cy="0"/>
-          </a:xfrm>
-          <a:prstGeom prst="line">
-            <a:avLst/>
-          </a:prstGeom>
-          <a:ln w="12700"/>
-        </p:spPr>
-        <p:style>
-          <a:lnRef idx="1">
-            <a:schemeClr val="accent1"/>
-          </a:lnRef>
-          <a:fillRef idx="0">
-            <a:schemeClr val="accent1"/>
-          </a:fillRef>
-          <a:effectRef idx="0">
-            <a:schemeClr val="accent1"/>
-          </a:effectRef>
-          <a:fontRef idx="minor">
-            <a:schemeClr val="tx1"/>
-          </a:fontRef>
-        </p:style>
-      </p:cxnSp>
-      <p:sp>
-        <p:nvSpPr>
-          <p:cNvPr id="37" name="Rectangle 36">
-            <a:extLst>
-              <a:ext uri="{FF2B5EF4-FFF2-40B4-BE49-F238E27FC236}">
-                <a16:creationId xmlns:a16="http://schemas.microsoft.com/office/drawing/2014/main" id="{E998E89B-ADF2-42D5-A835-78165411B2BB}"/>
-              </a:ext>
-            </a:extLst>
-          </p:cNvPr>
-          <p:cNvSpPr/>
-          <p:nvPr/>
-        </p:nvSpPr>
-        <p:spPr>
-          <a:xfrm>
-            <a:off x="5256230" y="1509289"/>
-            <a:ext cx="2900899" cy="290684"/>
-          </a:xfrm>
-          <a:prstGeom prst="rect">
-            <a:avLst/>
-          </a:prstGeom>
-          <a:solidFill>
-            <a:schemeClr val="accent1">
-              <a:lumMod val="20000"/>
-              <a:lumOff val="80000"/>
-            </a:schemeClr>
-          </a:solidFill>
-          <a:ln w="12700"/>
-        </p:spPr>
-        <p:style>
-          <a:lnRef idx="2">
-            <a:schemeClr val="accent1">
-              <a:shade val="50000"/>
-            </a:schemeClr>
-          </a:lnRef>
-          <a:fillRef idx="1">
-            <a:schemeClr val="accent1"/>
-          </a:fillRef>
-          <a:effectRef idx="0">
-            <a:schemeClr val="accent1"/>
-          </a:effectRef>
-          <a:fontRef idx="minor">
-            <a:schemeClr val="lt1"/>
-          </a:fontRef>
-        </p:style>
-        <p:txBody>
-          <a:bodyPr rot="0" spcFirstLastPara="0" vertOverflow="overflow" horzOverflow="overflow" vert="horz" wrap="square" lIns="91440" tIns="45720" rIns="91440" bIns="45720" numCol="1" spcCol="0" rtlCol="0" fromWordArt="0" anchor="ctr" anchorCtr="0" forceAA="0" compatLnSpc="1">
-            <a:prstTxWarp prst="textNoShape">
-              <a:avLst/>
-            </a:prstTxWarp>
-            <a:noAutofit/>
-          </a:bodyPr>
-          <a:lstStyle/>
-          <a:p>
-            <a:pPr algn="ctr"/>
-            <a:r>
-              <a:rPr lang="en-US" sz="1600" b="1" dirty="0">
-                <a:solidFill>
-                  <a:schemeClr val="tx1"/>
-                </a:solidFill>
-                <a:latin typeface="Arial "/>
-              </a:rPr>
-              <a:t>M. (Chung/ Thuy/ Toan)</a:t>
-            </a:r>
-          </a:p>
-        </p:txBody>
-      </p:sp>
-      <p:cxnSp>
-        <p:nvCxnSpPr>
-          <p:cNvPr id="49" name="Straight Connector 48">
-            <a:extLst>
-              <a:ext uri="{FF2B5EF4-FFF2-40B4-BE49-F238E27FC236}">
-                <a16:creationId xmlns:a16="http://schemas.microsoft.com/office/drawing/2014/main" id="{313E8548-344D-4BA4-B75E-18F5EB2AC332}"/>
-              </a:ext>
-            </a:extLst>
-          </p:cNvPr>
-          <p:cNvCxnSpPr>
-            <a:cxnSpLocks/>
-          </p:cNvCxnSpPr>
-          <p:nvPr/>
-        </p:nvCxnSpPr>
-        <p:spPr>
-          <a:xfrm>
-            <a:off x="4953000" y="1902701"/>
-            <a:ext cx="0" cy="154699"/>
-          </a:xfrm>
-          <a:prstGeom prst="line">
-            <a:avLst/>
-          </a:prstGeom>
-          <a:ln w="12700"/>
-        </p:spPr>
-        <p:style>
-          <a:lnRef idx="1">
-            <a:schemeClr val="accent1"/>
-          </a:lnRef>
-          <a:fillRef idx="0">
-            <a:schemeClr val="accent1"/>
-          </a:fillRef>
-          <a:effectRef idx="0">
-            <a:schemeClr val="accent1"/>
-          </a:effectRef>
-          <a:fontRef idx="minor">
-            <a:schemeClr val="tx1"/>
-          </a:fontRef>
-        </p:style>
-      </p:cxnSp>
-      <p:cxnSp>
-        <p:nvCxnSpPr>
-          <p:cNvPr id="52" name="Straight Arrow Connector 51">
-            <a:extLst>
-              <a:ext uri="{FF2B5EF4-FFF2-40B4-BE49-F238E27FC236}">
-                <a16:creationId xmlns:a16="http://schemas.microsoft.com/office/drawing/2014/main" id="{F4DA11EC-BD63-4264-83E7-480AF3A2FB8E}"/>
-              </a:ext>
-            </a:extLst>
-          </p:cNvPr>
-          <p:cNvCxnSpPr/>
-          <p:nvPr/>
-        </p:nvCxnSpPr>
-        <p:spPr>
-          <a:xfrm>
-            <a:off x="4953000" y="2253175"/>
-            <a:ext cx="0" cy="490025"/>
-          </a:xfrm>
-          <a:prstGeom prst="straightConnector1">
-            <a:avLst/>
-          </a:prstGeom>
-          <a:ln w="12700">
-            <a:tailEnd type="triangle"/>
-          </a:ln>
-        </p:spPr>
-        <p:style>
-          <a:lnRef idx="1">
-            <a:schemeClr val="accent1"/>
-          </a:lnRef>
-          <a:fillRef idx="0">
-            <a:schemeClr val="accent1"/>
-          </a:fillRef>
-          <a:effectRef idx="0">
-            <a:schemeClr val="accent1"/>
-          </a:effectRef>
-          <a:fontRef idx="minor">
-            <a:schemeClr val="tx1"/>
-          </a:fontRef>
-        </p:style>
-      </p:cxnSp>
-      <p:sp>
-        <p:nvSpPr>
-          <p:cNvPr id="57" name="Rectangle 56">
-            <a:extLst>
-              <a:ext uri="{FF2B5EF4-FFF2-40B4-BE49-F238E27FC236}">
-                <a16:creationId xmlns:a16="http://schemas.microsoft.com/office/drawing/2014/main" id="{40715E8B-58B7-49DA-8C35-04A0B47D550D}"/>
-              </a:ext>
-            </a:extLst>
-          </p:cNvPr>
-          <p:cNvSpPr/>
-          <p:nvPr/>
-        </p:nvSpPr>
-        <p:spPr>
-          <a:xfrm>
-            <a:off x="53108" y="5112445"/>
-            <a:ext cx="3071091" cy="1684082"/>
-          </a:xfrm>
-          <a:prstGeom prst="rect">
-            <a:avLst/>
-          </a:prstGeom>
-          <a:noFill/>
-          <a:ln w="3175">
-            <a:solidFill>
-              <a:schemeClr val="tx1"/>
-            </a:solidFill>
-          </a:ln>
-        </p:spPr>
-        <p:style>
-          <a:lnRef idx="2">
-            <a:schemeClr val="accent1">
-              <a:shade val="50000"/>
-            </a:schemeClr>
-          </a:lnRef>
-          <a:fillRef idx="1">
-            <a:schemeClr val="accent1"/>
-          </a:fillRef>
-          <a:effectRef idx="0">
-            <a:schemeClr val="accent1"/>
-          </a:effectRef>
-          <a:fontRef idx="minor">
-            <a:schemeClr val="lt1"/>
-          </a:fontRef>
-        </p:style>
-        <p:txBody>
-          <a:bodyPr lIns="72000" rIns="0" rtlCol="0" anchor="ctr"/>
-          <a:lstStyle/>
-          <a:p>
-            <a:pPr>
-              <a:lnSpc>
-                <a:spcPct val="130000"/>
-              </a:lnSpc>
-            </a:pPr>
-            <a:r>
-              <a:rPr lang="en-US" sz="1600" b="1" dirty="0">
-                <a:solidFill>
-                  <a:srgbClr val="0000FF"/>
-                </a:solidFill>
-                <a:latin typeface="Arial" panose="020B0604020202020204" pitchFamily="34" charset="0"/>
-                <a:cs typeface="Arial" panose="020B0604020202020204" pitchFamily="34" charset="0"/>
-                <a:sym typeface="Wingdings" panose="05000000000000000000" pitchFamily="2" charset="2"/>
-              </a:rPr>
-              <a:t> Reduce HC</a:t>
-            </a:r>
-            <a:endParaRPr lang="en-US" sz="1600" b="1" dirty="0">
-              <a:solidFill>
-                <a:srgbClr val="0000FF"/>
-              </a:solidFill>
-              <a:latin typeface="Arial" panose="020B0604020202020204" pitchFamily="34" charset="0"/>
-              <a:cs typeface="Arial" panose="020B0604020202020204" pitchFamily="34" charset="0"/>
-            </a:endParaRPr>
-          </a:p>
-          <a:p>
-            <a:pPr marL="285750" indent="-285750">
-              <a:lnSpc>
-                <a:spcPct val="130000"/>
-              </a:lnSpc>
-              <a:buFont typeface="Wingdings" panose="05000000000000000000" pitchFamily="2" charset="2"/>
-              <a:buChar char="ü"/>
-            </a:pPr>
-            <a:r>
-              <a:rPr lang="en-US" sz="1400" dirty="0">
-                <a:solidFill>
-                  <a:schemeClr val="tx1"/>
-                </a:solidFill>
-                <a:latin typeface="Arial" panose="020B0604020202020204" pitchFamily="34" charset="0"/>
-                <a:cs typeface="Arial" panose="020B0604020202020204" pitchFamily="34" charset="0"/>
-              </a:rPr>
-              <a:t>Auto transfer kitting to SAP(2pax)</a:t>
-            </a:r>
-          </a:p>
-          <a:p>
-            <a:pPr marL="285750" indent="-285750">
-              <a:lnSpc>
-                <a:spcPct val="130000"/>
-              </a:lnSpc>
-              <a:buFont typeface="Wingdings" panose="05000000000000000000" pitchFamily="2" charset="2"/>
-              <a:buChar char="ü"/>
-            </a:pPr>
-            <a:r>
-              <a:rPr lang="en-US" sz="1400" dirty="0">
-                <a:solidFill>
-                  <a:schemeClr val="tx1"/>
-                </a:solidFill>
-                <a:latin typeface="Arial" panose="020B0604020202020204" pitchFamily="34" charset="0"/>
-                <a:cs typeface="Arial" panose="020B0604020202020204" pitchFamily="34" charset="0"/>
-                <a:sym typeface="Wingdings" panose="05000000000000000000" pitchFamily="2" charset="2"/>
-              </a:rPr>
-              <a:t>QC &amp; </a:t>
-            </a:r>
-            <a:r>
-              <a:rPr lang="en-US" sz="1400" dirty="0">
-                <a:solidFill>
-                  <a:schemeClr val="tx1"/>
-                </a:solidFill>
-                <a:latin typeface="Arial" panose="020B0604020202020204" pitchFamily="34" charset="0"/>
-                <a:cs typeface="Arial" panose="020B0604020202020204" pitchFamily="34" charset="0"/>
-              </a:rPr>
-              <a:t>MCS Free Location(2pax)</a:t>
-            </a:r>
-          </a:p>
-          <a:p>
-            <a:pPr marL="285750" indent="-285750">
-              <a:lnSpc>
-                <a:spcPct val="130000"/>
-              </a:lnSpc>
-              <a:buFont typeface="Wingdings" panose="05000000000000000000" pitchFamily="2" charset="2"/>
-              <a:buChar char="ü"/>
-            </a:pPr>
-            <a:r>
-              <a:rPr lang="en-US" sz="1400" dirty="0">
-                <a:solidFill>
-                  <a:schemeClr val="tx1"/>
-                </a:solidFill>
-                <a:latin typeface="Arial" panose="020B0604020202020204" pitchFamily="34" charset="0"/>
-                <a:cs typeface="Arial" panose="020B0604020202020204" pitchFamily="34" charset="0"/>
-              </a:rPr>
-              <a:t>Auto print Stock card by Mobile printer for MCS(2pax)</a:t>
-            </a:r>
-          </a:p>
-          <a:p>
-            <a:pPr marL="285750" indent="-285750">
-              <a:lnSpc>
-                <a:spcPct val="140000"/>
-              </a:lnSpc>
-              <a:buFont typeface="Wingdings" panose="05000000000000000000" pitchFamily="2" charset="2"/>
-              <a:buChar char="ü"/>
-            </a:pPr>
-            <a:endParaRPr lang="en-US" sz="1400" dirty="0">
-              <a:solidFill>
-                <a:schemeClr val="tx1"/>
-              </a:solidFill>
-              <a:latin typeface="Arial" panose="020B0604020202020204" pitchFamily="34" charset="0"/>
-              <a:cs typeface="Arial" panose="020B0604020202020204" pitchFamily="34" charset="0"/>
-            </a:endParaRPr>
-          </a:p>
-        </p:txBody>
-      </p:sp>
-      <p:sp>
-        <p:nvSpPr>
-          <p:cNvPr id="36" name="Rectangle 35"/>
-          <p:cNvSpPr/>
-          <p:nvPr/>
-        </p:nvSpPr>
-        <p:spPr>
-          <a:xfrm>
-            <a:off x="4487549" y="2057400"/>
-            <a:ext cx="1177589" cy="228590"/>
-          </a:xfrm>
-          <a:prstGeom prst="rect">
-            <a:avLst/>
-          </a:prstGeom>
-          <a:solidFill>
-            <a:schemeClr val="accent5">
-              <a:lumMod val="20000"/>
-              <a:lumOff val="80000"/>
-            </a:schemeClr>
-          </a:solidFill>
-          <a:ln w="12700"/>
-        </p:spPr>
-        <p:style>
-          <a:lnRef idx="2">
-            <a:schemeClr val="accent1">
-              <a:shade val="50000"/>
-            </a:schemeClr>
-          </a:lnRef>
-          <a:fillRef idx="1">
-            <a:schemeClr val="accent1"/>
-          </a:fillRef>
-          <a:effectRef idx="0">
-            <a:schemeClr val="accent1"/>
-          </a:effectRef>
-          <a:fontRef idx="minor">
-            <a:schemeClr val="lt1"/>
-          </a:fontRef>
-        </p:style>
-        <p:txBody>
-          <a:bodyPr rot="0" spcFirstLastPara="0" vertOverflow="overflow" horzOverflow="overflow" vert="horz" wrap="square" lIns="91440" tIns="45720" rIns="91440" bIns="45720" numCol="1" spcCol="0" rtlCol="0" fromWordArt="0" anchor="ctr" anchorCtr="0" forceAA="0" compatLnSpc="1">
-            <a:prstTxWarp prst="textNoShape">
-              <a:avLst/>
-            </a:prstTxWarp>
-            <a:noAutofit/>
-          </a:bodyPr>
-          <a:lstStyle/>
-          <a:p>
-            <a:pPr algn="ctr"/>
-            <a:r>
-              <a:rPr lang="en-US" sz="1600" b="1" dirty="0">
-                <a:solidFill>
-                  <a:schemeClr val="tx1"/>
-                </a:solidFill>
-                <a:latin typeface="Arial "/>
-              </a:rPr>
-              <a:t>AM. Hien</a:t>
-            </a:r>
-          </a:p>
-        </p:txBody>
-      </p:sp>
     </p:spTree>
     <p:extLst>
       <p:ext uri="{BB962C8B-B14F-4D97-AF65-F5344CB8AC3E}">
@@ -14368,6 +13017,4660 @@
           </p:txBody>
         </p:sp>
       </p:grpSp>
+      <p:sp>
+        <p:nvSpPr>
+          <p:cNvPr id="6" name="AutoShape 381">
+            <a:extLst>
+              <a:ext uri="{FF2B5EF4-FFF2-40B4-BE49-F238E27FC236}">
+                <a16:creationId xmlns:a16="http://schemas.microsoft.com/office/drawing/2014/main" id="{769BB28C-4467-F358-7596-8858963C7EE2}"/>
+              </a:ext>
+            </a:extLst>
+          </p:cNvPr>
+          <p:cNvSpPr>
+            <a:spLocks noChangeArrowheads="1"/>
+          </p:cNvSpPr>
+          <p:nvPr/>
+        </p:nvSpPr>
+        <p:spPr bwMode="auto">
+          <a:xfrm>
+            <a:off x="32123" y="625476"/>
+            <a:ext cx="9031227" cy="373988"/>
+          </a:xfrm>
+          <a:prstGeom prst="roundRect">
+            <a:avLst>
+              <a:gd name="adj" fmla="val 16667"/>
+            </a:avLst>
+          </a:prstGeom>
+          <a:solidFill>
+            <a:srgbClr val="333399"/>
+          </a:solidFill>
+          <a:ln>
+            <a:noFill/>
+          </a:ln>
+          <a:effectLst/>
+          <a:extLst>
+            <a:ext uri="{91240B29-F687-4F45-9708-019B960494DF}">
+              <a14:hiddenLine xmlns:a14="http://schemas.microsoft.com/office/drawing/2010/main" w="9525">
+                <a:solidFill>
+                  <a:schemeClr val="tx1"/>
+                </a:solidFill>
+                <a:round/>
+                <a:headEnd/>
+                <a:tailEnd/>
+              </a14:hiddenLine>
+            </a:ext>
+            <a:ext uri="{AF507438-7753-43E0-B8FC-AC1667EBCBE1}">
+              <a14:hiddenEffects xmlns:a14="http://schemas.microsoft.com/office/drawing/2010/main">
+                <a:effectLst>
+                  <a:outerShdw dist="35921" dir="2700000" algn="ctr" rotWithShape="0">
+                    <a:schemeClr val="bg2"/>
+                  </a:outerShdw>
+                </a:effectLst>
+              </a14:hiddenEffects>
+            </a:ext>
+          </a:extLst>
+        </p:spPr>
+        <p:txBody>
+          <a:bodyPr wrap="square" lIns="36000" tIns="0" rIns="36000" bIns="0" anchor="ctr" anchorCtr="0">
+            <a:noAutofit/>
+          </a:bodyPr>
+          <a:lstStyle/>
+          <a:p>
+            <a:pPr marL="285750" indent="-285750">
+              <a:spcBef>
+                <a:spcPct val="50000"/>
+              </a:spcBef>
+              <a:buFont typeface="Wingdings" panose="05000000000000000000" pitchFamily="2" charset="2"/>
+              <a:buChar char="Ø"/>
+              <a:defRPr/>
+            </a:pPr>
+            <a:r>
+              <a:rPr lang="en-US" altLang="ja-JP" sz="1600" b="1" dirty="0">
+                <a:solidFill>
+                  <a:srgbClr val="FFFFFF"/>
+                </a:solidFill>
+                <a:latin typeface="Arial" panose="020B0604020202020204" pitchFamily="34" charset="0"/>
+                <a:ea typeface="Meiryo UI" panose="020B0604030504040204" pitchFamily="50" charset="-128"/>
+                <a:cs typeface="Arial" panose="020B0604020202020204" pitchFamily="34" charset="0"/>
+              </a:rPr>
+              <a:t>Strengthen factory streamline by IT automation for all Department</a:t>
+            </a:r>
+            <a:endParaRPr lang="en-US" altLang="ja-JP" sz="1600" b="1" dirty="0">
+              <a:solidFill>
+                <a:srgbClr val="FFFFFF"/>
+              </a:solidFill>
+              <a:latin typeface="Arial" panose="020B0604020202020204" pitchFamily="34" charset="0"/>
+              <a:ea typeface="Meiryo UI" panose="020B0604030504040204" pitchFamily="50" charset="-128"/>
+              <a:cs typeface="Arial" panose="020B0604020202020204" pitchFamily="34" charset="0"/>
+            </a:endParaRPr>
+          </a:p>
+        </p:txBody>
+      </p:sp>
+      <p:sp>
+        <p:nvSpPr>
+          <p:cNvPr id="7" name="AutoShape 374">
+            <a:extLst>
+              <a:ext uri="{FF2B5EF4-FFF2-40B4-BE49-F238E27FC236}">
+                <a16:creationId xmlns:a16="http://schemas.microsoft.com/office/drawing/2014/main" id="{E9641436-FFE5-4A9D-A81B-056160D115E0}"/>
+              </a:ext>
+            </a:extLst>
+          </p:cNvPr>
+          <p:cNvSpPr>
+            <a:spLocks noChangeArrowheads="1"/>
+          </p:cNvSpPr>
+          <p:nvPr/>
+        </p:nvSpPr>
+        <p:spPr bwMode="auto">
+          <a:xfrm>
+            <a:off x="32123" y="1052475"/>
+            <a:ext cx="9064036" cy="1993982"/>
+          </a:xfrm>
+          <a:prstGeom prst="roundRect">
+            <a:avLst>
+              <a:gd name="adj" fmla="val 4218"/>
+            </a:avLst>
+          </a:prstGeom>
+          <a:noFill/>
+          <a:ln w="12700">
+            <a:solidFill>
+              <a:srgbClr val="0000FF"/>
+            </a:solidFill>
+            <a:round/>
+            <a:headEnd/>
+            <a:tailEnd/>
+          </a:ln>
+          <a:effectLst/>
+          <a:extLst>
+            <a:ext uri="{909E8E84-426E-40DD-AFC4-6F175D3DCCD1}">
+              <a14:hiddenFill xmlns:a14="http://schemas.microsoft.com/office/drawing/2010/main">
+                <a:solidFill>
+                  <a:srgbClr val="99CCFF">
+                    <a:alpha val="20000"/>
+                  </a:srgbClr>
+                </a:solidFill>
+              </a14:hiddenFill>
+            </a:ext>
+            <a:ext uri="{AF507438-7753-43E0-B8FC-AC1667EBCBE1}">
+              <a14:hiddenEffects xmlns:a14="http://schemas.microsoft.com/office/drawing/2010/main">
+                <a:effectLst>
+                  <a:outerShdw dist="35921" dir="2700000" algn="ctr" rotWithShape="0">
+                    <a:schemeClr val="bg2"/>
+                  </a:outerShdw>
+                </a:effectLst>
+              </a14:hiddenEffects>
+            </a:ext>
+          </a:extLst>
+        </p:spPr>
+        <p:txBody>
+          <a:bodyPr wrap="none" anchor="ctr"/>
+          <a:lstStyle/>
+          <a:p>
+            <a:pPr algn="ctr" fontAlgn="base">
+              <a:spcBef>
+                <a:spcPct val="0"/>
+              </a:spcBef>
+              <a:spcAft>
+                <a:spcPct val="0"/>
+              </a:spcAft>
+              <a:defRPr/>
+            </a:pPr>
+            <a:endParaRPr lang="ja-JP" altLang="en-US" b="1">
+              <a:solidFill>
+                <a:srgbClr val="FFFFFF"/>
+              </a:solidFill>
+              <a:latin typeface="Arial" panose="020B0604020202020204" pitchFamily="34" charset="0"/>
+              <a:ea typeface="ＭＳ Ｐゴシック"/>
+            </a:endParaRPr>
+          </a:p>
+          <a:p>
+            <a:pPr algn="ctr" fontAlgn="base">
+              <a:spcBef>
+                <a:spcPct val="0"/>
+              </a:spcBef>
+              <a:spcAft>
+                <a:spcPct val="0"/>
+              </a:spcAft>
+              <a:defRPr/>
+            </a:pPr>
+            <a:endParaRPr lang="ja-JP" altLang="en-US" b="1">
+              <a:solidFill>
+                <a:srgbClr val="FFFFFF"/>
+              </a:solidFill>
+              <a:latin typeface="Arial" panose="020B0604020202020204" pitchFamily="34" charset="0"/>
+              <a:ea typeface="ＭＳ Ｐゴシック"/>
+            </a:endParaRPr>
+          </a:p>
+          <a:p>
+            <a:pPr algn="ctr" fontAlgn="base">
+              <a:spcBef>
+                <a:spcPct val="0"/>
+              </a:spcBef>
+              <a:spcAft>
+                <a:spcPct val="0"/>
+              </a:spcAft>
+              <a:defRPr/>
+            </a:pPr>
+            <a:endParaRPr lang="ja-JP" altLang="en-US" b="1">
+              <a:solidFill>
+                <a:srgbClr val="FFFFFF"/>
+              </a:solidFill>
+              <a:latin typeface="Arial" panose="020B0604020202020204" pitchFamily="34" charset="0"/>
+              <a:ea typeface="ＭＳ Ｐゴシック"/>
+            </a:endParaRPr>
+          </a:p>
+          <a:p>
+            <a:pPr algn="ctr" fontAlgn="base">
+              <a:spcBef>
+                <a:spcPct val="0"/>
+              </a:spcBef>
+              <a:spcAft>
+                <a:spcPct val="0"/>
+              </a:spcAft>
+              <a:defRPr/>
+            </a:pPr>
+            <a:endParaRPr lang="ja-JP" altLang="en-US" b="1">
+              <a:solidFill>
+                <a:srgbClr val="FFFFFF"/>
+              </a:solidFill>
+              <a:latin typeface="Arial" panose="020B0604020202020204" pitchFamily="34" charset="0"/>
+              <a:ea typeface="ＭＳ Ｐゴシック"/>
+            </a:endParaRPr>
+          </a:p>
+          <a:p>
+            <a:pPr algn="ctr" fontAlgn="base">
+              <a:spcBef>
+                <a:spcPct val="0"/>
+              </a:spcBef>
+              <a:spcAft>
+                <a:spcPct val="0"/>
+              </a:spcAft>
+              <a:defRPr/>
+            </a:pPr>
+            <a:endParaRPr lang="ja-JP" altLang="en-US" b="1">
+              <a:solidFill>
+                <a:srgbClr val="FFFFFF"/>
+              </a:solidFill>
+              <a:latin typeface="Arial" panose="020B0604020202020204" pitchFamily="34" charset="0"/>
+              <a:ea typeface="ＭＳ Ｐゴシック"/>
+            </a:endParaRPr>
+          </a:p>
+          <a:p>
+            <a:pPr algn="ctr" fontAlgn="base">
+              <a:spcBef>
+                <a:spcPct val="0"/>
+              </a:spcBef>
+              <a:spcAft>
+                <a:spcPct val="0"/>
+              </a:spcAft>
+              <a:defRPr/>
+            </a:pPr>
+            <a:endParaRPr lang="ja-JP" altLang="en-US" b="1">
+              <a:solidFill>
+                <a:srgbClr val="FFFFFF"/>
+              </a:solidFill>
+              <a:latin typeface="Arial" panose="020B0604020202020204" pitchFamily="34" charset="0"/>
+              <a:ea typeface="ＭＳ Ｐゴシック"/>
+            </a:endParaRPr>
+          </a:p>
+          <a:p>
+            <a:pPr algn="ctr" fontAlgn="base">
+              <a:spcBef>
+                <a:spcPct val="0"/>
+              </a:spcBef>
+              <a:spcAft>
+                <a:spcPct val="0"/>
+              </a:spcAft>
+              <a:defRPr/>
+            </a:pPr>
+            <a:endParaRPr lang="ja-JP" altLang="en-US" b="1">
+              <a:solidFill>
+                <a:srgbClr val="FFFFFF"/>
+              </a:solidFill>
+              <a:latin typeface="Arial" panose="020B0604020202020204" pitchFamily="34" charset="0"/>
+              <a:ea typeface="ＭＳ Ｐゴシック"/>
+            </a:endParaRPr>
+          </a:p>
+          <a:p>
+            <a:pPr algn="ctr" fontAlgn="base">
+              <a:spcBef>
+                <a:spcPct val="0"/>
+              </a:spcBef>
+              <a:spcAft>
+                <a:spcPct val="0"/>
+              </a:spcAft>
+              <a:defRPr/>
+            </a:pPr>
+            <a:endParaRPr lang="ja-JP" altLang="en-US" b="1">
+              <a:solidFill>
+                <a:srgbClr val="FFFFFF"/>
+              </a:solidFill>
+              <a:latin typeface="Arial" panose="020B0604020202020204" pitchFamily="34" charset="0"/>
+              <a:ea typeface="ＭＳ Ｐゴシック"/>
+            </a:endParaRPr>
+          </a:p>
+        </p:txBody>
+      </p:sp>
+      <p:sp>
+        <p:nvSpPr>
+          <p:cNvPr id="8" name="Rectangle 207">
+            <a:extLst>
+              <a:ext uri="{FF2B5EF4-FFF2-40B4-BE49-F238E27FC236}">
+                <a16:creationId xmlns:a16="http://schemas.microsoft.com/office/drawing/2014/main" id="{2337A679-470C-28FD-B39C-EB1381F74987}"/>
+              </a:ext>
+            </a:extLst>
+          </p:cNvPr>
+          <p:cNvSpPr/>
+          <p:nvPr/>
+        </p:nvSpPr>
+        <p:spPr bwMode="auto">
+          <a:xfrm>
+            <a:off x="1409944" y="1380461"/>
+            <a:ext cx="1055318" cy="1050518"/>
+          </a:xfrm>
+          <a:prstGeom prst="rect">
+            <a:avLst/>
+          </a:prstGeom>
+          <a:noFill/>
+          <a:ln w="25400" cap="flat" cmpd="sng" algn="ctr">
+            <a:solidFill>
+              <a:srgbClr val="0070C0"/>
+            </a:solidFill>
+            <a:prstDash val="solid"/>
+            <a:round/>
+            <a:headEnd type="none" w="med" len="med"/>
+            <a:tailEnd type="none" w="med" len="med"/>
+          </a:ln>
+          <a:effectLst/>
+        </p:spPr>
+        <p:txBody>
+          <a:bodyPr vert="horz" wrap="square" lIns="36000" tIns="0" rIns="36000" bIns="0" numCol="1" rtlCol="0" anchor="ctr" anchorCtr="0" compatLnSpc="1">
+            <a:prstTxWarp prst="textNoShape">
+              <a:avLst/>
+            </a:prstTxWarp>
+            <a:noAutofit/>
+          </a:bodyPr>
+          <a:lstStyle/>
+          <a:p>
+            <a:pPr algn="ctr" fontAlgn="base">
+              <a:spcBef>
+                <a:spcPct val="0"/>
+              </a:spcBef>
+              <a:spcAft>
+                <a:spcPct val="0"/>
+              </a:spcAft>
+              <a:defRPr/>
+            </a:pPr>
+            <a:endParaRPr kumimoji="1" lang="en-US" sz="1100" b="1" dirty="0">
+              <a:solidFill>
+                <a:srgbClr val="000000"/>
+              </a:solidFill>
+              <a:latin typeface="Meiryo UI" panose="020B0604030504040204" pitchFamily="50" charset="-128"/>
+              <a:ea typeface="Meiryo UI" panose="020B0604030504040204" pitchFamily="50" charset="-128"/>
+            </a:endParaRPr>
+          </a:p>
+        </p:txBody>
+      </p:sp>
+      <p:sp>
+        <p:nvSpPr>
+          <p:cNvPr id="10" name="Rectangle 225">
+            <a:extLst>
+              <a:ext uri="{FF2B5EF4-FFF2-40B4-BE49-F238E27FC236}">
+                <a16:creationId xmlns:a16="http://schemas.microsoft.com/office/drawing/2014/main" id="{2D2669DD-69D4-9F62-E2E5-B5FB0318322B}"/>
+              </a:ext>
+            </a:extLst>
+          </p:cNvPr>
+          <p:cNvSpPr/>
+          <p:nvPr/>
+        </p:nvSpPr>
+        <p:spPr>
+          <a:xfrm>
+            <a:off x="1564249" y="1114572"/>
+            <a:ext cx="543739" cy="246221"/>
+          </a:xfrm>
+          <a:prstGeom prst="rect">
+            <a:avLst/>
+          </a:prstGeom>
+        </p:spPr>
+        <p:txBody>
+          <a:bodyPr wrap="none" lIns="36000" tIns="0" rIns="36000" bIns="0" anchor="ctr" anchorCtr="0">
+            <a:noAutofit/>
+          </a:bodyPr>
+          <a:lstStyle/>
+          <a:p>
+            <a:pPr algn="ctr" fontAlgn="base">
+              <a:spcBef>
+                <a:spcPct val="0"/>
+              </a:spcBef>
+              <a:spcAft>
+                <a:spcPct val="0"/>
+              </a:spcAft>
+              <a:defRPr/>
+            </a:pPr>
+            <a:r>
+              <a:rPr lang="en-US" altLang="ja-JP" sz="1000" b="1" dirty="0">
+                <a:solidFill>
+                  <a:prstClr val="black"/>
+                </a:solidFill>
+                <a:ea typeface="Meiryo UI" panose="020B0604030504040204" pitchFamily="50" charset="-128"/>
+              </a:rPr>
+              <a:t>MCS</a:t>
+            </a:r>
+            <a:endParaRPr lang="en-US" sz="1000" b="1" dirty="0">
+              <a:solidFill>
+                <a:srgbClr val="000000"/>
+              </a:solidFill>
+              <a:ea typeface="Meiryo UI" panose="020B0604030504040204" pitchFamily="50" charset="-128"/>
+            </a:endParaRPr>
+          </a:p>
+        </p:txBody>
+      </p:sp>
+      <p:sp>
+        <p:nvSpPr>
+          <p:cNvPr id="12" name="Rectangle 225">
+            <a:extLst>
+              <a:ext uri="{FF2B5EF4-FFF2-40B4-BE49-F238E27FC236}">
+                <a16:creationId xmlns:a16="http://schemas.microsoft.com/office/drawing/2014/main" id="{2D2669DD-69D4-9F62-E2E5-B5FB0318322B}"/>
+              </a:ext>
+            </a:extLst>
+          </p:cNvPr>
+          <p:cNvSpPr/>
+          <p:nvPr/>
+        </p:nvSpPr>
+        <p:spPr>
+          <a:xfrm>
+            <a:off x="372570" y="1112973"/>
+            <a:ext cx="543739" cy="246221"/>
+          </a:xfrm>
+          <a:prstGeom prst="rect">
+            <a:avLst/>
+          </a:prstGeom>
+        </p:spPr>
+        <p:txBody>
+          <a:bodyPr wrap="none" lIns="36000" tIns="0" rIns="36000" bIns="0" anchor="ctr" anchorCtr="0">
+            <a:noAutofit/>
+          </a:bodyPr>
+          <a:lstStyle/>
+          <a:p>
+            <a:pPr algn="ctr" fontAlgn="base">
+              <a:spcBef>
+                <a:spcPct val="0"/>
+              </a:spcBef>
+              <a:spcAft>
+                <a:spcPct val="0"/>
+              </a:spcAft>
+              <a:defRPr/>
+            </a:pPr>
+            <a:r>
+              <a:rPr lang="en-US" sz="1000" b="1" dirty="0" smtClean="0">
+                <a:solidFill>
+                  <a:prstClr val="black"/>
+                </a:solidFill>
+                <a:ea typeface="Meiryo UI" panose="020B0604030504040204" pitchFamily="50" charset="-128"/>
+              </a:rPr>
+              <a:t>IQC</a:t>
+            </a:r>
+            <a:endParaRPr lang="en-US" sz="1000" b="1" dirty="0">
+              <a:solidFill>
+                <a:srgbClr val="000000"/>
+              </a:solidFill>
+              <a:ea typeface="Meiryo UI" panose="020B0604030504040204" pitchFamily="50" charset="-128"/>
+            </a:endParaRPr>
+          </a:p>
+        </p:txBody>
+      </p:sp>
+      <p:sp>
+        <p:nvSpPr>
+          <p:cNvPr id="17" name="Rectangle 207">
+            <a:extLst>
+              <a:ext uri="{FF2B5EF4-FFF2-40B4-BE49-F238E27FC236}">
+                <a16:creationId xmlns:a16="http://schemas.microsoft.com/office/drawing/2014/main" id="{2337A679-470C-28FD-B39C-EB1381F74987}"/>
+              </a:ext>
+            </a:extLst>
+          </p:cNvPr>
+          <p:cNvSpPr/>
+          <p:nvPr/>
+        </p:nvSpPr>
+        <p:spPr bwMode="auto">
+          <a:xfrm>
+            <a:off x="2706682" y="1399384"/>
+            <a:ext cx="1055318" cy="1050518"/>
+          </a:xfrm>
+          <a:prstGeom prst="rect">
+            <a:avLst/>
+          </a:prstGeom>
+          <a:noFill/>
+          <a:ln w="25400" cap="flat" cmpd="sng" algn="ctr">
+            <a:solidFill>
+              <a:srgbClr val="0070C0"/>
+            </a:solidFill>
+            <a:prstDash val="solid"/>
+            <a:round/>
+            <a:headEnd type="none" w="med" len="med"/>
+            <a:tailEnd type="none" w="med" len="med"/>
+          </a:ln>
+          <a:effectLst/>
+        </p:spPr>
+        <p:txBody>
+          <a:bodyPr vert="horz" wrap="square" lIns="36000" tIns="0" rIns="36000" bIns="0" numCol="1" rtlCol="0" anchor="ctr" anchorCtr="0" compatLnSpc="1">
+            <a:prstTxWarp prst="textNoShape">
+              <a:avLst/>
+            </a:prstTxWarp>
+            <a:noAutofit/>
+          </a:bodyPr>
+          <a:lstStyle/>
+          <a:p>
+            <a:pPr algn="ctr" fontAlgn="base">
+              <a:spcBef>
+                <a:spcPct val="0"/>
+              </a:spcBef>
+              <a:spcAft>
+                <a:spcPct val="0"/>
+              </a:spcAft>
+              <a:defRPr/>
+            </a:pPr>
+            <a:endParaRPr kumimoji="1" lang="en-US" sz="1100" b="1" dirty="0">
+              <a:solidFill>
+                <a:srgbClr val="000000"/>
+              </a:solidFill>
+              <a:latin typeface="Meiryo UI" panose="020B0604030504040204" pitchFamily="50" charset="-128"/>
+              <a:ea typeface="Meiryo UI" panose="020B0604030504040204" pitchFamily="50" charset="-128"/>
+            </a:endParaRPr>
+          </a:p>
+        </p:txBody>
+      </p:sp>
+      <p:sp>
+        <p:nvSpPr>
+          <p:cNvPr id="18" name="Rectangle 225">
+            <a:extLst>
+              <a:ext uri="{FF2B5EF4-FFF2-40B4-BE49-F238E27FC236}">
+                <a16:creationId xmlns:a16="http://schemas.microsoft.com/office/drawing/2014/main" id="{2D2669DD-69D4-9F62-E2E5-B5FB0318322B}"/>
+              </a:ext>
+            </a:extLst>
+          </p:cNvPr>
+          <p:cNvSpPr/>
+          <p:nvPr/>
+        </p:nvSpPr>
+        <p:spPr>
+          <a:xfrm>
+            <a:off x="2921080" y="1096385"/>
+            <a:ext cx="543739" cy="246221"/>
+          </a:xfrm>
+          <a:prstGeom prst="rect">
+            <a:avLst/>
+          </a:prstGeom>
+        </p:spPr>
+        <p:txBody>
+          <a:bodyPr wrap="none" lIns="36000" tIns="0" rIns="36000" bIns="0" anchor="ctr" anchorCtr="0">
+            <a:noAutofit/>
+          </a:bodyPr>
+          <a:lstStyle/>
+          <a:p>
+            <a:pPr algn="ctr" fontAlgn="base">
+              <a:spcBef>
+                <a:spcPct val="0"/>
+              </a:spcBef>
+              <a:spcAft>
+                <a:spcPct val="0"/>
+              </a:spcAft>
+              <a:defRPr/>
+            </a:pPr>
+            <a:r>
+              <a:rPr lang="en-US" sz="1000" b="1" dirty="0" smtClean="0">
+                <a:solidFill>
+                  <a:prstClr val="black"/>
+                </a:solidFill>
+                <a:ea typeface="Meiryo UI" panose="020B0604030504040204" pitchFamily="50" charset="-128"/>
+              </a:rPr>
+              <a:t>SMT </a:t>
+            </a:r>
+            <a:endParaRPr lang="en-US" sz="1000" b="1" dirty="0">
+              <a:solidFill>
+                <a:srgbClr val="000000"/>
+              </a:solidFill>
+              <a:ea typeface="Meiryo UI" panose="020B0604030504040204" pitchFamily="50" charset="-128"/>
+            </a:endParaRPr>
+          </a:p>
+        </p:txBody>
+      </p:sp>
+      <p:sp>
+        <p:nvSpPr>
+          <p:cNvPr id="21" name="Rectangle 207">
+            <a:extLst>
+              <a:ext uri="{FF2B5EF4-FFF2-40B4-BE49-F238E27FC236}">
+                <a16:creationId xmlns:a16="http://schemas.microsoft.com/office/drawing/2014/main" id="{2337A679-470C-28FD-B39C-EB1381F74987}"/>
+              </a:ext>
+            </a:extLst>
+          </p:cNvPr>
+          <p:cNvSpPr/>
+          <p:nvPr/>
+        </p:nvSpPr>
+        <p:spPr bwMode="auto">
+          <a:xfrm>
+            <a:off x="6578563" y="1411748"/>
+            <a:ext cx="1055318" cy="1050518"/>
+          </a:xfrm>
+          <a:prstGeom prst="rect">
+            <a:avLst/>
+          </a:prstGeom>
+          <a:noFill/>
+          <a:ln w="25400" cap="flat" cmpd="sng" algn="ctr">
+            <a:solidFill>
+              <a:srgbClr val="0070C0"/>
+            </a:solidFill>
+            <a:prstDash val="solid"/>
+            <a:round/>
+            <a:headEnd type="none" w="med" len="med"/>
+            <a:tailEnd type="none" w="med" len="med"/>
+          </a:ln>
+          <a:effectLst/>
+        </p:spPr>
+        <p:txBody>
+          <a:bodyPr vert="horz" wrap="square" lIns="36000" tIns="0" rIns="36000" bIns="0" numCol="1" rtlCol="0" anchor="ctr" anchorCtr="0" compatLnSpc="1">
+            <a:prstTxWarp prst="textNoShape">
+              <a:avLst/>
+            </a:prstTxWarp>
+            <a:noAutofit/>
+          </a:bodyPr>
+          <a:lstStyle/>
+          <a:p>
+            <a:pPr algn="ctr" fontAlgn="base">
+              <a:spcBef>
+                <a:spcPct val="0"/>
+              </a:spcBef>
+              <a:spcAft>
+                <a:spcPct val="0"/>
+              </a:spcAft>
+              <a:defRPr/>
+            </a:pPr>
+            <a:endParaRPr kumimoji="1" lang="en-US" sz="1100" b="1" dirty="0">
+              <a:solidFill>
+                <a:srgbClr val="000000"/>
+              </a:solidFill>
+              <a:latin typeface="Meiryo UI" panose="020B0604030504040204" pitchFamily="50" charset="-128"/>
+              <a:ea typeface="Meiryo UI" panose="020B0604030504040204" pitchFamily="50" charset="-128"/>
+            </a:endParaRPr>
+          </a:p>
+        </p:txBody>
+      </p:sp>
+      <p:sp>
+        <p:nvSpPr>
+          <p:cNvPr id="23" name="Rectangle 225">
+            <a:extLst>
+              <a:ext uri="{FF2B5EF4-FFF2-40B4-BE49-F238E27FC236}">
+                <a16:creationId xmlns:a16="http://schemas.microsoft.com/office/drawing/2014/main" id="{2D2669DD-69D4-9F62-E2E5-B5FB0318322B}"/>
+              </a:ext>
+            </a:extLst>
+          </p:cNvPr>
+          <p:cNvSpPr/>
+          <p:nvPr/>
+        </p:nvSpPr>
+        <p:spPr>
+          <a:xfrm>
+            <a:off x="6834352" y="1122979"/>
+            <a:ext cx="543739" cy="246221"/>
+          </a:xfrm>
+          <a:prstGeom prst="rect">
+            <a:avLst/>
+          </a:prstGeom>
+        </p:spPr>
+        <p:txBody>
+          <a:bodyPr wrap="none" lIns="36000" tIns="0" rIns="36000" bIns="0" anchor="ctr" anchorCtr="0">
+            <a:noAutofit/>
+          </a:bodyPr>
+          <a:lstStyle/>
+          <a:p>
+            <a:pPr algn="ctr" fontAlgn="base">
+              <a:spcBef>
+                <a:spcPct val="0"/>
+              </a:spcBef>
+              <a:spcAft>
+                <a:spcPct val="0"/>
+              </a:spcAft>
+              <a:defRPr/>
+            </a:pPr>
+            <a:r>
+              <a:rPr lang="en-US" sz="1000" b="1" dirty="0" smtClean="0">
+                <a:solidFill>
+                  <a:prstClr val="black"/>
+                </a:solidFill>
+                <a:ea typeface="Meiryo UI" panose="020B0604030504040204" pitchFamily="50" charset="-128"/>
+                <a:cs typeface="Arial" panose="020B0604020202020204" pitchFamily="34" charset="0"/>
+              </a:rPr>
+              <a:t>FA</a:t>
+            </a:r>
+            <a:endParaRPr lang="en-US" sz="1000" b="1" dirty="0">
+              <a:solidFill>
+                <a:srgbClr val="000000"/>
+              </a:solidFill>
+              <a:ea typeface="Meiryo UI" panose="020B0604030504040204" pitchFamily="50" charset="-128"/>
+              <a:cs typeface="Arial" panose="020B0604020202020204" pitchFamily="34" charset="0"/>
+            </a:endParaRPr>
+          </a:p>
+        </p:txBody>
+      </p:sp>
+      <p:sp>
+        <p:nvSpPr>
+          <p:cNvPr id="27" name="Rectangle 225">
+            <a:extLst>
+              <a:ext uri="{FF2B5EF4-FFF2-40B4-BE49-F238E27FC236}">
+                <a16:creationId xmlns:a16="http://schemas.microsoft.com/office/drawing/2014/main" id="{2D2669DD-69D4-9F62-E2E5-B5FB0318322B}"/>
+              </a:ext>
+            </a:extLst>
+          </p:cNvPr>
+          <p:cNvSpPr/>
+          <p:nvPr/>
+        </p:nvSpPr>
+        <p:spPr>
+          <a:xfrm>
+            <a:off x="8133976" y="1125379"/>
+            <a:ext cx="543739" cy="246221"/>
+          </a:xfrm>
+          <a:prstGeom prst="rect">
+            <a:avLst/>
+          </a:prstGeom>
+        </p:spPr>
+        <p:txBody>
+          <a:bodyPr wrap="none" lIns="36000" tIns="0" rIns="36000" bIns="0" anchor="ctr" anchorCtr="0">
+            <a:noAutofit/>
+          </a:bodyPr>
+          <a:lstStyle/>
+          <a:p>
+            <a:pPr algn="ctr" fontAlgn="base">
+              <a:spcBef>
+                <a:spcPct val="0"/>
+              </a:spcBef>
+              <a:spcAft>
+                <a:spcPct val="0"/>
+              </a:spcAft>
+              <a:defRPr/>
+            </a:pPr>
+            <a:r>
+              <a:rPr lang="en-US" sz="1000" b="1" dirty="0" smtClean="0">
+                <a:solidFill>
+                  <a:prstClr val="black"/>
+                </a:solidFill>
+                <a:ea typeface="Meiryo UI" panose="020B0604030504040204" pitchFamily="50" charset="-128"/>
+                <a:cs typeface="Arial" panose="020B0604020202020204" pitchFamily="34" charset="0"/>
+              </a:rPr>
+              <a:t>SCM</a:t>
+            </a:r>
+            <a:endParaRPr lang="en-US" sz="1000" b="1" dirty="0">
+              <a:solidFill>
+                <a:srgbClr val="000000"/>
+              </a:solidFill>
+              <a:ea typeface="Meiryo UI" panose="020B0604030504040204" pitchFamily="50" charset="-128"/>
+              <a:cs typeface="Arial" panose="020B0604020202020204" pitchFamily="34" charset="0"/>
+            </a:endParaRPr>
+          </a:p>
+        </p:txBody>
+      </p:sp>
+      <p:sp>
+        <p:nvSpPr>
+          <p:cNvPr id="28" name="TextBox 250">
+            <a:extLst>
+              <a:ext uri="{FF2B5EF4-FFF2-40B4-BE49-F238E27FC236}">
+                <a16:creationId xmlns:a16="http://schemas.microsoft.com/office/drawing/2014/main" id="{4BECE690-5643-81C1-D3AD-768004681BDB}"/>
+              </a:ext>
+            </a:extLst>
+          </p:cNvPr>
+          <p:cNvSpPr txBox="1"/>
+          <p:nvPr/>
+        </p:nvSpPr>
+        <p:spPr>
+          <a:xfrm>
+            <a:off x="1397181" y="2589478"/>
+            <a:ext cx="1058518" cy="380380"/>
+          </a:xfrm>
+          <a:prstGeom prst="rect">
+            <a:avLst/>
+          </a:prstGeom>
+          <a:ln>
+            <a:solidFill>
+              <a:srgbClr val="0070C0"/>
+            </a:solidFill>
+          </a:ln>
+        </p:spPr>
+        <p:style>
+          <a:lnRef idx="2">
+            <a:schemeClr val="accent3">
+              <a:shade val="50000"/>
+            </a:schemeClr>
+          </a:lnRef>
+          <a:fillRef idx="1">
+            <a:schemeClr val="accent3"/>
+          </a:fillRef>
+          <a:effectRef idx="0">
+            <a:schemeClr val="accent3"/>
+          </a:effectRef>
+          <a:fontRef idx="minor">
+            <a:schemeClr val="lt1"/>
+          </a:fontRef>
+        </p:style>
+        <p:txBody>
+          <a:bodyPr wrap="square" lIns="36000" tIns="0" rIns="36000" bIns="0" rtlCol="0" anchor="ctr" anchorCtr="0">
+            <a:noAutofit/>
+          </a:bodyPr>
+          <a:lstStyle/>
+          <a:p>
+            <a:pPr algn="ctr" fontAlgn="base">
+              <a:spcBef>
+                <a:spcPct val="0"/>
+              </a:spcBef>
+              <a:spcAft>
+                <a:spcPct val="0"/>
+              </a:spcAft>
+              <a:defRPr/>
+            </a:pPr>
+            <a:r>
+              <a:rPr lang="en-US" sz="1000" b="1" dirty="0" smtClean="0">
+                <a:solidFill>
+                  <a:srgbClr val="0000FF"/>
+                </a:solidFill>
+                <a:latin typeface="Arial" panose="020B0604020202020204" pitchFamily="34" charset="0"/>
+                <a:ea typeface="Meiryo UI" panose="020B0604030504040204" pitchFamily="50" charset="-128"/>
+                <a:cs typeface="Arial" panose="020B0604020202020204" pitchFamily="34" charset="0"/>
+              </a:rPr>
+              <a:t>Smart </a:t>
+            </a:r>
+            <a:r>
+              <a:rPr lang="en-US" sz="1000" b="1" dirty="0">
+                <a:solidFill>
+                  <a:srgbClr val="0000FF"/>
+                </a:solidFill>
+                <a:latin typeface="Arial" panose="020B0604020202020204" pitchFamily="34" charset="0"/>
+                <a:ea typeface="Meiryo UI" panose="020B0604030504040204" pitchFamily="50" charset="-128"/>
+                <a:cs typeface="Arial" panose="020B0604020202020204" pitchFamily="34" charset="0"/>
+              </a:rPr>
+              <a:t>W/H control</a:t>
+            </a:r>
+          </a:p>
+        </p:txBody>
+      </p:sp>
+      <p:sp>
+        <p:nvSpPr>
+          <p:cNvPr id="29" name="TextBox 272">
+            <a:extLst>
+              <a:ext uri="{FF2B5EF4-FFF2-40B4-BE49-F238E27FC236}">
+                <a16:creationId xmlns:a16="http://schemas.microsoft.com/office/drawing/2014/main" id="{6A866B2D-2B04-1973-DB72-BE1AB47CF897}"/>
+              </a:ext>
+            </a:extLst>
+          </p:cNvPr>
+          <p:cNvSpPr txBox="1"/>
+          <p:nvPr/>
+        </p:nvSpPr>
+        <p:spPr>
+          <a:xfrm>
+            <a:off x="121002" y="2576352"/>
+            <a:ext cx="1041763" cy="394781"/>
+          </a:xfrm>
+          <a:prstGeom prst="rect">
+            <a:avLst/>
+          </a:prstGeom>
+          <a:ln>
+            <a:solidFill>
+              <a:srgbClr val="0070C0"/>
+            </a:solidFill>
+          </a:ln>
+        </p:spPr>
+        <p:style>
+          <a:lnRef idx="2">
+            <a:schemeClr val="accent3">
+              <a:shade val="50000"/>
+            </a:schemeClr>
+          </a:lnRef>
+          <a:fillRef idx="1">
+            <a:schemeClr val="accent3"/>
+          </a:fillRef>
+          <a:effectRef idx="0">
+            <a:schemeClr val="accent3"/>
+          </a:effectRef>
+          <a:fontRef idx="minor">
+            <a:schemeClr val="lt1"/>
+          </a:fontRef>
+        </p:style>
+        <p:txBody>
+          <a:bodyPr wrap="square" lIns="36000" tIns="0" rIns="36000" bIns="0" rtlCol="0" anchor="ctr" anchorCtr="0">
+            <a:noAutofit/>
+          </a:bodyPr>
+          <a:lstStyle/>
+          <a:p>
+            <a:pPr algn="ctr" fontAlgn="base">
+              <a:spcBef>
+                <a:spcPct val="0"/>
+              </a:spcBef>
+              <a:spcAft>
+                <a:spcPct val="0"/>
+              </a:spcAft>
+              <a:defRPr/>
+            </a:pPr>
+            <a:r>
+              <a:rPr lang="en-US" sz="1000" b="1" dirty="0" smtClean="0">
+                <a:solidFill>
+                  <a:srgbClr val="0000FF"/>
+                </a:solidFill>
+                <a:latin typeface="Arial" panose="020B0604020202020204" pitchFamily="34" charset="0"/>
+                <a:ea typeface="Meiryo UI" panose="020B0604030504040204" pitchFamily="50" charset="-128"/>
+                <a:cs typeface="Arial" panose="020B0604020202020204" pitchFamily="34" charset="0"/>
+              </a:rPr>
+              <a:t>E Chop system</a:t>
+            </a:r>
+            <a:endParaRPr lang="en-US" sz="1000" b="1" dirty="0">
+              <a:solidFill>
+                <a:srgbClr val="0000FF"/>
+              </a:solidFill>
+              <a:latin typeface="Arial" panose="020B0604020202020204" pitchFamily="34" charset="0"/>
+              <a:ea typeface="Meiryo UI" panose="020B0604030504040204" pitchFamily="50" charset="-128"/>
+              <a:cs typeface="Arial" panose="020B0604020202020204" pitchFamily="34" charset="0"/>
+            </a:endParaRPr>
+          </a:p>
+        </p:txBody>
+      </p:sp>
+      <p:sp>
+        <p:nvSpPr>
+          <p:cNvPr id="32" name="TextBox 250">
+            <a:extLst>
+              <a:ext uri="{FF2B5EF4-FFF2-40B4-BE49-F238E27FC236}">
+                <a16:creationId xmlns:a16="http://schemas.microsoft.com/office/drawing/2014/main" id="{4BECE690-5643-81C1-D3AD-768004681BDB}"/>
+              </a:ext>
+            </a:extLst>
+          </p:cNvPr>
+          <p:cNvSpPr txBox="1"/>
+          <p:nvPr/>
+        </p:nvSpPr>
+        <p:spPr>
+          <a:xfrm>
+            <a:off x="2698882" y="2551777"/>
+            <a:ext cx="1058518" cy="380380"/>
+          </a:xfrm>
+          <a:prstGeom prst="rect">
+            <a:avLst/>
+          </a:prstGeom>
+          <a:ln>
+            <a:solidFill>
+              <a:srgbClr val="0070C0"/>
+            </a:solidFill>
+          </a:ln>
+        </p:spPr>
+        <p:style>
+          <a:lnRef idx="2">
+            <a:schemeClr val="accent3">
+              <a:shade val="50000"/>
+            </a:schemeClr>
+          </a:lnRef>
+          <a:fillRef idx="1">
+            <a:schemeClr val="accent3"/>
+          </a:fillRef>
+          <a:effectRef idx="0">
+            <a:schemeClr val="accent3"/>
+          </a:effectRef>
+          <a:fontRef idx="minor">
+            <a:schemeClr val="lt1"/>
+          </a:fontRef>
+        </p:style>
+        <p:txBody>
+          <a:bodyPr wrap="square" lIns="36000" tIns="0" rIns="36000" bIns="0" rtlCol="0" anchor="ctr" anchorCtr="0">
+            <a:noAutofit/>
+          </a:bodyPr>
+          <a:lstStyle/>
+          <a:p>
+            <a:pPr algn="ctr" fontAlgn="base">
+              <a:spcBef>
+                <a:spcPct val="0"/>
+              </a:spcBef>
+              <a:spcAft>
+                <a:spcPct val="0"/>
+              </a:spcAft>
+              <a:defRPr/>
+            </a:pPr>
+            <a:r>
+              <a:rPr lang="en-US" sz="1000" dirty="0" smtClean="0">
+                <a:solidFill>
+                  <a:srgbClr val="0000FF"/>
+                </a:solidFill>
+                <a:latin typeface="Arial" panose="020B0604020202020204" pitchFamily="34" charset="0"/>
+                <a:ea typeface="HGPGothicE" panose="020B0900000000000000" pitchFamily="34" charset="-128"/>
+                <a:cs typeface="Arial" panose="020B0604020202020204" pitchFamily="34" charset="0"/>
+              </a:rPr>
+              <a:t>Reel</a:t>
+            </a:r>
+            <a:r>
+              <a:rPr lang="en-US" sz="1000" dirty="0">
+                <a:solidFill>
+                  <a:srgbClr val="0000FF"/>
+                </a:solidFill>
+                <a:latin typeface="Arial" panose="020B0604020202020204" pitchFamily="34" charset="0"/>
+                <a:ea typeface="HGPGothicE" panose="020B0900000000000000" pitchFamily="34" charset="-128"/>
+                <a:cs typeface="Arial" panose="020B0604020202020204" pitchFamily="34" charset="0"/>
+              </a:rPr>
+              <a:t> </a:t>
+            </a:r>
+            <a:r>
+              <a:rPr lang="en-US" sz="1000" dirty="0" smtClean="0">
+                <a:solidFill>
+                  <a:srgbClr val="0000FF"/>
+                </a:solidFill>
+                <a:latin typeface="Arial" panose="020B0604020202020204" pitchFamily="34" charset="0"/>
+                <a:ea typeface="HGPGothicE" panose="020B0900000000000000" pitchFamily="34" charset="-128"/>
+                <a:cs typeface="Arial" panose="020B0604020202020204" pitchFamily="34" charset="0"/>
+              </a:rPr>
+              <a:t>&amp; PCB</a:t>
+            </a:r>
+            <a:endParaRPr lang="en-US" sz="1000" dirty="0">
+              <a:solidFill>
+                <a:srgbClr val="0000FF"/>
+              </a:solidFill>
+              <a:latin typeface="Arial" panose="020B0604020202020204" pitchFamily="34" charset="0"/>
+              <a:ea typeface="HGPGothicE" panose="020B0900000000000000" pitchFamily="34" charset="-128"/>
+              <a:cs typeface="Arial" panose="020B0604020202020204" pitchFamily="34" charset="0"/>
+            </a:endParaRPr>
+          </a:p>
+        </p:txBody>
+      </p:sp>
+      <p:sp>
+        <p:nvSpPr>
+          <p:cNvPr id="41" name="TextBox 250">
+            <a:extLst>
+              <a:ext uri="{FF2B5EF4-FFF2-40B4-BE49-F238E27FC236}">
+                <a16:creationId xmlns:a16="http://schemas.microsoft.com/office/drawing/2014/main" id="{4BECE690-5643-81C1-D3AD-768004681BDB}"/>
+              </a:ext>
+            </a:extLst>
+          </p:cNvPr>
+          <p:cNvSpPr txBox="1"/>
+          <p:nvPr/>
+        </p:nvSpPr>
+        <p:spPr>
+          <a:xfrm>
+            <a:off x="6582917" y="2564816"/>
+            <a:ext cx="1058518" cy="380380"/>
+          </a:xfrm>
+          <a:prstGeom prst="rect">
+            <a:avLst/>
+          </a:prstGeom>
+          <a:ln>
+            <a:solidFill>
+              <a:srgbClr val="0070C0"/>
+            </a:solidFill>
+          </a:ln>
+        </p:spPr>
+        <p:style>
+          <a:lnRef idx="2">
+            <a:schemeClr val="accent3">
+              <a:shade val="50000"/>
+            </a:schemeClr>
+          </a:lnRef>
+          <a:fillRef idx="1">
+            <a:schemeClr val="accent3"/>
+          </a:fillRef>
+          <a:effectRef idx="0">
+            <a:schemeClr val="accent3"/>
+          </a:effectRef>
+          <a:fontRef idx="minor">
+            <a:schemeClr val="lt1"/>
+          </a:fontRef>
+        </p:style>
+        <p:txBody>
+          <a:bodyPr wrap="square" lIns="36000" tIns="0" rIns="36000" bIns="0" rtlCol="0" anchor="ctr" anchorCtr="0">
+            <a:noAutofit/>
+          </a:bodyPr>
+          <a:lstStyle/>
+          <a:p>
+            <a:pPr algn="ctr" fontAlgn="base">
+              <a:spcBef>
+                <a:spcPct val="0"/>
+              </a:spcBef>
+              <a:spcAft>
+                <a:spcPct val="0"/>
+              </a:spcAft>
+              <a:defRPr/>
+            </a:pPr>
+            <a:r>
+              <a:rPr lang="en-US" sz="1000" dirty="0" smtClean="0">
+                <a:solidFill>
+                  <a:srgbClr val="0000FF"/>
+                </a:solidFill>
+                <a:latin typeface="Arial" panose="020B0604020202020204" pitchFamily="34" charset="0"/>
+                <a:ea typeface="HGPGothicE" panose="020B0900000000000000" pitchFamily="34" charset="-128"/>
+                <a:cs typeface="Arial" panose="020B0604020202020204" pitchFamily="34" charset="0"/>
+              </a:rPr>
+              <a:t>Weight &amp; Traceability</a:t>
+            </a:r>
+            <a:endParaRPr lang="en-US" sz="1000" dirty="0">
+              <a:solidFill>
+                <a:srgbClr val="0000FF"/>
+              </a:solidFill>
+              <a:latin typeface="Arial" panose="020B0604020202020204" pitchFamily="34" charset="0"/>
+              <a:ea typeface="HGPGothicE" panose="020B0900000000000000" pitchFamily="34" charset="-128"/>
+              <a:cs typeface="Arial" panose="020B0604020202020204" pitchFamily="34" charset="0"/>
+            </a:endParaRPr>
+          </a:p>
+        </p:txBody>
+      </p:sp>
+      <p:sp>
+        <p:nvSpPr>
+          <p:cNvPr id="42" name="TextBox 250">
+            <a:extLst>
+              <a:ext uri="{FF2B5EF4-FFF2-40B4-BE49-F238E27FC236}">
+                <a16:creationId xmlns:a16="http://schemas.microsoft.com/office/drawing/2014/main" id="{4BECE690-5643-81C1-D3AD-768004681BDB}"/>
+              </a:ext>
+            </a:extLst>
+          </p:cNvPr>
+          <p:cNvSpPr txBox="1"/>
+          <p:nvPr/>
+        </p:nvSpPr>
+        <p:spPr>
+          <a:xfrm>
+            <a:off x="7898754" y="2563774"/>
+            <a:ext cx="1058518" cy="380380"/>
+          </a:xfrm>
+          <a:prstGeom prst="rect">
+            <a:avLst/>
+          </a:prstGeom>
+          <a:ln>
+            <a:solidFill>
+              <a:srgbClr val="0070C0"/>
+            </a:solidFill>
+          </a:ln>
+        </p:spPr>
+        <p:style>
+          <a:lnRef idx="2">
+            <a:schemeClr val="accent3">
+              <a:shade val="50000"/>
+            </a:schemeClr>
+          </a:lnRef>
+          <a:fillRef idx="1">
+            <a:schemeClr val="accent3"/>
+          </a:fillRef>
+          <a:effectRef idx="0">
+            <a:schemeClr val="accent3"/>
+          </a:effectRef>
+          <a:fontRef idx="minor">
+            <a:schemeClr val="lt1"/>
+          </a:fontRef>
+        </p:style>
+        <p:txBody>
+          <a:bodyPr wrap="square" lIns="36000" tIns="0" rIns="36000" bIns="0" rtlCol="0" anchor="ctr" anchorCtr="0">
+            <a:noAutofit/>
+          </a:bodyPr>
+          <a:lstStyle/>
+          <a:p>
+            <a:pPr algn="ctr" fontAlgn="base">
+              <a:spcBef>
+                <a:spcPct val="0"/>
+              </a:spcBef>
+              <a:spcAft>
+                <a:spcPct val="0"/>
+              </a:spcAft>
+              <a:defRPr/>
+            </a:pPr>
+            <a:r>
+              <a:rPr lang="en-US" sz="1000" dirty="0" smtClean="0">
+                <a:solidFill>
+                  <a:srgbClr val="0000FF"/>
+                </a:solidFill>
+                <a:latin typeface="Arial" panose="020B0604020202020204" pitchFamily="34" charset="0"/>
+                <a:ea typeface="HGPGothicE" panose="020B0900000000000000" pitchFamily="34" charset="-128"/>
+                <a:cs typeface="Arial" panose="020B0604020202020204" pitchFamily="34" charset="0"/>
+              </a:rPr>
+              <a:t>WMS &amp; Tally Sheet</a:t>
+            </a:r>
+            <a:endParaRPr lang="en-US" sz="1000" dirty="0">
+              <a:solidFill>
+                <a:srgbClr val="0000FF"/>
+              </a:solidFill>
+              <a:latin typeface="Arial" panose="020B0604020202020204" pitchFamily="34" charset="0"/>
+              <a:ea typeface="HGPGothicE" panose="020B0900000000000000" pitchFamily="34" charset="-128"/>
+              <a:cs typeface="Arial" panose="020B0604020202020204" pitchFamily="34" charset="0"/>
+            </a:endParaRPr>
+          </a:p>
+        </p:txBody>
+      </p:sp>
+      <p:sp>
+        <p:nvSpPr>
+          <p:cNvPr id="43" name="Rectangle 207">
+            <a:extLst>
+              <a:ext uri="{FF2B5EF4-FFF2-40B4-BE49-F238E27FC236}">
+                <a16:creationId xmlns:a16="http://schemas.microsoft.com/office/drawing/2014/main" id="{2337A679-470C-28FD-B39C-EB1381F74987}"/>
+              </a:ext>
+            </a:extLst>
+          </p:cNvPr>
+          <p:cNvSpPr/>
+          <p:nvPr/>
+        </p:nvSpPr>
+        <p:spPr bwMode="auto">
+          <a:xfrm>
+            <a:off x="3961172" y="1382819"/>
+            <a:ext cx="1055318" cy="1050518"/>
+          </a:xfrm>
+          <a:prstGeom prst="rect">
+            <a:avLst/>
+          </a:prstGeom>
+          <a:noFill/>
+          <a:ln w="25400" cap="flat" cmpd="sng" algn="ctr">
+            <a:solidFill>
+              <a:srgbClr val="0070C0"/>
+            </a:solidFill>
+            <a:prstDash val="solid"/>
+            <a:round/>
+            <a:headEnd type="none" w="med" len="med"/>
+            <a:tailEnd type="none" w="med" len="med"/>
+          </a:ln>
+          <a:effectLst/>
+        </p:spPr>
+        <p:txBody>
+          <a:bodyPr vert="horz" wrap="square" lIns="36000" tIns="0" rIns="36000" bIns="0" numCol="1" rtlCol="0" anchor="ctr" anchorCtr="0" compatLnSpc="1">
+            <a:prstTxWarp prst="textNoShape">
+              <a:avLst/>
+            </a:prstTxWarp>
+            <a:noAutofit/>
+          </a:bodyPr>
+          <a:lstStyle/>
+          <a:p>
+            <a:pPr algn="ctr" fontAlgn="base">
+              <a:spcBef>
+                <a:spcPct val="0"/>
+              </a:spcBef>
+              <a:spcAft>
+                <a:spcPct val="0"/>
+              </a:spcAft>
+              <a:defRPr/>
+            </a:pPr>
+            <a:endParaRPr kumimoji="1" lang="en-US" sz="1100" b="1" dirty="0">
+              <a:solidFill>
+                <a:srgbClr val="000000"/>
+              </a:solidFill>
+              <a:latin typeface="Meiryo UI" panose="020B0604030504040204" pitchFamily="50" charset="-128"/>
+              <a:ea typeface="Meiryo UI" panose="020B0604030504040204" pitchFamily="50" charset="-128"/>
+            </a:endParaRPr>
+          </a:p>
+        </p:txBody>
+      </p:sp>
+      <p:sp>
+        <p:nvSpPr>
+          <p:cNvPr id="44" name="TextBox 250">
+            <a:extLst>
+              <a:ext uri="{FF2B5EF4-FFF2-40B4-BE49-F238E27FC236}">
+                <a16:creationId xmlns:a16="http://schemas.microsoft.com/office/drawing/2014/main" id="{4BECE690-5643-81C1-D3AD-768004681BDB}"/>
+              </a:ext>
+            </a:extLst>
+          </p:cNvPr>
+          <p:cNvSpPr txBox="1"/>
+          <p:nvPr/>
+        </p:nvSpPr>
+        <p:spPr>
+          <a:xfrm>
+            <a:off x="3970879" y="2563228"/>
+            <a:ext cx="1058518" cy="380380"/>
+          </a:xfrm>
+          <a:prstGeom prst="rect">
+            <a:avLst/>
+          </a:prstGeom>
+          <a:ln>
+            <a:solidFill>
+              <a:srgbClr val="0070C0"/>
+            </a:solidFill>
+          </a:ln>
+        </p:spPr>
+        <p:style>
+          <a:lnRef idx="2">
+            <a:schemeClr val="accent3">
+              <a:shade val="50000"/>
+            </a:schemeClr>
+          </a:lnRef>
+          <a:fillRef idx="1">
+            <a:schemeClr val="accent3"/>
+          </a:fillRef>
+          <a:effectRef idx="0">
+            <a:schemeClr val="accent3"/>
+          </a:effectRef>
+          <a:fontRef idx="minor">
+            <a:schemeClr val="lt1"/>
+          </a:fontRef>
+        </p:style>
+        <p:txBody>
+          <a:bodyPr wrap="square" lIns="36000" tIns="0" rIns="36000" bIns="0" rtlCol="0" anchor="ctr" anchorCtr="0">
+            <a:noAutofit/>
+          </a:bodyPr>
+          <a:lstStyle/>
+          <a:p>
+            <a:pPr algn="ctr" fontAlgn="base">
+              <a:spcBef>
+                <a:spcPct val="0"/>
+              </a:spcBef>
+              <a:spcAft>
+                <a:spcPct val="0"/>
+              </a:spcAft>
+              <a:defRPr/>
+            </a:pPr>
+            <a:r>
+              <a:rPr lang="en-US" sz="1000" dirty="0" smtClean="0">
+                <a:solidFill>
+                  <a:srgbClr val="0000FF"/>
+                </a:solidFill>
+                <a:latin typeface="Arial" panose="020B0604020202020204" pitchFamily="34" charset="0"/>
+                <a:ea typeface="HGPGothicE" panose="020B0900000000000000" pitchFamily="34" charset="-128"/>
+                <a:cs typeface="Arial" panose="020B0604020202020204" pitchFamily="34" charset="0"/>
+              </a:rPr>
+              <a:t>Traceability</a:t>
+            </a:r>
+            <a:endParaRPr lang="en-US" sz="1000" dirty="0">
+              <a:solidFill>
+                <a:srgbClr val="0000FF"/>
+              </a:solidFill>
+              <a:latin typeface="Arial" panose="020B0604020202020204" pitchFamily="34" charset="0"/>
+              <a:ea typeface="HGPGothicE" panose="020B0900000000000000" pitchFamily="34" charset="-128"/>
+              <a:cs typeface="Arial" panose="020B0604020202020204" pitchFamily="34" charset="0"/>
+            </a:endParaRPr>
+          </a:p>
+        </p:txBody>
+      </p:sp>
+      <p:sp>
+        <p:nvSpPr>
+          <p:cNvPr id="45" name="Rectangle 225">
+            <a:extLst>
+              <a:ext uri="{FF2B5EF4-FFF2-40B4-BE49-F238E27FC236}">
+                <a16:creationId xmlns:a16="http://schemas.microsoft.com/office/drawing/2014/main" id="{2D2669DD-69D4-9F62-E2E5-B5FB0318322B}"/>
+              </a:ext>
+            </a:extLst>
+          </p:cNvPr>
+          <p:cNvSpPr/>
+          <p:nvPr/>
+        </p:nvSpPr>
+        <p:spPr>
+          <a:xfrm>
+            <a:off x="4216961" y="1114786"/>
+            <a:ext cx="543739" cy="246221"/>
+          </a:xfrm>
+          <a:prstGeom prst="rect">
+            <a:avLst/>
+          </a:prstGeom>
+        </p:spPr>
+        <p:txBody>
+          <a:bodyPr wrap="none" lIns="36000" tIns="0" rIns="36000" bIns="0" anchor="ctr" anchorCtr="0">
+            <a:noAutofit/>
+          </a:bodyPr>
+          <a:lstStyle/>
+          <a:p>
+            <a:pPr algn="ctr" fontAlgn="base">
+              <a:spcBef>
+                <a:spcPct val="0"/>
+              </a:spcBef>
+              <a:spcAft>
+                <a:spcPct val="0"/>
+              </a:spcAft>
+              <a:defRPr/>
+            </a:pPr>
+            <a:r>
+              <a:rPr lang="en-US" sz="1000" b="1" dirty="0" smtClean="0">
+                <a:solidFill>
+                  <a:prstClr val="black"/>
+                </a:solidFill>
+                <a:ea typeface="Meiryo UI" panose="020B0604030504040204" pitchFamily="50" charset="-128"/>
+              </a:rPr>
+              <a:t>DIP</a:t>
+            </a:r>
+            <a:endParaRPr lang="en-US" sz="1000" b="1" dirty="0">
+              <a:solidFill>
+                <a:srgbClr val="000000"/>
+              </a:solidFill>
+              <a:ea typeface="Meiryo UI" panose="020B0604030504040204" pitchFamily="50" charset="-128"/>
+            </a:endParaRPr>
+          </a:p>
+        </p:txBody>
+      </p:sp>
+      <p:sp>
+        <p:nvSpPr>
+          <p:cNvPr id="46" name="Rectangle 207">
+            <a:extLst>
+              <a:ext uri="{FF2B5EF4-FFF2-40B4-BE49-F238E27FC236}">
+                <a16:creationId xmlns:a16="http://schemas.microsoft.com/office/drawing/2014/main" id="{2337A679-470C-28FD-B39C-EB1381F74987}"/>
+              </a:ext>
+            </a:extLst>
+          </p:cNvPr>
+          <p:cNvSpPr/>
+          <p:nvPr/>
+        </p:nvSpPr>
+        <p:spPr bwMode="auto">
+          <a:xfrm>
+            <a:off x="7901954" y="1410953"/>
+            <a:ext cx="1055318" cy="1050518"/>
+          </a:xfrm>
+          <a:prstGeom prst="rect">
+            <a:avLst/>
+          </a:prstGeom>
+          <a:noFill/>
+          <a:ln w="25400" cap="flat" cmpd="sng" algn="ctr">
+            <a:solidFill>
+              <a:srgbClr val="0070C0"/>
+            </a:solidFill>
+            <a:prstDash val="solid"/>
+            <a:round/>
+            <a:headEnd type="none" w="med" len="med"/>
+            <a:tailEnd type="none" w="med" len="med"/>
+          </a:ln>
+          <a:effectLst/>
+        </p:spPr>
+        <p:txBody>
+          <a:bodyPr vert="horz" wrap="square" lIns="36000" tIns="0" rIns="36000" bIns="0" numCol="1" rtlCol="0" anchor="ctr" anchorCtr="0" compatLnSpc="1">
+            <a:prstTxWarp prst="textNoShape">
+              <a:avLst/>
+            </a:prstTxWarp>
+            <a:noAutofit/>
+          </a:bodyPr>
+          <a:lstStyle/>
+          <a:p>
+            <a:pPr algn="ctr" fontAlgn="base">
+              <a:spcBef>
+                <a:spcPct val="0"/>
+              </a:spcBef>
+              <a:spcAft>
+                <a:spcPct val="0"/>
+              </a:spcAft>
+              <a:defRPr/>
+            </a:pPr>
+            <a:endParaRPr kumimoji="1" lang="en-US" sz="1100" b="1" dirty="0">
+              <a:solidFill>
+                <a:srgbClr val="000000"/>
+              </a:solidFill>
+              <a:latin typeface="Meiryo UI" panose="020B0604030504040204" pitchFamily="50" charset="-128"/>
+              <a:ea typeface="Meiryo UI" panose="020B0604030504040204" pitchFamily="50" charset="-128"/>
+            </a:endParaRPr>
+          </a:p>
+        </p:txBody>
+      </p:sp>
+      <p:sp>
+        <p:nvSpPr>
+          <p:cNvPr id="47" name="Rectangle 207">
+            <a:extLst>
+              <a:ext uri="{FF2B5EF4-FFF2-40B4-BE49-F238E27FC236}">
+                <a16:creationId xmlns:a16="http://schemas.microsoft.com/office/drawing/2014/main" id="{2337A679-470C-28FD-B39C-EB1381F74987}"/>
+              </a:ext>
+            </a:extLst>
+          </p:cNvPr>
+          <p:cNvSpPr/>
+          <p:nvPr/>
+        </p:nvSpPr>
+        <p:spPr bwMode="auto">
+          <a:xfrm>
+            <a:off x="121273" y="1380461"/>
+            <a:ext cx="1055318" cy="1050518"/>
+          </a:xfrm>
+          <a:prstGeom prst="rect">
+            <a:avLst/>
+          </a:prstGeom>
+          <a:noFill/>
+          <a:ln w="25400" cap="flat" cmpd="sng" algn="ctr">
+            <a:solidFill>
+              <a:srgbClr val="0070C0"/>
+            </a:solidFill>
+            <a:prstDash val="solid"/>
+            <a:round/>
+            <a:headEnd type="none" w="med" len="med"/>
+            <a:tailEnd type="none" w="med" len="med"/>
+          </a:ln>
+          <a:effectLst/>
+        </p:spPr>
+        <p:txBody>
+          <a:bodyPr vert="horz" wrap="square" lIns="36000" tIns="0" rIns="36000" bIns="0" numCol="1" rtlCol="0" anchor="ctr" anchorCtr="0" compatLnSpc="1">
+            <a:prstTxWarp prst="textNoShape">
+              <a:avLst/>
+            </a:prstTxWarp>
+            <a:noAutofit/>
+          </a:bodyPr>
+          <a:lstStyle/>
+          <a:p>
+            <a:pPr algn="ctr" fontAlgn="base">
+              <a:spcBef>
+                <a:spcPct val="0"/>
+              </a:spcBef>
+              <a:spcAft>
+                <a:spcPct val="0"/>
+              </a:spcAft>
+              <a:defRPr/>
+            </a:pPr>
+            <a:endParaRPr kumimoji="1" lang="en-US" sz="1100" b="1" dirty="0">
+              <a:solidFill>
+                <a:srgbClr val="000000"/>
+              </a:solidFill>
+              <a:latin typeface="Meiryo UI" panose="020B0604030504040204" pitchFamily="50" charset="-128"/>
+              <a:ea typeface="Meiryo UI" panose="020B0604030504040204" pitchFamily="50" charset="-128"/>
+            </a:endParaRPr>
+          </a:p>
+        </p:txBody>
+      </p:sp>
+      <p:sp>
+        <p:nvSpPr>
+          <p:cNvPr id="59" name="Rectangle 4">
+            <a:extLst>
+              <a:ext uri="{FF2B5EF4-FFF2-40B4-BE49-F238E27FC236}">
+                <a16:creationId xmlns:a16="http://schemas.microsoft.com/office/drawing/2014/main" id="{E66EA2A5-10CA-4953-A1B2-A2921D46558D}"/>
+              </a:ext>
+            </a:extLst>
+          </p:cNvPr>
+          <p:cNvSpPr/>
+          <p:nvPr/>
+        </p:nvSpPr>
+        <p:spPr>
+          <a:xfrm>
+            <a:off x="46603" y="3124200"/>
+            <a:ext cx="9049556" cy="412108"/>
+          </a:xfrm>
+          <a:prstGeom prst="rect">
+            <a:avLst/>
+          </a:prstGeom>
+          <a:solidFill>
+            <a:srgbClr val="FFFFCC"/>
+          </a:solidFill>
+          <a:ln w="19050">
+            <a:solidFill>
+              <a:schemeClr val="tx1">
+                <a:lumMod val="50000"/>
+                <a:lumOff val="50000"/>
+              </a:schemeClr>
+            </a:solidFill>
+          </a:ln>
+        </p:spPr>
+        <p:style>
+          <a:lnRef idx="2">
+            <a:schemeClr val="accent1">
+              <a:shade val="50000"/>
+            </a:schemeClr>
+          </a:lnRef>
+          <a:fillRef idx="1">
+            <a:schemeClr val="accent1"/>
+          </a:fillRef>
+          <a:effectRef idx="0">
+            <a:schemeClr val="accent1"/>
+          </a:effectRef>
+          <a:fontRef idx="minor">
+            <a:schemeClr val="lt1"/>
+          </a:fontRef>
+        </p:style>
+        <p:txBody>
+          <a:bodyPr rtlCol="0" anchor="t"/>
+          <a:lstStyle/>
+          <a:p>
+            <a:pPr lvl="0" algn="ctr" fontAlgn="base">
+              <a:spcBef>
+                <a:spcPct val="0"/>
+              </a:spcBef>
+              <a:spcAft>
+                <a:spcPct val="0"/>
+              </a:spcAft>
+              <a:defRPr/>
+            </a:pPr>
+            <a:r>
+              <a:rPr kumimoji="1" lang="en-US" altLang="ja-JP" b="1" dirty="0">
+                <a:solidFill>
+                  <a:prstClr val="black"/>
+                </a:solidFill>
+                <a:latin typeface="Arial" panose="020B0604020202020204" pitchFamily="34" charset="0"/>
+                <a:ea typeface="Meiryo UI" panose="020B0604030504040204" pitchFamily="50" charset="-128"/>
+                <a:cs typeface="Arial" panose="020B0604020202020204" pitchFamily="34" charset="0"/>
+              </a:rPr>
+              <a:t>All departments have management systems and link together</a:t>
+            </a:r>
+            <a:endParaRPr kumimoji="1" lang="en-US" altLang="ja-JP" b="1" i="0" u="none" strike="noStrike" kern="1200" cap="none" spc="0" normalizeH="0" baseline="0" noProof="0" dirty="0">
+              <a:ln>
+                <a:noFill/>
+              </a:ln>
+              <a:solidFill>
+                <a:prstClr val="black"/>
+              </a:solidFill>
+              <a:effectLst/>
+              <a:uLnTx/>
+              <a:uFillTx/>
+              <a:latin typeface="Arial" panose="020B0604020202020204" pitchFamily="34" charset="0"/>
+              <a:ea typeface="Meiryo UI" panose="020B0604030504040204" pitchFamily="50" charset="-128"/>
+              <a:cs typeface="Arial" panose="020B0604020202020204" pitchFamily="34" charset="0"/>
+            </a:endParaRPr>
+          </a:p>
+        </p:txBody>
+      </p:sp>
+      <p:sp>
+        <p:nvSpPr>
+          <p:cNvPr id="60" name="Rectangle 11">
+            <a:extLst>
+              <a:ext uri="{FF2B5EF4-FFF2-40B4-BE49-F238E27FC236}">
+                <a16:creationId xmlns:a16="http://schemas.microsoft.com/office/drawing/2014/main" id="{75C01FB4-008B-4826-B8B3-4D90B19E85C1}"/>
+              </a:ext>
+            </a:extLst>
+          </p:cNvPr>
+          <p:cNvSpPr/>
+          <p:nvPr/>
+        </p:nvSpPr>
+        <p:spPr>
+          <a:xfrm>
+            <a:off x="46597" y="3631937"/>
+            <a:ext cx="1306733" cy="512552"/>
+          </a:xfrm>
+          <a:prstGeom prst="rect">
+            <a:avLst/>
+          </a:prstGeom>
+          <a:ln w="19050"/>
+        </p:spPr>
+        <p:style>
+          <a:lnRef idx="1">
+            <a:schemeClr val="accent6"/>
+          </a:lnRef>
+          <a:fillRef idx="2">
+            <a:schemeClr val="accent6"/>
+          </a:fillRef>
+          <a:effectRef idx="1">
+            <a:schemeClr val="accent6"/>
+          </a:effectRef>
+          <a:fontRef idx="minor">
+            <a:schemeClr val="dk1"/>
+          </a:fontRef>
+        </p:style>
+        <p:txBody>
+          <a:bodyPr rtlCol="0" anchor="ctr"/>
+          <a:lstStyle/>
+          <a:p>
+            <a:r>
+              <a:rPr lang="en-US" b="1" dirty="0">
+                <a:latin typeface="Arial" panose="020B0604020202020204" pitchFamily="34" charset="0"/>
+                <a:cs typeface="Arial" panose="020B0604020202020204" pitchFamily="34" charset="0"/>
+              </a:rPr>
+              <a:t>Problem:</a:t>
+            </a:r>
+          </a:p>
+        </p:txBody>
+      </p:sp>
+      <p:sp>
+        <p:nvSpPr>
+          <p:cNvPr id="61" name="テキスト ボックス 74">
+            <a:extLst>
+              <a:ext uri="{FF2B5EF4-FFF2-40B4-BE49-F238E27FC236}">
+                <a16:creationId xmlns:a16="http://schemas.microsoft.com/office/drawing/2014/main" id="{8A383A7B-D46E-4000-AA3C-9788519D0569}"/>
+              </a:ext>
+            </a:extLst>
+          </p:cNvPr>
+          <p:cNvSpPr txBox="1"/>
+          <p:nvPr/>
+        </p:nvSpPr>
+        <p:spPr>
+          <a:xfrm>
+            <a:off x="1421279" y="3623135"/>
+            <a:ext cx="7674880" cy="512553"/>
+          </a:xfrm>
+          <a:prstGeom prst="rect">
+            <a:avLst/>
+          </a:prstGeom>
+          <a:noFill/>
+          <a:ln w="19050">
+            <a:solidFill>
+              <a:schemeClr val="accent1"/>
+            </a:solidFill>
+          </a:ln>
+        </p:spPr>
+        <p:txBody>
+          <a:bodyPr wrap="none" anchor="ctr">
+            <a:noAutofit/>
+          </a:bodyPr>
+          <a:lstStyle/>
+          <a:p>
+            <a:r>
+              <a:rPr lang="en-US" altLang="ja-JP" dirty="0">
+                <a:latin typeface="Arial" panose="020B0604020202020204" pitchFamily="34" charset="0"/>
+                <a:cs typeface="Arial" panose="020B0604020202020204" pitchFamily="34" charset="0"/>
+              </a:rPr>
+              <a:t>The entire OQC system is managed by </a:t>
+            </a:r>
+            <a:r>
+              <a:rPr lang="en-US" altLang="ja-JP" b="1" dirty="0">
+                <a:latin typeface="Arial" panose="020B0604020202020204" pitchFamily="34" charset="0"/>
+                <a:cs typeface="Arial" panose="020B0604020202020204" pitchFamily="34" charset="0"/>
+              </a:rPr>
+              <a:t>Excel </a:t>
+            </a:r>
+            <a:r>
+              <a:rPr lang="en-US" altLang="ja-JP" b="1" dirty="0" smtClean="0">
+                <a:latin typeface="Arial" panose="020B0604020202020204" pitchFamily="34" charset="0"/>
+                <a:cs typeface="Arial" panose="020B0604020202020204" pitchFamily="34" charset="0"/>
+              </a:rPr>
+              <a:t>files </a:t>
+            </a:r>
+            <a:r>
+              <a:rPr lang="en-US" altLang="ja-JP" dirty="0" smtClean="0">
+                <a:latin typeface="Arial" panose="020B0604020202020204" pitchFamily="34" charset="0"/>
+                <a:cs typeface="Arial" panose="020B0604020202020204" pitchFamily="34" charset="0"/>
+              </a:rPr>
+              <a:t>and </a:t>
+            </a:r>
+          </a:p>
+          <a:p>
+            <a:r>
+              <a:rPr lang="en-US" altLang="ja-JP" dirty="0" smtClean="0">
+                <a:latin typeface="Arial" panose="020B0604020202020204" pitchFamily="34" charset="0"/>
+                <a:cs typeface="Arial" panose="020B0604020202020204" pitchFamily="34" charset="0"/>
+              </a:rPr>
+              <a:t>is </a:t>
+            </a:r>
+            <a:r>
+              <a:rPr lang="en-US" altLang="ja-JP" b="1" dirty="0">
+                <a:latin typeface="Arial" panose="020B0604020202020204" pitchFamily="34" charset="0"/>
+                <a:cs typeface="Arial" panose="020B0604020202020204" pitchFamily="34" charset="0"/>
+              </a:rPr>
+              <a:t>not linked </a:t>
+            </a:r>
+            <a:r>
+              <a:rPr lang="en-US" altLang="ja-JP" dirty="0">
+                <a:latin typeface="Arial" panose="020B0604020202020204" pitchFamily="34" charset="0"/>
+                <a:cs typeface="Arial" panose="020B0604020202020204" pitchFamily="34" charset="0"/>
+              </a:rPr>
+              <a:t>to any system in the factory.</a:t>
+            </a:r>
+            <a:endParaRPr lang="en-US" altLang="ja-JP" dirty="0">
+              <a:latin typeface="Arial" panose="020B0604020202020204" pitchFamily="34" charset="0"/>
+              <a:cs typeface="Arial" panose="020B0604020202020204" pitchFamily="34" charset="0"/>
+            </a:endParaRPr>
+          </a:p>
+        </p:txBody>
+      </p:sp>
+      <p:sp>
+        <p:nvSpPr>
+          <p:cNvPr id="63" name="Rectangle 349">
+            <a:extLst>
+              <a:ext uri="{FF2B5EF4-FFF2-40B4-BE49-F238E27FC236}">
+                <a16:creationId xmlns:a16="http://schemas.microsoft.com/office/drawing/2014/main" id="{66FAB7B3-3EE7-8EBE-6B4F-53D31B1E2AF9}"/>
+              </a:ext>
+            </a:extLst>
+          </p:cNvPr>
+          <p:cNvSpPr/>
+          <p:nvPr/>
+        </p:nvSpPr>
+        <p:spPr bwMode="auto">
+          <a:xfrm>
+            <a:off x="5262314" y="1380462"/>
+            <a:ext cx="1022641" cy="1050517"/>
+          </a:xfrm>
+          <a:prstGeom prst="rect">
+            <a:avLst/>
+          </a:prstGeom>
+          <a:noFill/>
+          <a:ln w="25400" cap="flat" cmpd="sng" algn="ctr">
+            <a:solidFill>
+              <a:srgbClr val="0070C0"/>
+            </a:solidFill>
+            <a:prstDash val="solid"/>
+            <a:round/>
+            <a:headEnd type="none" w="med" len="med"/>
+            <a:tailEnd type="none" w="med" len="med"/>
+          </a:ln>
+          <a:effectLst/>
+        </p:spPr>
+        <p:txBody>
+          <a:bodyPr vert="horz" wrap="square" lIns="36000" tIns="0" rIns="36000" bIns="0" numCol="1" rtlCol="0" anchor="ctr" anchorCtr="0" compatLnSpc="1">
+            <a:prstTxWarp prst="textNoShape">
+              <a:avLst/>
+            </a:prstTxWarp>
+            <a:noAutofit/>
+          </a:bodyPr>
+          <a:lstStyle/>
+          <a:p>
+            <a:pPr algn="ctr" fontAlgn="base">
+              <a:spcBef>
+                <a:spcPct val="0"/>
+              </a:spcBef>
+              <a:spcAft>
+                <a:spcPct val="0"/>
+              </a:spcAft>
+              <a:defRPr/>
+            </a:pPr>
+            <a:endParaRPr kumimoji="1" lang="en-US" sz="1100" b="1" dirty="0">
+              <a:solidFill>
+                <a:srgbClr val="000000"/>
+              </a:solidFill>
+              <a:latin typeface="Meiryo UI" panose="020B0604030504040204" pitchFamily="50" charset="-128"/>
+              <a:ea typeface="Meiryo UI" panose="020B0604030504040204" pitchFamily="50" charset="-128"/>
+            </a:endParaRPr>
+          </a:p>
+        </p:txBody>
+      </p:sp>
+      <p:sp>
+        <p:nvSpPr>
+          <p:cNvPr id="64" name="Rectangle 225">
+            <a:extLst>
+              <a:ext uri="{FF2B5EF4-FFF2-40B4-BE49-F238E27FC236}">
+                <a16:creationId xmlns:a16="http://schemas.microsoft.com/office/drawing/2014/main" id="{2D2669DD-69D4-9F62-E2E5-B5FB0318322B}"/>
+              </a:ext>
+            </a:extLst>
+          </p:cNvPr>
+          <p:cNvSpPr/>
+          <p:nvPr/>
+        </p:nvSpPr>
+        <p:spPr>
+          <a:xfrm>
+            <a:off x="5493928" y="1110707"/>
+            <a:ext cx="543739" cy="246221"/>
+          </a:xfrm>
+          <a:prstGeom prst="rect">
+            <a:avLst/>
+          </a:prstGeom>
+        </p:spPr>
+        <p:txBody>
+          <a:bodyPr wrap="none" lIns="36000" tIns="0" rIns="36000" bIns="0" anchor="ctr" anchorCtr="0">
+            <a:noAutofit/>
+          </a:bodyPr>
+          <a:lstStyle/>
+          <a:p>
+            <a:pPr algn="ctr" fontAlgn="base">
+              <a:spcBef>
+                <a:spcPct val="0"/>
+              </a:spcBef>
+              <a:spcAft>
+                <a:spcPct val="0"/>
+              </a:spcAft>
+              <a:defRPr/>
+            </a:pPr>
+            <a:r>
+              <a:rPr lang="en-US" sz="1000" b="1" dirty="0" smtClean="0">
+                <a:solidFill>
+                  <a:prstClr val="black"/>
+                </a:solidFill>
+                <a:ea typeface="Meiryo UI" panose="020B0604030504040204" pitchFamily="50" charset="-128"/>
+                <a:cs typeface="Arial" panose="020B0604020202020204" pitchFamily="34" charset="0"/>
+              </a:rPr>
+              <a:t>PMD</a:t>
+            </a:r>
+            <a:endParaRPr lang="en-US" sz="1000" b="1" dirty="0">
+              <a:solidFill>
+                <a:srgbClr val="000000"/>
+              </a:solidFill>
+              <a:ea typeface="Meiryo UI" panose="020B0604030504040204" pitchFamily="50" charset="-128"/>
+              <a:cs typeface="Arial" panose="020B0604020202020204" pitchFamily="34" charset="0"/>
+            </a:endParaRPr>
+          </a:p>
+        </p:txBody>
+      </p:sp>
+      <p:sp>
+        <p:nvSpPr>
+          <p:cNvPr id="67" name="TextBox 250">
+            <a:extLst>
+              <a:ext uri="{FF2B5EF4-FFF2-40B4-BE49-F238E27FC236}">
+                <a16:creationId xmlns:a16="http://schemas.microsoft.com/office/drawing/2014/main" id="{4BECE690-5643-81C1-D3AD-768004681BDB}"/>
+              </a:ext>
+            </a:extLst>
+          </p:cNvPr>
+          <p:cNvSpPr txBox="1"/>
+          <p:nvPr/>
+        </p:nvSpPr>
+        <p:spPr>
+          <a:xfrm>
+            <a:off x="5267080" y="2574784"/>
+            <a:ext cx="1058518" cy="380380"/>
+          </a:xfrm>
+          <a:prstGeom prst="rect">
+            <a:avLst/>
+          </a:prstGeom>
+          <a:ln>
+            <a:solidFill>
+              <a:srgbClr val="0070C0"/>
+            </a:solidFill>
+          </a:ln>
+        </p:spPr>
+        <p:style>
+          <a:lnRef idx="2">
+            <a:schemeClr val="accent3">
+              <a:shade val="50000"/>
+            </a:schemeClr>
+          </a:lnRef>
+          <a:fillRef idx="1">
+            <a:schemeClr val="accent3"/>
+          </a:fillRef>
+          <a:effectRef idx="0">
+            <a:schemeClr val="accent3"/>
+          </a:effectRef>
+          <a:fontRef idx="minor">
+            <a:schemeClr val="lt1"/>
+          </a:fontRef>
+        </p:style>
+        <p:txBody>
+          <a:bodyPr wrap="square" lIns="36000" tIns="0" rIns="36000" bIns="0" rtlCol="0" anchor="ctr" anchorCtr="0">
+            <a:noAutofit/>
+          </a:bodyPr>
+          <a:lstStyle/>
+          <a:p>
+            <a:pPr algn="ctr" fontAlgn="base">
+              <a:spcBef>
+                <a:spcPct val="0"/>
+              </a:spcBef>
+              <a:spcAft>
+                <a:spcPct val="0"/>
+              </a:spcAft>
+              <a:defRPr/>
+            </a:pPr>
+            <a:r>
+              <a:rPr lang="en-US" sz="1000" b="1" dirty="0" smtClean="0">
+                <a:solidFill>
+                  <a:srgbClr val="0000FF"/>
+                </a:solidFill>
+                <a:latin typeface="Arial" panose="020B0604020202020204" pitchFamily="34" charset="0"/>
+                <a:ea typeface="Meiryo UI" panose="020B0604030504040204" pitchFamily="50" charset="-128"/>
+                <a:cs typeface="Arial" panose="020B0604020202020204" pitchFamily="34" charset="0"/>
+              </a:rPr>
+              <a:t>Warehouse software</a:t>
+            </a:r>
+            <a:endParaRPr lang="en-US" sz="1000" b="1" dirty="0">
+              <a:solidFill>
+                <a:srgbClr val="0000FF"/>
+              </a:solidFill>
+              <a:latin typeface="Arial" panose="020B0604020202020204" pitchFamily="34" charset="0"/>
+              <a:ea typeface="Meiryo UI" panose="020B0604030504040204" pitchFamily="50" charset="-128"/>
+              <a:cs typeface="Arial" panose="020B0604020202020204" pitchFamily="34" charset="0"/>
+            </a:endParaRPr>
+          </a:p>
+        </p:txBody>
+      </p:sp>
+      <p:sp>
+        <p:nvSpPr>
+          <p:cNvPr id="74" name="角丸四角形 2">
+            <a:extLst>
+              <a:ext uri="{FF2B5EF4-FFF2-40B4-BE49-F238E27FC236}">
+                <a16:creationId xmlns:a16="http://schemas.microsoft.com/office/drawing/2014/main" id="{41394733-A786-4AAF-8EEA-FB108A61AC47}"/>
+              </a:ext>
+            </a:extLst>
+          </p:cNvPr>
+          <p:cNvSpPr/>
+          <p:nvPr/>
+        </p:nvSpPr>
+        <p:spPr>
+          <a:xfrm>
+            <a:off x="90514" y="6384146"/>
+            <a:ext cx="914400" cy="396790"/>
+          </a:xfrm>
+          <a:prstGeom prst="roundRect">
+            <a:avLst/>
+          </a:prstGeom>
+          <a:solidFill>
+            <a:srgbClr val="FF0000"/>
+          </a:solidFill>
+          <a:ln w="19050">
+            <a:noFill/>
+          </a:ln>
+        </p:spPr>
+        <p:style>
+          <a:lnRef idx="2">
+            <a:schemeClr val="accent1">
+              <a:shade val="50000"/>
+            </a:schemeClr>
+          </a:lnRef>
+          <a:fillRef idx="1">
+            <a:schemeClr val="accent1"/>
+          </a:fillRef>
+          <a:effectRef idx="0">
+            <a:schemeClr val="accent1"/>
+          </a:effectRef>
+          <a:fontRef idx="minor">
+            <a:schemeClr val="lt1"/>
+          </a:fontRef>
+        </p:style>
+        <p:txBody>
+          <a:bodyPr lIns="0" tIns="0" rIns="0" bIns="0" rtlCol="0" anchor="ctr"/>
+          <a:lstStyle/>
+          <a:p>
+            <a:pPr algn="ctr"/>
+            <a:r>
+              <a:rPr lang="en-US" altLang="ja-JP" b="1" dirty="0">
+                <a:latin typeface="Arial" panose="020B0604020202020204" pitchFamily="34" charset="0"/>
+                <a:ea typeface="HGSSoeiKakugothicUB" panose="020B0900000000000000" pitchFamily="34" charset="-128"/>
+                <a:cs typeface="Arial" panose="020B0604020202020204" pitchFamily="34" charset="0"/>
+              </a:rPr>
+              <a:t>Issue </a:t>
+            </a:r>
+            <a:r>
+              <a:rPr lang="en-US" altLang="ja-JP" b="1" dirty="0">
+                <a:latin typeface="Arial" panose="020B0604020202020204" pitchFamily="34" charset="0"/>
+                <a:ea typeface="HGSSoeiKakugothicUB" panose="020B0900000000000000" pitchFamily="34" charset="-128"/>
+                <a:cs typeface="Arial" panose="020B0604020202020204" pitchFamily="34" charset="0"/>
+                <a:sym typeface="Wingdings"/>
+              </a:rPr>
+              <a:t>1</a:t>
+            </a:r>
+            <a:endParaRPr kumimoji="1" lang="ja-JP" altLang="en-US" b="1" dirty="0">
+              <a:latin typeface="Arial" panose="020B0604020202020204" pitchFamily="34" charset="0"/>
+              <a:ea typeface="HGSSoeiKakugothicUB" panose="020B0900000000000000" pitchFamily="34" charset="-128"/>
+              <a:cs typeface="Arial" panose="020B0604020202020204" pitchFamily="34" charset="0"/>
+            </a:endParaRPr>
+          </a:p>
+        </p:txBody>
+      </p:sp>
+      <p:sp>
+        <p:nvSpPr>
+          <p:cNvPr id="75" name="Rectangle 27">
+            <a:extLst>
+              <a:ext uri="{FF2B5EF4-FFF2-40B4-BE49-F238E27FC236}">
+                <a16:creationId xmlns:a16="http://schemas.microsoft.com/office/drawing/2014/main" id="{8132DDF3-195A-4D2B-9845-318F33F9EF9A}"/>
+              </a:ext>
+            </a:extLst>
+          </p:cNvPr>
+          <p:cNvSpPr/>
+          <p:nvPr/>
+        </p:nvSpPr>
+        <p:spPr>
+          <a:xfrm>
+            <a:off x="1128671" y="6393224"/>
+            <a:ext cx="7775639" cy="408629"/>
+          </a:xfrm>
+          <a:prstGeom prst="rect">
+            <a:avLst/>
+          </a:prstGeom>
+          <a:gradFill>
+            <a:gsLst>
+              <a:gs pos="0">
+                <a:srgbClr val="FFFFCC"/>
+              </a:gs>
+              <a:gs pos="35000">
+                <a:schemeClr val="accent3">
+                  <a:tint val="37000"/>
+                  <a:satMod val="300000"/>
+                </a:schemeClr>
+              </a:gs>
+              <a:gs pos="100000">
+                <a:schemeClr val="accent3">
+                  <a:tint val="15000"/>
+                  <a:satMod val="350000"/>
+                </a:schemeClr>
+              </a:gs>
+            </a:gsLst>
+          </a:gradFill>
+          <a:ln w="19050">
+            <a:noFill/>
+          </a:ln>
+        </p:spPr>
+        <p:style>
+          <a:lnRef idx="1">
+            <a:schemeClr val="accent3"/>
+          </a:lnRef>
+          <a:fillRef idx="2">
+            <a:schemeClr val="accent3"/>
+          </a:fillRef>
+          <a:effectRef idx="1">
+            <a:schemeClr val="accent3"/>
+          </a:effectRef>
+          <a:fontRef idx="minor">
+            <a:schemeClr val="dk1"/>
+          </a:fontRef>
+        </p:style>
+        <p:txBody>
+          <a:bodyPr rtlCol="0" anchor="ctr"/>
+          <a:lstStyle/>
+          <a:p>
+            <a:pPr algn="ctr"/>
+            <a:r>
+              <a:rPr lang="en-US" sz="2000" b="1" dirty="0">
+                <a:latin typeface="Arial" panose="020B0604020202020204" pitchFamily="34" charset="0"/>
+                <a:cs typeface="Arial" panose="020B0604020202020204" pitchFamily="34" charset="0"/>
+              </a:rPr>
+              <a:t>OQC procedure 100% manual </a:t>
+            </a:r>
+            <a:r>
+              <a:rPr lang="en-US" sz="2000" b="1" dirty="0" smtClean="0">
+                <a:latin typeface="Arial" panose="020B0604020202020204" pitchFamily="34" charset="0"/>
+                <a:cs typeface="Arial" panose="020B0604020202020204" pitchFamily="34" charset="0"/>
+              </a:rPr>
+              <a:t>control &amp; not link other systems</a:t>
+            </a:r>
+            <a:endParaRPr lang="en-US" sz="2000" b="1" dirty="0">
+              <a:latin typeface="Arial" panose="020B0604020202020204" pitchFamily="34" charset="0"/>
+              <a:cs typeface="Arial" panose="020B0604020202020204" pitchFamily="34" charset="0"/>
+            </a:endParaRPr>
+          </a:p>
+        </p:txBody>
+      </p:sp>
+      <p:sp>
+        <p:nvSpPr>
+          <p:cNvPr id="85" name="AutoShape 374">
+            <a:extLst>
+              <a:ext uri="{FF2B5EF4-FFF2-40B4-BE49-F238E27FC236}">
+                <a16:creationId xmlns:a16="http://schemas.microsoft.com/office/drawing/2014/main" id="{E9641436-FFE5-4A9D-A81B-056160D115E0}"/>
+              </a:ext>
+            </a:extLst>
+          </p:cNvPr>
+          <p:cNvSpPr>
+            <a:spLocks noChangeArrowheads="1"/>
+          </p:cNvSpPr>
+          <p:nvPr/>
+        </p:nvSpPr>
+        <p:spPr bwMode="auto">
+          <a:xfrm>
+            <a:off x="41994" y="4240118"/>
+            <a:ext cx="9064036" cy="2084483"/>
+          </a:xfrm>
+          <a:prstGeom prst="roundRect">
+            <a:avLst>
+              <a:gd name="adj" fmla="val 4218"/>
+            </a:avLst>
+          </a:prstGeom>
+          <a:noFill/>
+          <a:ln w="12700">
+            <a:solidFill>
+              <a:srgbClr val="0000FF"/>
+            </a:solidFill>
+            <a:round/>
+            <a:headEnd/>
+            <a:tailEnd/>
+          </a:ln>
+          <a:effectLst/>
+          <a:extLst>
+            <a:ext uri="{909E8E84-426E-40DD-AFC4-6F175D3DCCD1}">
+              <a14:hiddenFill xmlns:a14="http://schemas.microsoft.com/office/drawing/2010/main">
+                <a:solidFill>
+                  <a:srgbClr val="99CCFF">
+                    <a:alpha val="20000"/>
+                  </a:srgbClr>
+                </a:solidFill>
+              </a14:hiddenFill>
+            </a:ext>
+            <a:ext uri="{AF507438-7753-43E0-B8FC-AC1667EBCBE1}">
+              <a14:hiddenEffects xmlns:a14="http://schemas.microsoft.com/office/drawing/2010/main">
+                <a:effectLst>
+                  <a:outerShdw dist="35921" dir="2700000" algn="ctr" rotWithShape="0">
+                    <a:schemeClr val="bg2"/>
+                  </a:outerShdw>
+                </a:effectLst>
+              </a14:hiddenEffects>
+            </a:ext>
+          </a:extLst>
+        </p:spPr>
+        <p:txBody>
+          <a:bodyPr wrap="none" anchor="ctr"/>
+          <a:lstStyle/>
+          <a:p>
+            <a:pPr algn="ctr" fontAlgn="base">
+              <a:spcBef>
+                <a:spcPct val="0"/>
+              </a:spcBef>
+              <a:spcAft>
+                <a:spcPct val="0"/>
+              </a:spcAft>
+              <a:defRPr/>
+            </a:pPr>
+            <a:endParaRPr lang="ja-JP" altLang="en-US" b="1">
+              <a:solidFill>
+                <a:srgbClr val="FFFFFF"/>
+              </a:solidFill>
+              <a:latin typeface="Arial" panose="020B0604020202020204" pitchFamily="34" charset="0"/>
+              <a:ea typeface="ＭＳ Ｐゴシック"/>
+            </a:endParaRPr>
+          </a:p>
+          <a:p>
+            <a:pPr algn="ctr" fontAlgn="base">
+              <a:spcBef>
+                <a:spcPct val="0"/>
+              </a:spcBef>
+              <a:spcAft>
+                <a:spcPct val="0"/>
+              </a:spcAft>
+              <a:defRPr/>
+            </a:pPr>
+            <a:endParaRPr lang="ja-JP" altLang="en-US" b="1">
+              <a:solidFill>
+                <a:srgbClr val="FFFFFF"/>
+              </a:solidFill>
+              <a:latin typeface="Arial" panose="020B0604020202020204" pitchFamily="34" charset="0"/>
+              <a:ea typeface="ＭＳ Ｐゴシック"/>
+            </a:endParaRPr>
+          </a:p>
+          <a:p>
+            <a:pPr algn="ctr" fontAlgn="base">
+              <a:spcBef>
+                <a:spcPct val="0"/>
+              </a:spcBef>
+              <a:spcAft>
+                <a:spcPct val="0"/>
+              </a:spcAft>
+              <a:defRPr/>
+            </a:pPr>
+            <a:endParaRPr lang="ja-JP" altLang="en-US" b="1">
+              <a:solidFill>
+                <a:srgbClr val="FFFFFF"/>
+              </a:solidFill>
+              <a:latin typeface="Arial" panose="020B0604020202020204" pitchFamily="34" charset="0"/>
+              <a:ea typeface="ＭＳ Ｐゴシック"/>
+            </a:endParaRPr>
+          </a:p>
+          <a:p>
+            <a:pPr algn="ctr" fontAlgn="base">
+              <a:spcBef>
+                <a:spcPct val="0"/>
+              </a:spcBef>
+              <a:spcAft>
+                <a:spcPct val="0"/>
+              </a:spcAft>
+              <a:defRPr/>
+            </a:pPr>
+            <a:endParaRPr lang="ja-JP" altLang="en-US" b="1">
+              <a:solidFill>
+                <a:srgbClr val="FFFFFF"/>
+              </a:solidFill>
+              <a:latin typeface="Arial" panose="020B0604020202020204" pitchFamily="34" charset="0"/>
+              <a:ea typeface="ＭＳ Ｐゴシック"/>
+            </a:endParaRPr>
+          </a:p>
+          <a:p>
+            <a:pPr algn="ctr" fontAlgn="base">
+              <a:spcBef>
+                <a:spcPct val="0"/>
+              </a:spcBef>
+              <a:spcAft>
+                <a:spcPct val="0"/>
+              </a:spcAft>
+              <a:defRPr/>
+            </a:pPr>
+            <a:endParaRPr lang="ja-JP" altLang="en-US" b="1">
+              <a:solidFill>
+                <a:srgbClr val="FFFFFF"/>
+              </a:solidFill>
+              <a:latin typeface="Arial" panose="020B0604020202020204" pitchFamily="34" charset="0"/>
+              <a:ea typeface="ＭＳ Ｐゴシック"/>
+            </a:endParaRPr>
+          </a:p>
+          <a:p>
+            <a:pPr algn="ctr" fontAlgn="base">
+              <a:spcBef>
+                <a:spcPct val="0"/>
+              </a:spcBef>
+              <a:spcAft>
+                <a:spcPct val="0"/>
+              </a:spcAft>
+              <a:defRPr/>
+            </a:pPr>
+            <a:endParaRPr lang="ja-JP" altLang="en-US" b="1">
+              <a:solidFill>
+                <a:srgbClr val="FFFFFF"/>
+              </a:solidFill>
+              <a:latin typeface="Arial" panose="020B0604020202020204" pitchFamily="34" charset="0"/>
+              <a:ea typeface="ＭＳ Ｐゴシック"/>
+            </a:endParaRPr>
+          </a:p>
+          <a:p>
+            <a:pPr algn="ctr" fontAlgn="base">
+              <a:spcBef>
+                <a:spcPct val="0"/>
+              </a:spcBef>
+              <a:spcAft>
+                <a:spcPct val="0"/>
+              </a:spcAft>
+              <a:defRPr/>
+            </a:pPr>
+            <a:endParaRPr lang="ja-JP" altLang="en-US" b="1">
+              <a:solidFill>
+                <a:srgbClr val="FFFFFF"/>
+              </a:solidFill>
+              <a:latin typeface="Arial" panose="020B0604020202020204" pitchFamily="34" charset="0"/>
+              <a:ea typeface="ＭＳ Ｐゴシック"/>
+            </a:endParaRPr>
+          </a:p>
+          <a:p>
+            <a:pPr algn="ctr" fontAlgn="base">
+              <a:spcBef>
+                <a:spcPct val="0"/>
+              </a:spcBef>
+              <a:spcAft>
+                <a:spcPct val="0"/>
+              </a:spcAft>
+              <a:defRPr/>
+            </a:pPr>
+            <a:endParaRPr lang="ja-JP" altLang="en-US" b="1">
+              <a:solidFill>
+                <a:srgbClr val="FFFFFF"/>
+              </a:solidFill>
+              <a:latin typeface="Arial" panose="020B0604020202020204" pitchFamily="34" charset="0"/>
+              <a:ea typeface="ＭＳ Ｐゴシック"/>
+            </a:endParaRPr>
+          </a:p>
+        </p:txBody>
+      </p:sp>
+      <p:sp>
+        <p:nvSpPr>
+          <p:cNvPr id="89" name="Rectangle: Rounded Corners 21">
+            <a:extLst>
+              <a:ext uri="{FF2B5EF4-FFF2-40B4-BE49-F238E27FC236}">
+                <a16:creationId xmlns:a16="http://schemas.microsoft.com/office/drawing/2014/main" id="{0ECE15FC-2557-41D9-AAEC-762246BB71D2}"/>
+              </a:ext>
+            </a:extLst>
+          </p:cNvPr>
+          <p:cNvSpPr/>
+          <p:nvPr/>
+        </p:nvSpPr>
+        <p:spPr>
+          <a:xfrm>
+            <a:off x="101465" y="4291876"/>
+            <a:ext cx="933938" cy="425576"/>
+          </a:xfrm>
+          <a:prstGeom prst="roundRect">
+            <a:avLst/>
+          </a:prstGeom>
+          <a:solidFill>
+            <a:schemeClr val="accent5">
+              <a:lumMod val="20000"/>
+              <a:lumOff val="80000"/>
+            </a:schemeClr>
+          </a:solidFill>
+        </p:spPr>
+        <p:style>
+          <a:lnRef idx="2">
+            <a:schemeClr val="accent1">
+              <a:shade val="50000"/>
+            </a:schemeClr>
+          </a:lnRef>
+          <a:fillRef idx="1">
+            <a:schemeClr val="accent1"/>
+          </a:fillRef>
+          <a:effectRef idx="0">
+            <a:schemeClr val="accent1"/>
+          </a:effectRef>
+          <a:fontRef idx="minor">
+            <a:schemeClr val="lt1"/>
+          </a:fontRef>
+        </p:style>
+        <p:txBody>
+          <a:bodyPr lIns="27432" tIns="0" rIns="27432" bIns="0" rtlCol="0" anchor="ctr"/>
+          <a:lstStyle/>
+          <a:p>
+            <a:pPr algn="ctr"/>
+            <a:r>
+              <a:rPr lang="en-US" sz="1200" dirty="0">
+                <a:solidFill>
+                  <a:schemeClr val="tx1"/>
+                </a:solidFill>
+                <a:latin typeface="Arial" panose="020B0604020202020204" pitchFamily="34" charset="0"/>
+                <a:ea typeface="Meiryo UI" panose="020B0604030504040204" pitchFamily="34" charset="-128"/>
+                <a:cs typeface="Arial" panose="020B0604020202020204" pitchFamily="34" charset="0"/>
+              </a:rPr>
+              <a:t>Pick up sample</a:t>
+            </a:r>
+          </a:p>
+        </p:txBody>
+      </p:sp>
+      <p:sp>
+        <p:nvSpPr>
+          <p:cNvPr id="90" name="Rectangle: Rounded Corners 21">
+            <a:extLst>
+              <a:ext uri="{FF2B5EF4-FFF2-40B4-BE49-F238E27FC236}">
+                <a16:creationId xmlns:a16="http://schemas.microsoft.com/office/drawing/2014/main" id="{0ECE15FC-2557-41D9-AAEC-762246BB71D2}"/>
+              </a:ext>
+            </a:extLst>
+          </p:cNvPr>
+          <p:cNvSpPr/>
+          <p:nvPr/>
+        </p:nvSpPr>
+        <p:spPr>
+          <a:xfrm>
+            <a:off x="1226179" y="4288132"/>
+            <a:ext cx="933938" cy="425576"/>
+          </a:xfrm>
+          <a:prstGeom prst="roundRect">
+            <a:avLst/>
+          </a:prstGeom>
+          <a:solidFill>
+            <a:schemeClr val="accent5">
+              <a:lumMod val="20000"/>
+              <a:lumOff val="80000"/>
+            </a:schemeClr>
+          </a:solidFill>
+        </p:spPr>
+        <p:style>
+          <a:lnRef idx="2">
+            <a:schemeClr val="accent1">
+              <a:shade val="50000"/>
+            </a:schemeClr>
+          </a:lnRef>
+          <a:fillRef idx="1">
+            <a:schemeClr val="accent1"/>
+          </a:fillRef>
+          <a:effectRef idx="0">
+            <a:schemeClr val="accent1"/>
+          </a:effectRef>
+          <a:fontRef idx="minor">
+            <a:schemeClr val="lt1"/>
+          </a:fontRef>
+        </p:style>
+        <p:txBody>
+          <a:bodyPr lIns="27432" tIns="0" rIns="27432" bIns="0" rtlCol="0" anchor="ctr"/>
+          <a:lstStyle/>
+          <a:p>
+            <a:pPr algn="ctr">
+              <a:defRPr/>
+            </a:pPr>
+            <a:r>
+              <a:rPr lang="en-US" sz="1200" dirty="0">
+                <a:solidFill>
+                  <a:sysClr val="windowText" lastClr="000000"/>
+                </a:solidFill>
+              </a:rPr>
+              <a:t>First check</a:t>
+            </a:r>
+            <a:endParaRPr lang="en-US" sz="1200" dirty="0">
+              <a:solidFill>
+                <a:sysClr val="windowText" lastClr="000000"/>
+              </a:solidFill>
+            </a:endParaRPr>
+          </a:p>
+        </p:txBody>
+      </p:sp>
+      <p:sp>
+        <p:nvSpPr>
+          <p:cNvPr id="91" name="Rectangle: Rounded Corners 21">
+            <a:extLst>
+              <a:ext uri="{FF2B5EF4-FFF2-40B4-BE49-F238E27FC236}">
+                <a16:creationId xmlns:a16="http://schemas.microsoft.com/office/drawing/2014/main" id="{0ECE15FC-2557-41D9-AAEC-762246BB71D2}"/>
+              </a:ext>
+            </a:extLst>
+          </p:cNvPr>
+          <p:cNvSpPr/>
+          <p:nvPr/>
+        </p:nvSpPr>
+        <p:spPr>
+          <a:xfrm>
+            <a:off x="2342662" y="4288132"/>
+            <a:ext cx="933938" cy="425576"/>
+          </a:xfrm>
+          <a:prstGeom prst="roundRect">
+            <a:avLst/>
+          </a:prstGeom>
+          <a:solidFill>
+            <a:schemeClr val="accent5">
+              <a:lumMod val="20000"/>
+              <a:lumOff val="80000"/>
+            </a:schemeClr>
+          </a:solidFill>
+        </p:spPr>
+        <p:style>
+          <a:lnRef idx="2">
+            <a:schemeClr val="accent1">
+              <a:shade val="50000"/>
+            </a:schemeClr>
+          </a:lnRef>
+          <a:fillRef idx="1">
+            <a:schemeClr val="accent1"/>
+          </a:fillRef>
+          <a:effectRef idx="0">
+            <a:schemeClr val="accent1"/>
+          </a:effectRef>
+          <a:fontRef idx="minor">
+            <a:schemeClr val="lt1"/>
+          </a:fontRef>
+        </p:style>
+        <p:txBody>
+          <a:bodyPr lIns="27432" tIns="0" rIns="27432" bIns="0" rtlCol="0" anchor="ctr"/>
+          <a:lstStyle/>
+          <a:p>
+            <a:pPr algn="ctr">
+              <a:defRPr/>
+            </a:pPr>
+            <a:r>
+              <a:rPr lang="en-US" sz="1200" dirty="0">
+                <a:solidFill>
+                  <a:sysClr val="windowText" lastClr="000000"/>
+                </a:solidFill>
+              </a:rPr>
+              <a:t>Weight 1st</a:t>
+            </a:r>
+            <a:endParaRPr lang="en-US" sz="1200" dirty="0">
+              <a:solidFill>
+                <a:sysClr val="windowText" lastClr="000000"/>
+              </a:solidFill>
+            </a:endParaRPr>
+          </a:p>
+        </p:txBody>
+      </p:sp>
+      <p:sp>
+        <p:nvSpPr>
+          <p:cNvPr id="92" name="Rectangle: Rounded Corners 21">
+            <a:extLst>
+              <a:ext uri="{FF2B5EF4-FFF2-40B4-BE49-F238E27FC236}">
+                <a16:creationId xmlns:a16="http://schemas.microsoft.com/office/drawing/2014/main" id="{0ECE15FC-2557-41D9-AAEC-762246BB71D2}"/>
+              </a:ext>
+            </a:extLst>
+          </p:cNvPr>
+          <p:cNvSpPr/>
+          <p:nvPr/>
+        </p:nvSpPr>
+        <p:spPr>
+          <a:xfrm>
+            <a:off x="3514065" y="4288132"/>
+            <a:ext cx="933938" cy="425576"/>
+          </a:xfrm>
+          <a:prstGeom prst="roundRect">
+            <a:avLst/>
+          </a:prstGeom>
+          <a:solidFill>
+            <a:schemeClr val="accent5">
+              <a:lumMod val="20000"/>
+              <a:lumOff val="80000"/>
+            </a:schemeClr>
+          </a:solidFill>
+        </p:spPr>
+        <p:style>
+          <a:lnRef idx="2">
+            <a:schemeClr val="accent1">
+              <a:shade val="50000"/>
+            </a:schemeClr>
+          </a:lnRef>
+          <a:fillRef idx="1">
+            <a:schemeClr val="accent1"/>
+          </a:fillRef>
+          <a:effectRef idx="0">
+            <a:schemeClr val="accent1"/>
+          </a:effectRef>
+          <a:fontRef idx="minor">
+            <a:schemeClr val="lt1"/>
+          </a:fontRef>
+        </p:style>
+        <p:txBody>
+          <a:bodyPr lIns="27432" tIns="0" rIns="27432" bIns="0" rtlCol="0" anchor="ctr"/>
+          <a:lstStyle/>
+          <a:p>
+            <a:pPr algn="ctr">
+              <a:defRPr/>
+            </a:pPr>
+            <a:r>
+              <a:rPr lang="en-US" sz="1200" dirty="0">
+                <a:solidFill>
+                  <a:sysClr val="windowText" lastClr="000000"/>
+                </a:solidFill>
+              </a:rPr>
+              <a:t>OQC inspection</a:t>
+            </a:r>
+            <a:endParaRPr lang="en-US" sz="1200" dirty="0">
+              <a:solidFill>
+                <a:sysClr val="windowText" lastClr="000000"/>
+              </a:solidFill>
+            </a:endParaRPr>
+          </a:p>
+        </p:txBody>
+      </p:sp>
+      <p:sp>
+        <p:nvSpPr>
+          <p:cNvPr id="93" name="Rectangle: Rounded Corners 21">
+            <a:extLst>
+              <a:ext uri="{FF2B5EF4-FFF2-40B4-BE49-F238E27FC236}">
+                <a16:creationId xmlns:a16="http://schemas.microsoft.com/office/drawing/2014/main" id="{0ECE15FC-2557-41D9-AAEC-762246BB71D2}"/>
+              </a:ext>
+            </a:extLst>
+          </p:cNvPr>
+          <p:cNvSpPr/>
+          <p:nvPr/>
+        </p:nvSpPr>
+        <p:spPr>
+          <a:xfrm>
+            <a:off x="4698250" y="4288132"/>
+            <a:ext cx="986787" cy="425576"/>
+          </a:xfrm>
+          <a:prstGeom prst="roundRect">
+            <a:avLst/>
+          </a:prstGeom>
+          <a:solidFill>
+            <a:schemeClr val="accent5">
+              <a:lumMod val="20000"/>
+              <a:lumOff val="80000"/>
+            </a:schemeClr>
+          </a:solidFill>
+        </p:spPr>
+        <p:style>
+          <a:lnRef idx="2">
+            <a:schemeClr val="accent1">
+              <a:shade val="50000"/>
+            </a:schemeClr>
+          </a:lnRef>
+          <a:fillRef idx="1">
+            <a:schemeClr val="accent1"/>
+          </a:fillRef>
+          <a:effectRef idx="0">
+            <a:schemeClr val="accent1"/>
+          </a:effectRef>
+          <a:fontRef idx="minor">
+            <a:schemeClr val="lt1"/>
+          </a:fontRef>
+        </p:style>
+        <p:txBody>
+          <a:bodyPr lIns="27432" tIns="0" rIns="27432" bIns="0" rtlCol="0" anchor="ctr"/>
+          <a:lstStyle/>
+          <a:p>
+            <a:pPr algn="ctr">
+              <a:defRPr/>
+            </a:pPr>
+            <a:r>
+              <a:rPr lang="en-US" sz="1200" dirty="0">
+                <a:solidFill>
+                  <a:sysClr val="windowText" lastClr="000000"/>
+                </a:solidFill>
+              </a:rPr>
+              <a:t>Check S/N inner product</a:t>
+            </a:r>
+            <a:endParaRPr lang="en-US" sz="1200" dirty="0">
+              <a:solidFill>
+                <a:sysClr val="windowText" lastClr="000000"/>
+              </a:solidFill>
+            </a:endParaRPr>
+          </a:p>
+        </p:txBody>
+      </p:sp>
+      <p:sp>
+        <p:nvSpPr>
+          <p:cNvPr id="94" name="Rectangle: Rounded Corners 21">
+            <a:extLst>
+              <a:ext uri="{FF2B5EF4-FFF2-40B4-BE49-F238E27FC236}">
+                <a16:creationId xmlns:a16="http://schemas.microsoft.com/office/drawing/2014/main" id="{0ECE15FC-2557-41D9-AAEC-762246BB71D2}"/>
+              </a:ext>
+            </a:extLst>
+          </p:cNvPr>
+          <p:cNvSpPr/>
+          <p:nvPr/>
+        </p:nvSpPr>
+        <p:spPr>
+          <a:xfrm>
+            <a:off x="5883935" y="4288132"/>
+            <a:ext cx="933938" cy="425576"/>
+          </a:xfrm>
+          <a:prstGeom prst="roundRect">
+            <a:avLst/>
+          </a:prstGeom>
+          <a:solidFill>
+            <a:schemeClr val="accent5">
+              <a:lumMod val="20000"/>
+              <a:lumOff val="80000"/>
+            </a:schemeClr>
+          </a:solidFill>
+        </p:spPr>
+        <p:style>
+          <a:lnRef idx="2">
+            <a:schemeClr val="accent1">
+              <a:shade val="50000"/>
+            </a:schemeClr>
+          </a:lnRef>
+          <a:fillRef idx="1">
+            <a:schemeClr val="accent1"/>
+          </a:fillRef>
+          <a:effectRef idx="0">
+            <a:schemeClr val="accent1"/>
+          </a:effectRef>
+          <a:fontRef idx="minor">
+            <a:schemeClr val="lt1"/>
+          </a:fontRef>
+        </p:style>
+        <p:txBody>
+          <a:bodyPr lIns="27432" tIns="0" rIns="27432" bIns="0" rtlCol="0" anchor="ctr"/>
+          <a:lstStyle/>
+          <a:p>
+            <a:pPr algn="ctr">
+              <a:defRPr/>
+            </a:pPr>
+            <a:r>
+              <a:rPr lang="en-US" sz="1200" dirty="0">
+                <a:solidFill>
+                  <a:sysClr val="windowText" lastClr="000000"/>
+                </a:solidFill>
+              </a:rPr>
+              <a:t>Weight 2nd</a:t>
+            </a:r>
+            <a:endParaRPr lang="en-US" sz="1200" dirty="0">
+              <a:solidFill>
+                <a:sysClr val="windowText" lastClr="000000"/>
+              </a:solidFill>
+            </a:endParaRPr>
+          </a:p>
+        </p:txBody>
+      </p:sp>
+      <p:sp>
+        <p:nvSpPr>
+          <p:cNvPr id="95" name="Rectangle: Rounded Corners 21">
+            <a:extLst>
+              <a:ext uri="{FF2B5EF4-FFF2-40B4-BE49-F238E27FC236}">
+                <a16:creationId xmlns:a16="http://schemas.microsoft.com/office/drawing/2014/main" id="{0ECE15FC-2557-41D9-AAEC-762246BB71D2}"/>
+              </a:ext>
+            </a:extLst>
+          </p:cNvPr>
+          <p:cNvSpPr/>
+          <p:nvPr/>
+        </p:nvSpPr>
+        <p:spPr>
+          <a:xfrm>
+            <a:off x="6986136" y="4297087"/>
+            <a:ext cx="933938" cy="425576"/>
+          </a:xfrm>
+          <a:prstGeom prst="roundRect">
+            <a:avLst/>
+          </a:prstGeom>
+          <a:solidFill>
+            <a:schemeClr val="accent5">
+              <a:lumMod val="20000"/>
+              <a:lumOff val="80000"/>
+            </a:schemeClr>
+          </a:solidFill>
+        </p:spPr>
+        <p:style>
+          <a:lnRef idx="2">
+            <a:schemeClr val="accent1">
+              <a:shade val="50000"/>
+            </a:schemeClr>
+          </a:lnRef>
+          <a:fillRef idx="1">
+            <a:schemeClr val="accent1"/>
+          </a:fillRef>
+          <a:effectRef idx="0">
+            <a:schemeClr val="accent1"/>
+          </a:effectRef>
+          <a:fontRef idx="minor">
+            <a:schemeClr val="lt1"/>
+          </a:fontRef>
+        </p:style>
+        <p:txBody>
+          <a:bodyPr lIns="27432" tIns="0" rIns="27432" bIns="0" rtlCol="0" anchor="ctr"/>
+          <a:lstStyle/>
+          <a:p>
+            <a:pPr algn="ctr">
+              <a:defRPr/>
+            </a:pPr>
+            <a:r>
+              <a:rPr lang="en-US" sz="1200" dirty="0">
+                <a:solidFill>
+                  <a:sysClr val="windowText" lastClr="000000"/>
+                </a:solidFill>
+              </a:rPr>
+              <a:t>Second check</a:t>
+            </a:r>
+            <a:endParaRPr lang="en-US" sz="1200" dirty="0">
+              <a:solidFill>
+                <a:sysClr val="windowText" lastClr="000000"/>
+              </a:solidFill>
+            </a:endParaRPr>
+          </a:p>
+        </p:txBody>
+      </p:sp>
+      <p:sp>
+        <p:nvSpPr>
+          <p:cNvPr id="96" name="Rectangle: Rounded Corners 21">
+            <a:extLst>
+              <a:ext uri="{FF2B5EF4-FFF2-40B4-BE49-F238E27FC236}">
+                <a16:creationId xmlns:a16="http://schemas.microsoft.com/office/drawing/2014/main" id="{0ECE15FC-2557-41D9-AAEC-762246BB71D2}"/>
+              </a:ext>
+            </a:extLst>
+          </p:cNvPr>
+          <p:cNvSpPr/>
+          <p:nvPr/>
+        </p:nvSpPr>
+        <p:spPr>
+          <a:xfrm>
+            <a:off x="8096789" y="4289222"/>
+            <a:ext cx="933938" cy="425576"/>
+          </a:xfrm>
+          <a:prstGeom prst="roundRect">
+            <a:avLst/>
+          </a:prstGeom>
+          <a:solidFill>
+            <a:schemeClr val="accent5">
+              <a:lumMod val="20000"/>
+              <a:lumOff val="80000"/>
+            </a:schemeClr>
+          </a:solidFill>
+        </p:spPr>
+        <p:style>
+          <a:lnRef idx="2">
+            <a:schemeClr val="accent1">
+              <a:shade val="50000"/>
+            </a:schemeClr>
+          </a:lnRef>
+          <a:fillRef idx="1">
+            <a:schemeClr val="accent1"/>
+          </a:fillRef>
+          <a:effectRef idx="0">
+            <a:schemeClr val="accent1"/>
+          </a:effectRef>
+          <a:fontRef idx="minor">
+            <a:schemeClr val="lt1"/>
+          </a:fontRef>
+        </p:style>
+        <p:txBody>
+          <a:bodyPr lIns="27432" tIns="0" rIns="27432" bIns="0" rtlCol="0" anchor="ctr"/>
+          <a:lstStyle/>
+          <a:p>
+            <a:pPr algn="ctr">
+              <a:defRPr/>
+            </a:pPr>
+            <a:r>
+              <a:rPr lang="en-US" sz="1200" dirty="0">
+                <a:solidFill>
+                  <a:sysClr val="windowText" lastClr="000000"/>
+                </a:solidFill>
+              </a:rPr>
+              <a:t>Return sample</a:t>
+            </a:r>
+            <a:endParaRPr lang="en-US" sz="1200" dirty="0">
+              <a:solidFill>
+                <a:sysClr val="windowText" lastClr="000000"/>
+              </a:solidFill>
+            </a:endParaRPr>
+          </a:p>
+        </p:txBody>
+      </p:sp>
+      <p:sp>
+        <p:nvSpPr>
+          <p:cNvPr id="133" name="Isosceles Triangle 132">
+            <a:extLst>
+              <a:ext uri="{FF2B5EF4-FFF2-40B4-BE49-F238E27FC236}">
+                <a16:creationId xmlns:a16="http://schemas.microsoft.com/office/drawing/2014/main" id="{437BB1F6-E8BC-4663-A91D-141F364AFE21}"/>
+              </a:ext>
+            </a:extLst>
+          </p:cNvPr>
+          <p:cNvSpPr/>
+          <p:nvPr/>
+        </p:nvSpPr>
+        <p:spPr>
+          <a:xfrm rot="10800000">
+            <a:off x="128365" y="4776801"/>
+            <a:ext cx="816788" cy="161713"/>
+          </a:xfrm>
+          <a:prstGeom prst="triangle">
+            <a:avLst/>
+          </a:prstGeom>
+          <a:solidFill>
+            <a:schemeClr val="accent6">
+              <a:lumMod val="60000"/>
+              <a:lumOff val="40000"/>
+            </a:schemeClr>
+          </a:solidFill>
+          <a:ln>
+            <a:noFill/>
+          </a:ln>
+        </p:spPr>
+        <p:style>
+          <a:lnRef idx="2">
+            <a:schemeClr val="accent1">
+              <a:shade val="50000"/>
+            </a:schemeClr>
+          </a:lnRef>
+          <a:fillRef idx="1">
+            <a:schemeClr val="accent1"/>
+          </a:fillRef>
+          <a:effectRef idx="0">
+            <a:schemeClr val="accent1"/>
+          </a:effectRef>
+          <a:fontRef idx="minor">
+            <a:schemeClr val="lt1"/>
+          </a:fontRef>
+        </p:style>
+        <p:txBody>
+          <a:bodyPr rtlCol="0" anchor="ctr"/>
+          <a:lstStyle/>
+          <a:p>
+            <a:pPr algn="ctr"/>
+            <a:endParaRPr lang="en-US"/>
+          </a:p>
+        </p:txBody>
+      </p:sp>
+      <p:sp>
+        <p:nvSpPr>
+          <p:cNvPr id="134" name="Isosceles Triangle 133">
+            <a:extLst>
+              <a:ext uri="{FF2B5EF4-FFF2-40B4-BE49-F238E27FC236}">
+                <a16:creationId xmlns:a16="http://schemas.microsoft.com/office/drawing/2014/main" id="{437BB1F6-E8BC-4663-A91D-141F364AFE21}"/>
+              </a:ext>
+            </a:extLst>
+          </p:cNvPr>
+          <p:cNvSpPr/>
+          <p:nvPr/>
+        </p:nvSpPr>
+        <p:spPr>
+          <a:xfrm rot="10800000">
+            <a:off x="1255519" y="4765972"/>
+            <a:ext cx="816788" cy="161713"/>
+          </a:xfrm>
+          <a:prstGeom prst="triangle">
+            <a:avLst/>
+          </a:prstGeom>
+          <a:solidFill>
+            <a:schemeClr val="accent6">
+              <a:lumMod val="60000"/>
+              <a:lumOff val="40000"/>
+            </a:schemeClr>
+          </a:solidFill>
+          <a:ln>
+            <a:noFill/>
+          </a:ln>
+        </p:spPr>
+        <p:style>
+          <a:lnRef idx="2">
+            <a:schemeClr val="accent1">
+              <a:shade val="50000"/>
+            </a:schemeClr>
+          </a:lnRef>
+          <a:fillRef idx="1">
+            <a:schemeClr val="accent1"/>
+          </a:fillRef>
+          <a:effectRef idx="0">
+            <a:schemeClr val="accent1"/>
+          </a:effectRef>
+          <a:fontRef idx="minor">
+            <a:schemeClr val="lt1"/>
+          </a:fontRef>
+        </p:style>
+        <p:txBody>
+          <a:bodyPr rtlCol="0" anchor="ctr"/>
+          <a:lstStyle/>
+          <a:p>
+            <a:pPr algn="ctr"/>
+            <a:endParaRPr lang="en-US"/>
+          </a:p>
+        </p:txBody>
+      </p:sp>
+      <p:sp>
+        <p:nvSpPr>
+          <p:cNvPr id="135" name="Isosceles Triangle 134">
+            <a:extLst>
+              <a:ext uri="{FF2B5EF4-FFF2-40B4-BE49-F238E27FC236}">
+                <a16:creationId xmlns:a16="http://schemas.microsoft.com/office/drawing/2014/main" id="{437BB1F6-E8BC-4663-A91D-141F364AFE21}"/>
+              </a:ext>
+            </a:extLst>
+          </p:cNvPr>
+          <p:cNvSpPr/>
+          <p:nvPr/>
+        </p:nvSpPr>
+        <p:spPr>
+          <a:xfrm rot="10800000">
+            <a:off x="2401237" y="4765972"/>
+            <a:ext cx="816788" cy="161713"/>
+          </a:xfrm>
+          <a:prstGeom prst="triangle">
+            <a:avLst/>
+          </a:prstGeom>
+          <a:solidFill>
+            <a:schemeClr val="accent6">
+              <a:lumMod val="60000"/>
+              <a:lumOff val="40000"/>
+            </a:schemeClr>
+          </a:solidFill>
+          <a:ln>
+            <a:noFill/>
+          </a:ln>
+        </p:spPr>
+        <p:style>
+          <a:lnRef idx="2">
+            <a:schemeClr val="accent1">
+              <a:shade val="50000"/>
+            </a:schemeClr>
+          </a:lnRef>
+          <a:fillRef idx="1">
+            <a:schemeClr val="accent1"/>
+          </a:fillRef>
+          <a:effectRef idx="0">
+            <a:schemeClr val="accent1"/>
+          </a:effectRef>
+          <a:fontRef idx="minor">
+            <a:schemeClr val="lt1"/>
+          </a:fontRef>
+        </p:style>
+        <p:txBody>
+          <a:bodyPr rtlCol="0" anchor="ctr"/>
+          <a:lstStyle/>
+          <a:p>
+            <a:pPr algn="ctr"/>
+            <a:endParaRPr lang="en-US"/>
+          </a:p>
+        </p:txBody>
+      </p:sp>
+      <p:sp>
+        <p:nvSpPr>
+          <p:cNvPr id="136" name="Isosceles Triangle 135">
+            <a:extLst>
+              <a:ext uri="{FF2B5EF4-FFF2-40B4-BE49-F238E27FC236}">
+                <a16:creationId xmlns:a16="http://schemas.microsoft.com/office/drawing/2014/main" id="{437BB1F6-E8BC-4663-A91D-141F364AFE21}"/>
+              </a:ext>
+            </a:extLst>
+          </p:cNvPr>
+          <p:cNvSpPr/>
+          <p:nvPr/>
+        </p:nvSpPr>
+        <p:spPr>
+          <a:xfrm rot="10800000">
+            <a:off x="3589282" y="4772739"/>
+            <a:ext cx="816788" cy="161713"/>
+          </a:xfrm>
+          <a:prstGeom prst="triangle">
+            <a:avLst/>
+          </a:prstGeom>
+          <a:solidFill>
+            <a:schemeClr val="accent6">
+              <a:lumMod val="60000"/>
+              <a:lumOff val="40000"/>
+            </a:schemeClr>
+          </a:solidFill>
+          <a:ln>
+            <a:noFill/>
+          </a:ln>
+        </p:spPr>
+        <p:style>
+          <a:lnRef idx="2">
+            <a:schemeClr val="accent1">
+              <a:shade val="50000"/>
+            </a:schemeClr>
+          </a:lnRef>
+          <a:fillRef idx="1">
+            <a:schemeClr val="accent1"/>
+          </a:fillRef>
+          <a:effectRef idx="0">
+            <a:schemeClr val="accent1"/>
+          </a:effectRef>
+          <a:fontRef idx="minor">
+            <a:schemeClr val="lt1"/>
+          </a:fontRef>
+        </p:style>
+        <p:txBody>
+          <a:bodyPr rtlCol="0" anchor="ctr"/>
+          <a:lstStyle/>
+          <a:p>
+            <a:pPr algn="ctr"/>
+            <a:endParaRPr lang="en-US"/>
+          </a:p>
+        </p:txBody>
+      </p:sp>
+      <p:sp>
+        <p:nvSpPr>
+          <p:cNvPr id="137" name="Isosceles Triangle 136">
+            <a:extLst>
+              <a:ext uri="{FF2B5EF4-FFF2-40B4-BE49-F238E27FC236}">
+                <a16:creationId xmlns:a16="http://schemas.microsoft.com/office/drawing/2014/main" id="{437BB1F6-E8BC-4663-A91D-141F364AFE21}"/>
+              </a:ext>
+            </a:extLst>
+          </p:cNvPr>
+          <p:cNvSpPr/>
+          <p:nvPr/>
+        </p:nvSpPr>
+        <p:spPr>
+          <a:xfrm rot="10800000">
+            <a:off x="4817735" y="4752746"/>
+            <a:ext cx="816788" cy="161713"/>
+          </a:xfrm>
+          <a:prstGeom prst="triangle">
+            <a:avLst/>
+          </a:prstGeom>
+          <a:solidFill>
+            <a:schemeClr val="accent6">
+              <a:lumMod val="60000"/>
+              <a:lumOff val="40000"/>
+            </a:schemeClr>
+          </a:solidFill>
+          <a:ln>
+            <a:noFill/>
+          </a:ln>
+        </p:spPr>
+        <p:style>
+          <a:lnRef idx="2">
+            <a:schemeClr val="accent1">
+              <a:shade val="50000"/>
+            </a:schemeClr>
+          </a:lnRef>
+          <a:fillRef idx="1">
+            <a:schemeClr val="accent1"/>
+          </a:fillRef>
+          <a:effectRef idx="0">
+            <a:schemeClr val="accent1"/>
+          </a:effectRef>
+          <a:fontRef idx="minor">
+            <a:schemeClr val="lt1"/>
+          </a:fontRef>
+        </p:style>
+        <p:txBody>
+          <a:bodyPr rtlCol="0" anchor="ctr"/>
+          <a:lstStyle/>
+          <a:p>
+            <a:pPr algn="ctr"/>
+            <a:endParaRPr lang="en-US"/>
+          </a:p>
+        </p:txBody>
+      </p:sp>
+      <p:sp>
+        <p:nvSpPr>
+          <p:cNvPr id="138" name="Isosceles Triangle 137">
+            <a:extLst>
+              <a:ext uri="{FF2B5EF4-FFF2-40B4-BE49-F238E27FC236}">
+                <a16:creationId xmlns:a16="http://schemas.microsoft.com/office/drawing/2014/main" id="{437BB1F6-E8BC-4663-A91D-141F364AFE21}"/>
+              </a:ext>
+            </a:extLst>
+          </p:cNvPr>
+          <p:cNvSpPr/>
+          <p:nvPr/>
+        </p:nvSpPr>
+        <p:spPr>
+          <a:xfrm rot="10800000">
+            <a:off x="5939262" y="4780751"/>
+            <a:ext cx="816788" cy="161713"/>
+          </a:xfrm>
+          <a:prstGeom prst="triangle">
+            <a:avLst/>
+          </a:prstGeom>
+          <a:solidFill>
+            <a:schemeClr val="accent6">
+              <a:lumMod val="60000"/>
+              <a:lumOff val="40000"/>
+            </a:schemeClr>
+          </a:solidFill>
+          <a:ln>
+            <a:noFill/>
+          </a:ln>
+        </p:spPr>
+        <p:style>
+          <a:lnRef idx="2">
+            <a:schemeClr val="accent1">
+              <a:shade val="50000"/>
+            </a:schemeClr>
+          </a:lnRef>
+          <a:fillRef idx="1">
+            <a:schemeClr val="accent1"/>
+          </a:fillRef>
+          <a:effectRef idx="0">
+            <a:schemeClr val="accent1"/>
+          </a:effectRef>
+          <a:fontRef idx="minor">
+            <a:schemeClr val="lt1"/>
+          </a:fontRef>
+        </p:style>
+        <p:txBody>
+          <a:bodyPr rtlCol="0" anchor="ctr"/>
+          <a:lstStyle/>
+          <a:p>
+            <a:pPr algn="ctr"/>
+            <a:endParaRPr lang="en-US"/>
+          </a:p>
+        </p:txBody>
+      </p:sp>
+      <p:sp>
+        <p:nvSpPr>
+          <p:cNvPr id="139" name="Isosceles Triangle 138">
+            <a:extLst>
+              <a:ext uri="{FF2B5EF4-FFF2-40B4-BE49-F238E27FC236}">
+                <a16:creationId xmlns:a16="http://schemas.microsoft.com/office/drawing/2014/main" id="{437BB1F6-E8BC-4663-A91D-141F364AFE21}"/>
+              </a:ext>
+            </a:extLst>
+          </p:cNvPr>
+          <p:cNvSpPr/>
+          <p:nvPr/>
+        </p:nvSpPr>
+        <p:spPr>
+          <a:xfrm rot="10800000">
+            <a:off x="7096358" y="4791286"/>
+            <a:ext cx="816788" cy="161713"/>
+          </a:xfrm>
+          <a:prstGeom prst="triangle">
+            <a:avLst/>
+          </a:prstGeom>
+          <a:solidFill>
+            <a:schemeClr val="accent6">
+              <a:lumMod val="60000"/>
+              <a:lumOff val="40000"/>
+            </a:schemeClr>
+          </a:solidFill>
+          <a:ln>
+            <a:noFill/>
+          </a:ln>
+        </p:spPr>
+        <p:style>
+          <a:lnRef idx="2">
+            <a:schemeClr val="accent1">
+              <a:shade val="50000"/>
+            </a:schemeClr>
+          </a:lnRef>
+          <a:fillRef idx="1">
+            <a:schemeClr val="accent1"/>
+          </a:fillRef>
+          <a:effectRef idx="0">
+            <a:schemeClr val="accent1"/>
+          </a:effectRef>
+          <a:fontRef idx="minor">
+            <a:schemeClr val="lt1"/>
+          </a:fontRef>
+        </p:style>
+        <p:txBody>
+          <a:bodyPr rtlCol="0" anchor="ctr"/>
+          <a:lstStyle/>
+          <a:p>
+            <a:pPr algn="ctr"/>
+            <a:endParaRPr lang="en-US"/>
+          </a:p>
+        </p:txBody>
+      </p:sp>
+      <p:sp>
+        <p:nvSpPr>
+          <p:cNvPr id="140" name="Isosceles Triangle 139">
+            <a:extLst>
+              <a:ext uri="{FF2B5EF4-FFF2-40B4-BE49-F238E27FC236}">
+                <a16:creationId xmlns:a16="http://schemas.microsoft.com/office/drawing/2014/main" id="{437BB1F6-E8BC-4663-A91D-141F364AFE21}"/>
+              </a:ext>
+            </a:extLst>
+          </p:cNvPr>
+          <p:cNvSpPr/>
+          <p:nvPr/>
+        </p:nvSpPr>
+        <p:spPr>
+          <a:xfrm rot="10800000">
+            <a:off x="8176501" y="4780285"/>
+            <a:ext cx="816788" cy="161713"/>
+          </a:xfrm>
+          <a:prstGeom prst="triangle">
+            <a:avLst/>
+          </a:prstGeom>
+          <a:solidFill>
+            <a:schemeClr val="accent6">
+              <a:lumMod val="60000"/>
+              <a:lumOff val="40000"/>
+            </a:schemeClr>
+          </a:solidFill>
+          <a:ln>
+            <a:noFill/>
+          </a:ln>
+        </p:spPr>
+        <p:style>
+          <a:lnRef idx="2">
+            <a:schemeClr val="accent1">
+              <a:shade val="50000"/>
+            </a:schemeClr>
+          </a:lnRef>
+          <a:fillRef idx="1">
+            <a:schemeClr val="accent1"/>
+          </a:fillRef>
+          <a:effectRef idx="0">
+            <a:schemeClr val="accent1"/>
+          </a:effectRef>
+          <a:fontRef idx="minor">
+            <a:schemeClr val="lt1"/>
+          </a:fontRef>
+        </p:style>
+        <p:txBody>
+          <a:bodyPr rtlCol="0" anchor="ctr"/>
+          <a:lstStyle/>
+          <a:p>
+            <a:pPr algn="ctr"/>
+            <a:endParaRPr lang="en-US"/>
+          </a:p>
+        </p:txBody>
+      </p:sp>
+      <p:grpSp>
+        <p:nvGrpSpPr>
+          <p:cNvPr id="141" name="Group 140">
+            <a:extLst>
+              <a:ext uri="{FF2B5EF4-FFF2-40B4-BE49-F238E27FC236}">
+                <a16:creationId xmlns:a16="http://schemas.microsoft.com/office/drawing/2014/main" id="{45FCC371-4DA3-4C0D-81D1-BD1A9D471316}"/>
+              </a:ext>
+            </a:extLst>
+          </p:cNvPr>
+          <p:cNvGrpSpPr/>
+          <p:nvPr/>
+        </p:nvGrpSpPr>
+        <p:grpSpPr>
+          <a:xfrm>
+            <a:off x="1693148" y="5514579"/>
+            <a:ext cx="5753395" cy="142231"/>
+            <a:chOff x="3599745" y="5606321"/>
+            <a:chExt cx="5031905" cy="351717"/>
+          </a:xfrm>
+        </p:grpSpPr>
+        <p:cxnSp>
+          <p:nvCxnSpPr>
+            <p:cNvPr id="142" name="Straight Connector 141">
+              <a:extLst>
+                <a:ext uri="{FF2B5EF4-FFF2-40B4-BE49-F238E27FC236}">
+                  <a16:creationId xmlns:a16="http://schemas.microsoft.com/office/drawing/2014/main" id="{97A4387E-234E-48C4-A9FB-A1CB8EB7C8C1}"/>
+                </a:ext>
+              </a:extLst>
+            </p:cNvPr>
+            <p:cNvCxnSpPr>
+              <a:cxnSpLocks/>
+            </p:cNvCxnSpPr>
+            <p:nvPr/>
+          </p:nvCxnSpPr>
+          <p:spPr>
+            <a:xfrm>
+              <a:off x="3599745" y="5958038"/>
+              <a:ext cx="5031905" cy="0"/>
+            </a:xfrm>
+            <a:prstGeom prst="line">
+              <a:avLst/>
+            </a:prstGeom>
+            <a:ln>
+              <a:solidFill>
+                <a:schemeClr val="tx1"/>
+              </a:solidFill>
+              <a:prstDash val="dash"/>
+            </a:ln>
+          </p:spPr>
+          <p:style>
+            <a:lnRef idx="1">
+              <a:schemeClr val="accent1"/>
+            </a:lnRef>
+            <a:fillRef idx="0">
+              <a:schemeClr val="accent1"/>
+            </a:fillRef>
+            <a:effectRef idx="0">
+              <a:schemeClr val="accent1"/>
+            </a:effectRef>
+            <a:fontRef idx="minor">
+              <a:schemeClr val="tx1"/>
+            </a:fontRef>
+          </p:style>
+        </p:cxnSp>
+        <p:cxnSp>
+          <p:nvCxnSpPr>
+            <p:cNvPr id="143" name="Straight Connector 142">
+              <a:extLst>
+                <a:ext uri="{FF2B5EF4-FFF2-40B4-BE49-F238E27FC236}">
+                  <a16:creationId xmlns:a16="http://schemas.microsoft.com/office/drawing/2014/main" id="{8D104D1E-4AC5-4268-95E1-FE07EB9B18D8}"/>
+                </a:ext>
+              </a:extLst>
+            </p:cNvPr>
+            <p:cNvCxnSpPr>
+              <a:cxnSpLocks/>
+            </p:cNvCxnSpPr>
+            <p:nvPr/>
+          </p:nvCxnSpPr>
+          <p:spPr>
+            <a:xfrm>
+              <a:off x="3603149" y="5606321"/>
+              <a:ext cx="1" cy="341717"/>
+            </a:xfrm>
+            <a:prstGeom prst="line">
+              <a:avLst/>
+            </a:prstGeom>
+            <a:ln>
+              <a:solidFill>
+                <a:schemeClr val="tx1"/>
+              </a:solidFill>
+              <a:prstDash val="dash"/>
+            </a:ln>
+          </p:spPr>
+          <p:style>
+            <a:lnRef idx="1">
+              <a:schemeClr val="accent1"/>
+            </a:lnRef>
+            <a:fillRef idx="0">
+              <a:schemeClr val="accent1"/>
+            </a:fillRef>
+            <a:effectRef idx="0">
+              <a:schemeClr val="accent1"/>
+            </a:effectRef>
+            <a:fontRef idx="minor">
+              <a:schemeClr val="tx1"/>
+            </a:fontRef>
+          </p:style>
+        </p:cxnSp>
+        <p:cxnSp>
+          <p:nvCxnSpPr>
+            <p:cNvPr id="144" name="Straight Connector 143">
+              <a:extLst>
+                <a:ext uri="{FF2B5EF4-FFF2-40B4-BE49-F238E27FC236}">
+                  <a16:creationId xmlns:a16="http://schemas.microsoft.com/office/drawing/2014/main" id="{35FF0598-38E7-4A88-BC88-231D2F664AE8}"/>
+                </a:ext>
+              </a:extLst>
+            </p:cNvPr>
+            <p:cNvCxnSpPr/>
+            <p:nvPr/>
+          </p:nvCxnSpPr>
+          <p:spPr>
+            <a:xfrm>
+              <a:off x="8631650" y="5640564"/>
+              <a:ext cx="0" cy="317474"/>
+            </a:xfrm>
+            <a:prstGeom prst="line">
+              <a:avLst/>
+            </a:prstGeom>
+            <a:ln>
+              <a:solidFill>
+                <a:schemeClr val="tx1"/>
+              </a:solidFill>
+              <a:prstDash val="dash"/>
+            </a:ln>
+          </p:spPr>
+          <p:style>
+            <a:lnRef idx="1">
+              <a:schemeClr val="accent1"/>
+            </a:lnRef>
+            <a:fillRef idx="0">
+              <a:schemeClr val="accent1"/>
+            </a:fillRef>
+            <a:effectRef idx="0">
+              <a:schemeClr val="accent1"/>
+            </a:effectRef>
+            <a:fontRef idx="minor">
+              <a:schemeClr val="tx1"/>
+            </a:fontRef>
+          </p:style>
+        </p:cxnSp>
+      </p:grpSp>
+      <p:grpSp>
+        <p:nvGrpSpPr>
+          <p:cNvPr id="145" name="Group 144">
+            <a:extLst>
+              <a:ext uri="{FF2B5EF4-FFF2-40B4-BE49-F238E27FC236}">
+                <a16:creationId xmlns:a16="http://schemas.microsoft.com/office/drawing/2014/main" id="{45FCC371-4DA3-4C0D-81D1-BD1A9D471316}"/>
+              </a:ext>
+            </a:extLst>
+          </p:cNvPr>
+          <p:cNvGrpSpPr/>
+          <p:nvPr/>
+        </p:nvGrpSpPr>
+        <p:grpSpPr>
+          <a:xfrm>
+            <a:off x="2634902" y="5486400"/>
+            <a:ext cx="3766333" cy="107587"/>
+            <a:chOff x="3599745" y="5606321"/>
+            <a:chExt cx="5031905" cy="351717"/>
+          </a:xfrm>
+        </p:grpSpPr>
+        <p:cxnSp>
+          <p:nvCxnSpPr>
+            <p:cNvPr id="146" name="Straight Connector 145">
+              <a:extLst>
+                <a:ext uri="{FF2B5EF4-FFF2-40B4-BE49-F238E27FC236}">
+                  <a16:creationId xmlns:a16="http://schemas.microsoft.com/office/drawing/2014/main" id="{97A4387E-234E-48C4-A9FB-A1CB8EB7C8C1}"/>
+                </a:ext>
+              </a:extLst>
+            </p:cNvPr>
+            <p:cNvCxnSpPr>
+              <a:cxnSpLocks/>
+            </p:cNvCxnSpPr>
+            <p:nvPr/>
+          </p:nvCxnSpPr>
+          <p:spPr>
+            <a:xfrm>
+              <a:off x="3599745" y="5958038"/>
+              <a:ext cx="5031905" cy="0"/>
+            </a:xfrm>
+            <a:prstGeom prst="line">
+              <a:avLst/>
+            </a:prstGeom>
+            <a:ln>
+              <a:solidFill>
+                <a:schemeClr val="tx1"/>
+              </a:solidFill>
+              <a:prstDash val="dash"/>
+            </a:ln>
+          </p:spPr>
+          <p:style>
+            <a:lnRef idx="1">
+              <a:schemeClr val="accent1"/>
+            </a:lnRef>
+            <a:fillRef idx="0">
+              <a:schemeClr val="accent1"/>
+            </a:fillRef>
+            <a:effectRef idx="0">
+              <a:schemeClr val="accent1"/>
+            </a:effectRef>
+            <a:fontRef idx="minor">
+              <a:schemeClr val="tx1"/>
+            </a:fontRef>
+          </p:style>
+        </p:cxnSp>
+        <p:cxnSp>
+          <p:nvCxnSpPr>
+            <p:cNvPr id="147" name="Straight Connector 146">
+              <a:extLst>
+                <a:ext uri="{FF2B5EF4-FFF2-40B4-BE49-F238E27FC236}">
+                  <a16:creationId xmlns:a16="http://schemas.microsoft.com/office/drawing/2014/main" id="{8D104D1E-4AC5-4268-95E1-FE07EB9B18D8}"/>
+                </a:ext>
+              </a:extLst>
+            </p:cNvPr>
+            <p:cNvCxnSpPr>
+              <a:cxnSpLocks/>
+            </p:cNvCxnSpPr>
+            <p:nvPr/>
+          </p:nvCxnSpPr>
+          <p:spPr>
+            <a:xfrm>
+              <a:off x="3603149" y="5606321"/>
+              <a:ext cx="1" cy="341717"/>
+            </a:xfrm>
+            <a:prstGeom prst="line">
+              <a:avLst/>
+            </a:prstGeom>
+            <a:ln>
+              <a:solidFill>
+                <a:schemeClr val="tx1"/>
+              </a:solidFill>
+              <a:prstDash val="dash"/>
+            </a:ln>
+          </p:spPr>
+          <p:style>
+            <a:lnRef idx="1">
+              <a:schemeClr val="accent1"/>
+            </a:lnRef>
+            <a:fillRef idx="0">
+              <a:schemeClr val="accent1"/>
+            </a:fillRef>
+            <a:effectRef idx="0">
+              <a:schemeClr val="accent1"/>
+            </a:effectRef>
+            <a:fontRef idx="minor">
+              <a:schemeClr val="tx1"/>
+            </a:fontRef>
+          </p:style>
+        </p:cxnSp>
+        <p:cxnSp>
+          <p:nvCxnSpPr>
+            <p:cNvPr id="148" name="Straight Connector 147">
+              <a:extLst>
+                <a:ext uri="{FF2B5EF4-FFF2-40B4-BE49-F238E27FC236}">
+                  <a16:creationId xmlns:a16="http://schemas.microsoft.com/office/drawing/2014/main" id="{35FF0598-38E7-4A88-BC88-231D2F664AE8}"/>
+                </a:ext>
+              </a:extLst>
+            </p:cNvPr>
+            <p:cNvCxnSpPr/>
+            <p:nvPr/>
+          </p:nvCxnSpPr>
+          <p:spPr>
+            <a:xfrm>
+              <a:off x="8631650" y="5640564"/>
+              <a:ext cx="0" cy="317474"/>
+            </a:xfrm>
+            <a:prstGeom prst="line">
+              <a:avLst/>
+            </a:prstGeom>
+            <a:ln>
+              <a:solidFill>
+                <a:schemeClr val="tx1"/>
+              </a:solidFill>
+              <a:prstDash val="dash"/>
+            </a:ln>
+          </p:spPr>
+          <p:style>
+            <a:lnRef idx="1">
+              <a:schemeClr val="accent1"/>
+            </a:lnRef>
+            <a:fillRef idx="0">
+              <a:schemeClr val="accent1"/>
+            </a:fillRef>
+            <a:effectRef idx="0">
+              <a:schemeClr val="accent1"/>
+            </a:effectRef>
+            <a:fontRef idx="minor">
+              <a:schemeClr val="tx1"/>
+            </a:fontRef>
+          </p:style>
+        </p:cxnSp>
+      </p:grpSp>
+      <p:grpSp>
+        <p:nvGrpSpPr>
+          <p:cNvPr id="3" name="Group 2"/>
+          <p:cNvGrpSpPr/>
+          <p:nvPr/>
+        </p:nvGrpSpPr>
+        <p:grpSpPr>
+          <a:xfrm>
+            <a:off x="181137" y="4953000"/>
+            <a:ext cx="8802236" cy="521805"/>
+            <a:chOff x="181137" y="5242955"/>
+            <a:chExt cx="8802236" cy="521805"/>
+          </a:xfrm>
+        </p:grpSpPr>
+        <p:pic>
+          <p:nvPicPr>
+            <p:cNvPr id="99" name="Picture 98">
+              <a:extLst>
+                <a:ext uri="{FF2B5EF4-FFF2-40B4-BE49-F238E27FC236}">
+                  <a16:creationId xmlns:a16="http://schemas.microsoft.com/office/drawing/2014/main" id="{6BE6005A-D9FE-4D85-99E9-5F63B8407B31}"/>
+                </a:ext>
+              </a:extLst>
+            </p:cNvPr>
+            <p:cNvPicPr>
+              <a:picLocks noChangeAspect="1"/>
+            </p:cNvPicPr>
+            <p:nvPr/>
+          </p:nvPicPr>
+          <p:blipFill>
+            <a:blip r:embed="rId3"/>
+            <a:stretch>
+              <a:fillRect/>
+            </a:stretch>
+          </p:blipFill>
+          <p:spPr>
+            <a:xfrm>
+              <a:off x="2510077" y="5242955"/>
+              <a:ext cx="675396" cy="489208"/>
+            </a:xfrm>
+            <a:prstGeom prst="rect">
+              <a:avLst/>
+            </a:prstGeom>
+            <a:ln>
+              <a:solidFill>
+                <a:schemeClr val="bg1">
+                  <a:lumMod val="75000"/>
+                </a:schemeClr>
+              </a:solidFill>
+            </a:ln>
+          </p:spPr>
+        </p:pic>
+        <p:sp>
+          <p:nvSpPr>
+            <p:cNvPr id="100" name="Rectangle: Rounded Corners 47">
+              <a:extLst>
+                <a:ext uri="{FF2B5EF4-FFF2-40B4-BE49-F238E27FC236}">
+                  <a16:creationId xmlns:a16="http://schemas.microsoft.com/office/drawing/2014/main" id="{256B0930-DF09-4EA4-8E17-F241EF2DE4A9}"/>
+                </a:ext>
+              </a:extLst>
+            </p:cNvPr>
+            <p:cNvSpPr/>
+            <p:nvPr/>
+          </p:nvSpPr>
+          <p:spPr>
+            <a:xfrm>
+              <a:off x="3594397" y="5289162"/>
+              <a:ext cx="822703" cy="432835"/>
+            </a:xfrm>
+            <a:prstGeom prst="roundRect">
+              <a:avLst/>
+            </a:prstGeom>
+            <a:solidFill>
+              <a:schemeClr val="accent5">
+                <a:lumMod val="20000"/>
+                <a:lumOff val="80000"/>
+              </a:schemeClr>
+            </a:solidFill>
+          </p:spPr>
+          <p:style>
+            <a:lnRef idx="2">
+              <a:schemeClr val="accent1">
+                <a:shade val="50000"/>
+              </a:schemeClr>
+            </a:lnRef>
+            <a:fillRef idx="1">
+              <a:schemeClr val="accent1"/>
+            </a:fillRef>
+            <a:effectRef idx="0">
+              <a:schemeClr val="accent1"/>
+            </a:effectRef>
+            <a:fontRef idx="minor">
+              <a:schemeClr val="lt1"/>
+            </a:fontRef>
+          </p:style>
+          <p:txBody>
+            <a:bodyPr lIns="27432" tIns="0" rIns="27432" bIns="0" rtlCol="0" anchor="ctr"/>
+            <a:lstStyle/>
+            <a:p>
+              <a:pPr algn="ctr"/>
+              <a:r>
+                <a:rPr lang="en-US" sz="1200" dirty="0">
+                  <a:solidFill>
+                    <a:schemeClr val="tx1"/>
+                  </a:solidFill>
+                  <a:ea typeface="Meiryo UI" panose="020B0604030504040204" pitchFamily="34" charset="-128"/>
+                </a:rPr>
+                <a:t>Reliability</a:t>
+              </a:r>
+            </a:p>
+          </p:txBody>
+        </p:sp>
+        <p:pic>
+          <p:nvPicPr>
+            <p:cNvPr id="102" name="Picture 101">
+              <a:extLst>
+                <a:ext uri="{FF2B5EF4-FFF2-40B4-BE49-F238E27FC236}">
+                  <a16:creationId xmlns:a16="http://schemas.microsoft.com/office/drawing/2014/main" id="{6BE6005A-D9FE-4D85-99E9-5F63B8407B31}"/>
+                </a:ext>
+              </a:extLst>
+            </p:cNvPr>
+            <p:cNvPicPr>
+              <a:picLocks noChangeAspect="1"/>
+            </p:cNvPicPr>
+            <p:nvPr/>
+          </p:nvPicPr>
+          <p:blipFill>
+            <a:blip r:embed="rId3"/>
+            <a:stretch>
+              <a:fillRect/>
+            </a:stretch>
+          </p:blipFill>
+          <p:spPr>
+            <a:xfrm>
+              <a:off x="6013307" y="5275552"/>
+              <a:ext cx="735623" cy="489208"/>
+            </a:xfrm>
+            <a:prstGeom prst="rect">
+              <a:avLst/>
+            </a:prstGeom>
+            <a:ln>
+              <a:solidFill>
+                <a:schemeClr val="bg1">
+                  <a:lumMod val="75000"/>
+                </a:schemeClr>
+              </a:solidFill>
+            </a:ln>
+          </p:spPr>
+        </p:pic>
+        <p:pic>
+          <p:nvPicPr>
+            <p:cNvPr id="103" name="Picture 102">
+              <a:extLst>
+                <a:ext uri="{FF2B5EF4-FFF2-40B4-BE49-F238E27FC236}">
+                  <a16:creationId xmlns:a16="http://schemas.microsoft.com/office/drawing/2014/main" id="{5722C7E7-3A24-47CE-8C2A-3C2B3BA221EB}"/>
+                </a:ext>
+              </a:extLst>
+            </p:cNvPr>
+            <p:cNvPicPr>
+              <a:picLocks noChangeAspect="1"/>
+            </p:cNvPicPr>
+            <p:nvPr/>
+          </p:nvPicPr>
+          <p:blipFill rotWithShape="1">
+            <a:blip r:embed="rId4"/>
+            <a:srcRect r="15674" b="44649"/>
+            <a:stretch/>
+          </p:blipFill>
+          <p:spPr>
+            <a:xfrm>
+              <a:off x="7194930" y="5267450"/>
+              <a:ext cx="732328" cy="453165"/>
+            </a:xfrm>
+            <a:prstGeom prst="rect">
+              <a:avLst/>
+            </a:prstGeom>
+            <a:ln>
+              <a:solidFill>
+                <a:schemeClr val="bg1">
+                  <a:lumMod val="75000"/>
+                </a:schemeClr>
+              </a:solidFill>
+            </a:ln>
+          </p:spPr>
+        </p:pic>
+        <p:pic>
+          <p:nvPicPr>
+            <p:cNvPr id="104" name="Picture 103">
+              <a:extLst>
+                <a:ext uri="{FF2B5EF4-FFF2-40B4-BE49-F238E27FC236}">
+                  <a16:creationId xmlns:a16="http://schemas.microsoft.com/office/drawing/2014/main" id="{7AA5AE74-3C56-4B93-A78F-CC7FDBE25E69}"/>
+                </a:ext>
+              </a:extLst>
+            </p:cNvPr>
+            <p:cNvPicPr>
+              <a:picLocks noChangeAspect="1"/>
+            </p:cNvPicPr>
+            <p:nvPr/>
+          </p:nvPicPr>
+          <p:blipFill>
+            <a:blip r:embed="rId5" cstate="email">
+              <a:extLst>
+                <a:ext uri="{BEBA8EAE-BF5A-486C-A8C5-ECC9F3942E4B}">
+                  <a14:imgProps xmlns:a14="http://schemas.microsoft.com/office/drawing/2010/main">
+                    <a14:imgLayer r:embed="rId6">
+                      <a14:imgEffect>
+                        <a14:brightnessContrast bright="40000" contrast="40000"/>
+                      </a14:imgEffect>
+                    </a14:imgLayer>
+                  </a14:imgProps>
+                </a:ext>
+                <a:ext uri="{28A0092B-C50C-407E-A947-70E740481C1C}">
+                  <a14:useLocalDpi xmlns:a14="http://schemas.microsoft.com/office/drawing/2010/main"/>
+                </a:ext>
+              </a:extLst>
+            </a:blip>
+            <a:stretch>
+              <a:fillRect/>
+            </a:stretch>
+          </p:blipFill>
+          <p:spPr>
+            <a:xfrm>
+              <a:off x="8349631" y="5260325"/>
+              <a:ext cx="633742" cy="467417"/>
+            </a:xfrm>
+            <a:prstGeom prst="rect">
+              <a:avLst/>
+            </a:prstGeom>
+          </p:spPr>
+        </p:pic>
+        <p:cxnSp>
+          <p:nvCxnSpPr>
+            <p:cNvPr id="109" name="Straight Arrow Connector 108">
+              <a:extLst>
+                <a:ext uri="{FF2B5EF4-FFF2-40B4-BE49-F238E27FC236}">
+                  <a16:creationId xmlns:a16="http://schemas.microsoft.com/office/drawing/2014/main" id="{8FB48F83-A374-4039-B068-BD868589C115}"/>
+                </a:ext>
+              </a:extLst>
+            </p:cNvPr>
+            <p:cNvCxnSpPr>
+              <a:cxnSpLocks/>
+            </p:cNvCxnSpPr>
+            <p:nvPr/>
+          </p:nvCxnSpPr>
+          <p:spPr>
+            <a:xfrm>
+              <a:off x="7960881" y="5475110"/>
+              <a:ext cx="382106" cy="0"/>
+            </a:xfrm>
+            <a:prstGeom prst="straightConnector1">
+              <a:avLst/>
+            </a:prstGeom>
+            <a:ln w="38100">
+              <a:solidFill>
+                <a:srgbClr val="0000CC"/>
+              </a:solidFill>
+              <a:tailEnd type="triangle"/>
+            </a:ln>
+          </p:spPr>
+          <p:style>
+            <a:lnRef idx="1">
+              <a:schemeClr val="accent1"/>
+            </a:lnRef>
+            <a:fillRef idx="0">
+              <a:schemeClr val="accent1"/>
+            </a:fillRef>
+            <a:effectRef idx="0">
+              <a:schemeClr val="accent1"/>
+            </a:effectRef>
+            <a:fontRef idx="minor">
+              <a:schemeClr val="tx1"/>
+            </a:fontRef>
+          </p:style>
+        </p:cxnSp>
+        <p:sp>
+          <p:nvSpPr>
+            <p:cNvPr id="110" name="Multiply 749">
+              <a:extLst>
+                <a:ext uri="{FF2B5EF4-FFF2-40B4-BE49-F238E27FC236}">
+                  <a16:creationId xmlns:a16="http://schemas.microsoft.com/office/drawing/2014/main" id="{70AC80DD-1CD1-4702-85ED-9B26A9253842}"/>
+                </a:ext>
+              </a:extLst>
+            </p:cNvPr>
+            <p:cNvSpPr/>
+            <p:nvPr/>
+          </p:nvSpPr>
+          <p:spPr>
+            <a:xfrm>
+              <a:off x="7971761" y="5349343"/>
+              <a:ext cx="255213" cy="212800"/>
+            </a:xfrm>
+            <a:prstGeom prst="mathMultiply">
+              <a:avLst/>
+            </a:prstGeom>
+            <a:solidFill>
+              <a:srgbClr val="FFFF00"/>
+            </a:solidFill>
+            <a:ln>
+              <a:solidFill>
+                <a:srgbClr val="C00000"/>
+              </a:solidFill>
+            </a:ln>
+          </p:spPr>
+          <p:style>
+            <a:lnRef idx="2">
+              <a:schemeClr val="accent1">
+                <a:shade val="50000"/>
+              </a:schemeClr>
+            </a:lnRef>
+            <a:fillRef idx="1">
+              <a:schemeClr val="accent1"/>
+            </a:fillRef>
+            <a:effectRef idx="0">
+              <a:schemeClr val="accent1"/>
+            </a:effectRef>
+            <a:fontRef idx="minor">
+              <a:schemeClr val="lt1"/>
+            </a:fontRef>
+          </p:style>
+          <p:txBody>
+            <a:bodyPr rtlCol="0" anchor="ctr"/>
+            <a:lstStyle/>
+            <a:p>
+              <a:pPr algn="ctr"/>
+              <a:endParaRPr lang="en-US"/>
+            </a:p>
+          </p:txBody>
+        </p:sp>
+        <p:cxnSp>
+          <p:nvCxnSpPr>
+            <p:cNvPr id="111" name="Straight Arrow Connector 110">
+              <a:extLst>
+                <a:ext uri="{FF2B5EF4-FFF2-40B4-BE49-F238E27FC236}">
+                  <a16:creationId xmlns:a16="http://schemas.microsoft.com/office/drawing/2014/main" id="{8FB48F83-A374-4039-B068-BD868589C115}"/>
+                </a:ext>
+              </a:extLst>
+            </p:cNvPr>
+            <p:cNvCxnSpPr>
+              <a:cxnSpLocks/>
+            </p:cNvCxnSpPr>
+            <p:nvPr/>
+          </p:nvCxnSpPr>
+          <p:spPr>
+            <a:xfrm>
+              <a:off x="3192274" y="5535217"/>
+              <a:ext cx="382106" cy="0"/>
+            </a:xfrm>
+            <a:prstGeom prst="straightConnector1">
+              <a:avLst/>
+            </a:prstGeom>
+            <a:ln w="38100">
+              <a:solidFill>
+                <a:srgbClr val="0000CC"/>
+              </a:solidFill>
+              <a:tailEnd type="triangle"/>
+            </a:ln>
+          </p:spPr>
+          <p:style>
+            <a:lnRef idx="1">
+              <a:schemeClr val="accent1"/>
+            </a:lnRef>
+            <a:fillRef idx="0">
+              <a:schemeClr val="accent1"/>
+            </a:fillRef>
+            <a:effectRef idx="0">
+              <a:schemeClr val="accent1"/>
+            </a:effectRef>
+            <a:fontRef idx="minor">
+              <a:schemeClr val="tx1"/>
+            </a:fontRef>
+          </p:style>
+        </p:cxnSp>
+        <p:sp>
+          <p:nvSpPr>
+            <p:cNvPr id="112" name="Multiply 749">
+              <a:extLst>
+                <a:ext uri="{FF2B5EF4-FFF2-40B4-BE49-F238E27FC236}">
+                  <a16:creationId xmlns:a16="http://schemas.microsoft.com/office/drawing/2014/main" id="{70AC80DD-1CD1-4702-85ED-9B26A9253842}"/>
+                </a:ext>
+              </a:extLst>
+            </p:cNvPr>
+            <p:cNvSpPr/>
+            <p:nvPr/>
+          </p:nvSpPr>
+          <p:spPr>
+            <a:xfrm>
+              <a:off x="3215543" y="5422557"/>
+              <a:ext cx="255213" cy="212800"/>
+            </a:xfrm>
+            <a:prstGeom prst="mathMultiply">
+              <a:avLst/>
+            </a:prstGeom>
+            <a:solidFill>
+              <a:srgbClr val="FFFF00"/>
+            </a:solidFill>
+            <a:ln>
+              <a:solidFill>
+                <a:srgbClr val="C00000"/>
+              </a:solidFill>
+            </a:ln>
+          </p:spPr>
+          <p:style>
+            <a:lnRef idx="2">
+              <a:schemeClr val="accent1">
+                <a:shade val="50000"/>
+              </a:schemeClr>
+            </a:lnRef>
+            <a:fillRef idx="1">
+              <a:schemeClr val="accent1"/>
+            </a:fillRef>
+            <a:effectRef idx="0">
+              <a:schemeClr val="accent1"/>
+            </a:effectRef>
+            <a:fontRef idx="minor">
+              <a:schemeClr val="lt1"/>
+            </a:fontRef>
+          </p:style>
+          <p:txBody>
+            <a:bodyPr rtlCol="0" anchor="ctr"/>
+            <a:lstStyle/>
+            <a:p>
+              <a:pPr algn="ctr"/>
+              <a:endParaRPr lang="en-US"/>
+            </a:p>
+          </p:txBody>
+        </p:sp>
+        <p:cxnSp>
+          <p:nvCxnSpPr>
+            <p:cNvPr id="113" name="Straight Arrow Connector 112">
+              <a:extLst>
+                <a:ext uri="{FF2B5EF4-FFF2-40B4-BE49-F238E27FC236}">
+                  <a16:creationId xmlns:a16="http://schemas.microsoft.com/office/drawing/2014/main" id="{8FB48F83-A374-4039-B068-BD868589C115}"/>
+                </a:ext>
+              </a:extLst>
+            </p:cNvPr>
+            <p:cNvCxnSpPr>
+              <a:cxnSpLocks/>
+            </p:cNvCxnSpPr>
+            <p:nvPr/>
+          </p:nvCxnSpPr>
+          <p:spPr>
+            <a:xfrm>
+              <a:off x="4436601" y="5511540"/>
+              <a:ext cx="382106" cy="0"/>
+            </a:xfrm>
+            <a:prstGeom prst="straightConnector1">
+              <a:avLst/>
+            </a:prstGeom>
+            <a:ln w="38100">
+              <a:solidFill>
+                <a:srgbClr val="0000CC"/>
+              </a:solidFill>
+              <a:tailEnd type="triangle"/>
+            </a:ln>
+          </p:spPr>
+          <p:style>
+            <a:lnRef idx="1">
+              <a:schemeClr val="accent1"/>
+            </a:lnRef>
+            <a:fillRef idx="0">
+              <a:schemeClr val="accent1"/>
+            </a:fillRef>
+            <a:effectRef idx="0">
+              <a:schemeClr val="accent1"/>
+            </a:effectRef>
+            <a:fontRef idx="minor">
+              <a:schemeClr val="tx1"/>
+            </a:fontRef>
+          </p:style>
+        </p:cxnSp>
+        <p:sp>
+          <p:nvSpPr>
+            <p:cNvPr id="114" name="Multiply 749">
+              <a:extLst>
+                <a:ext uri="{FF2B5EF4-FFF2-40B4-BE49-F238E27FC236}">
+                  <a16:creationId xmlns:a16="http://schemas.microsoft.com/office/drawing/2014/main" id="{70AC80DD-1CD1-4702-85ED-9B26A9253842}"/>
+                </a:ext>
+              </a:extLst>
+            </p:cNvPr>
+            <p:cNvSpPr/>
+            <p:nvPr/>
+          </p:nvSpPr>
+          <p:spPr>
+            <a:xfrm>
+              <a:off x="4459870" y="5398880"/>
+              <a:ext cx="255213" cy="212800"/>
+            </a:xfrm>
+            <a:prstGeom prst="mathMultiply">
+              <a:avLst/>
+            </a:prstGeom>
+            <a:solidFill>
+              <a:srgbClr val="FFFF00"/>
+            </a:solidFill>
+            <a:ln>
+              <a:solidFill>
+                <a:srgbClr val="C00000"/>
+              </a:solidFill>
+            </a:ln>
+          </p:spPr>
+          <p:style>
+            <a:lnRef idx="2">
+              <a:schemeClr val="accent1">
+                <a:shade val="50000"/>
+              </a:schemeClr>
+            </a:lnRef>
+            <a:fillRef idx="1">
+              <a:schemeClr val="accent1"/>
+            </a:fillRef>
+            <a:effectRef idx="0">
+              <a:schemeClr val="accent1"/>
+            </a:effectRef>
+            <a:fontRef idx="minor">
+              <a:schemeClr val="lt1"/>
+            </a:fontRef>
+          </p:style>
+          <p:txBody>
+            <a:bodyPr rtlCol="0" anchor="ctr"/>
+            <a:lstStyle/>
+            <a:p>
+              <a:pPr algn="ctr"/>
+              <a:endParaRPr lang="en-US"/>
+            </a:p>
+          </p:txBody>
+        </p:sp>
+        <p:cxnSp>
+          <p:nvCxnSpPr>
+            <p:cNvPr id="115" name="Straight Arrow Connector 114">
+              <a:extLst>
+                <a:ext uri="{FF2B5EF4-FFF2-40B4-BE49-F238E27FC236}">
+                  <a16:creationId xmlns:a16="http://schemas.microsoft.com/office/drawing/2014/main" id="{8FB48F83-A374-4039-B068-BD868589C115}"/>
+                </a:ext>
+              </a:extLst>
+            </p:cNvPr>
+            <p:cNvCxnSpPr>
+              <a:cxnSpLocks/>
+            </p:cNvCxnSpPr>
+            <p:nvPr/>
+          </p:nvCxnSpPr>
+          <p:spPr>
+            <a:xfrm>
+              <a:off x="5573180" y="5511540"/>
+              <a:ext cx="382106" cy="0"/>
+            </a:xfrm>
+            <a:prstGeom prst="straightConnector1">
+              <a:avLst/>
+            </a:prstGeom>
+            <a:ln w="38100">
+              <a:solidFill>
+                <a:srgbClr val="0000CC"/>
+              </a:solidFill>
+              <a:tailEnd type="triangle"/>
+            </a:ln>
+          </p:spPr>
+          <p:style>
+            <a:lnRef idx="1">
+              <a:schemeClr val="accent1"/>
+            </a:lnRef>
+            <a:fillRef idx="0">
+              <a:schemeClr val="accent1"/>
+            </a:fillRef>
+            <a:effectRef idx="0">
+              <a:schemeClr val="accent1"/>
+            </a:effectRef>
+            <a:fontRef idx="minor">
+              <a:schemeClr val="tx1"/>
+            </a:fontRef>
+          </p:style>
+        </p:cxnSp>
+        <p:sp>
+          <p:nvSpPr>
+            <p:cNvPr id="116" name="Multiply 749">
+              <a:extLst>
+                <a:ext uri="{FF2B5EF4-FFF2-40B4-BE49-F238E27FC236}">
+                  <a16:creationId xmlns:a16="http://schemas.microsoft.com/office/drawing/2014/main" id="{70AC80DD-1CD1-4702-85ED-9B26A9253842}"/>
+                </a:ext>
+              </a:extLst>
+            </p:cNvPr>
+            <p:cNvSpPr/>
+            <p:nvPr/>
+          </p:nvSpPr>
+          <p:spPr>
+            <a:xfrm>
+              <a:off x="5596449" y="5398880"/>
+              <a:ext cx="255213" cy="212800"/>
+            </a:xfrm>
+            <a:prstGeom prst="mathMultiply">
+              <a:avLst/>
+            </a:prstGeom>
+            <a:solidFill>
+              <a:srgbClr val="FFFF00"/>
+            </a:solidFill>
+            <a:ln>
+              <a:solidFill>
+                <a:srgbClr val="C00000"/>
+              </a:solidFill>
+            </a:ln>
+          </p:spPr>
+          <p:style>
+            <a:lnRef idx="2">
+              <a:schemeClr val="accent1">
+                <a:shade val="50000"/>
+              </a:schemeClr>
+            </a:lnRef>
+            <a:fillRef idx="1">
+              <a:schemeClr val="accent1"/>
+            </a:fillRef>
+            <a:effectRef idx="0">
+              <a:schemeClr val="accent1"/>
+            </a:effectRef>
+            <a:fontRef idx="minor">
+              <a:schemeClr val="lt1"/>
+            </a:fontRef>
+          </p:style>
+          <p:txBody>
+            <a:bodyPr rtlCol="0" anchor="ctr"/>
+            <a:lstStyle/>
+            <a:p>
+              <a:pPr algn="ctr"/>
+              <a:endParaRPr lang="en-US"/>
+            </a:p>
+          </p:txBody>
+        </p:sp>
+        <p:cxnSp>
+          <p:nvCxnSpPr>
+            <p:cNvPr id="117" name="Straight Arrow Connector 116">
+              <a:extLst>
+                <a:ext uri="{FF2B5EF4-FFF2-40B4-BE49-F238E27FC236}">
+                  <a16:creationId xmlns:a16="http://schemas.microsoft.com/office/drawing/2014/main" id="{8FB48F83-A374-4039-B068-BD868589C115}"/>
+                </a:ext>
+              </a:extLst>
+            </p:cNvPr>
+            <p:cNvCxnSpPr>
+              <a:cxnSpLocks/>
+            </p:cNvCxnSpPr>
+            <p:nvPr/>
+          </p:nvCxnSpPr>
+          <p:spPr>
+            <a:xfrm>
+              <a:off x="6772030" y="5511540"/>
+              <a:ext cx="382106" cy="0"/>
+            </a:xfrm>
+            <a:prstGeom prst="straightConnector1">
+              <a:avLst/>
+            </a:prstGeom>
+            <a:ln w="38100">
+              <a:solidFill>
+                <a:srgbClr val="0000CC"/>
+              </a:solidFill>
+              <a:tailEnd type="triangle"/>
+            </a:ln>
+          </p:spPr>
+          <p:style>
+            <a:lnRef idx="1">
+              <a:schemeClr val="accent1"/>
+            </a:lnRef>
+            <a:fillRef idx="0">
+              <a:schemeClr val="accent1"/>
+            </a:fillRef>
+            <a:effectRef idx="0">
+              <a:schemeClr val="accent1"/>
+            </a:effectRef>
+            <a:fontRef idx="minor">
+              <a:schemeClr val="tx1"/>
+            </a:fontRef>
+          </p:style>
+        </p:cxnSp>
+        <p:sp>
+          <p:nvSpPr>
+            <p:cNvPr id="118" name="Multiply 749">
+              <a:extLst>
+                <a:ext uri="{FF2B5EF4-FFF2-40B4-BE49-F238E27FC236}">
+                  <a16:creationId xmlns:a16="http://schemas.microsoft.com/office/drawing/2014/main" id="{70AC80DD-1CD1-4702-85ED-9B26A9253842}"/>
+                </a:ext>
+              </a:extLst>
+            </p:cNvPr>
+            <p:cNvSpPr/>
+            <p:nvPr/>
+          </p:nvSpPr>
+          <p:spPr>
+            <a:xfrm>
+              <a:off x="6795299" y="5398880"/>
+              <a:ext cx="255213" cy="212800"/>
+            </a:xfrm>
+            <a:prstGeom prst="mathMultiply">
+              <a:avLst/>
+            </a:prstGeom>
+            <a:solidFill>
+              <a:srgbClr val="FFFF00"/>
+            </a:solidFill>
+            <a:ln>
+              <a:solidFill>
+                <a:srgbClr val="C00000"/>
+              </a:solidFill>
+            </a:ln>
+          </p:spPr>
+          <p:style>
+            <a:lnRef idx="2">
+              <a:schemeClr val="accent1">
+                <a:shade val="50000"/>
+              </a:schemeClr>
+            </a:lnRef>
+            <a:fillRef idx="1">
+              <a:schemeClr val="accent1"/>
+            </a:fillRef>
+            <a:effectRef idx="0">
+              <a:schemeClr val="accent1"/>
+            </a:effectRef>
+            <a:fontRef idx="minor">
+              <a:schemeClr val="lt1"/>
+            </a:fontRef>
+          </p:style>
+          <p:txBody>
+            <a:bodyPr rtlCol="0" anchor="ctr"/>
+            <a:lstStyle/>
+            <a:p>
+              <a:pPr algn="ctr"/>
+              <a:endParaRPr lang="en-US"/>
+            </a:p>
+          </p:txBody>
+        </p:sp>
+        <p:pic>
+          <p:nvPicPr>
+            <p:cNvPr id="149" name="Picture 148">
+              <a:extLst>
+                <a:ext uri="{FF2B5EF4-FFF2-40B4-BE49-F238E27FC236}">
+                  <a16:creationId xmlns:a16="http://schemas.microsoft.com/office/drawing/2014/main" id="{7AA5AE74-3C56-4B93-A78F-CC7FDBE25E69}"/>
+                </a:ext>
+              </a:extLst>
+            </p:cNvPr>
+            <p:cNvPicPr>
+              <a:picLocks noChangeAspect="1"/>
+            </p:cNvPicPr>
+            <p:nvPr/>
+          </p:nvPicPr>
+          <p:blipFill>
+            <a:blip r:embed="rId5" cstate="email">
+              <a:extLst>
+                <a:ext uri="{BEBA8EAE-BF5A-486C-A8C5-ECC9F3942E4B}">
+                  <a14:imgProps xmlns:a14="http://schemas.microsoft.com/office/drawing/2010/main">
+                    <a14:imgLayer r:embed="rId6">
+                      <a14:imgEffect>
+                        <a14:brightnessContrast bright="40000" contrast="40000"/>
+                      </a14:imgEffect>
+                    </a14:imgLayer>
+                  </a14:imgProps>
+                </a:ext>
+                <a:ext uri="{28A0092B-C50C-407E-A947-70E740481C1C}">
+                  <a14:useLocalDpi xmlns:a14="http://schemas.microsoft.com/office/drawing/2010/main"/>
+                </a:ext>
+              </a:extLst>
+            </a:blip>
+            <a:stretch>
+              <a:fillRect/>
+            </a:stretch>
+          </p:blipFill>
+          <p:spPr>
+            <a:xfrm>
+              <a:off x="181137" y="5289386"/>
+              <a:ext cx="633742" cy="467417"/>
+            </a:xfrm>
+            <a:prstGeom prst="rect">
+              <a:avLst/>
+            </a:prstGeom>
+          </p:spPr>
+        </p:pic>
+        <p:pic>
+          <p:nvPicPr>
+            <p:cNvPr id="150" name="Picture 149">
+              <a:extLst>
+                <a:ext uri="{FF2B5EF4-FFF2-40B4-BE49-F238E27FC236}">
+                  <a16:creationId xmlns:a16="http://schemas.microsoft.com/office/drawing/2014/main" id="{5722C7E7-3A24-47CE-8C2A-3C2B3BA221EB}"/>
+                </a:ext>
+              </a:extLst>
+            </p:cNvPr>
+            <p:cNvPicPr>
+              <a:picLocks noChangeAspect="1"/>
+            </p:cNvPicPr>
+            <p:nvPr/>
+          </p:nvPicPr>
+          <p:blipFill rotWithShape="1">
+            <a:blip r:embed="rId4"/>
+            <a:srcRect r="15674" b="44649"/>
+            <a:stretch/>
+          </p:blipFill>
+          <p:spPr>
+            <a:xfrm>
+              <a:off x="1327238" y="5279396"/>
+              <a:ext cx="749725" cy="453165"/>
+            </a:xfrm>
+            <a:prstGeom prst="rect">
+              <a:avLst/>
+            </a:prstGeom>
+            <a:ln>
+              <a:solidFill>
+                <a:schemeClr val="bg1">
+                  <a:lumMod val="75000"/>
+                </a:schemeClr>
+              </a:solidFill>
+            </a:ln>
+          </p:spPr>
+        </p:pic>
+        <p:pic>
+          <p:nvPicPr>
+            <p:cNvPr id="151" name="Picture 150">
+              <a:extLst>
+                <a:ext uri="{FF2B5EF4-FFF2-40B4-BE49-F238E27FC236}">
+                  <a16:creationId xmlns:a16="http://schemas.microsoft.com/office/drawing/2014/main" id="{7C281420-45C3-4204-8B5D-3A229543FFE4}"/>
+                </a:ext>
+              </a:extLst>
+            </p:cNvPr>
+            <p:cNvPicPr>
+              <a:picLocks noChangeAspect="1"/>
+            </p:cNvPicPr>
+            <p:nvPr/>
+          </p:nvPicPr>
+          <p:blipFill>
+            <a:blip r:embed="rId7"/>
+            <a:stretch>
+              <a:fillRect/>
+            </a:stretch>
+          </p:blipFill>
+          <p:spPr>
+            <a:xfrm>
+              <a:off x="4904216" y="5250988"/>
+              <a:ext cx="696542" cy="503481"/>
+            </a:xfrm>
+            <a:prstGeom prst="rect">
+              <a:avLst/>
+            </a:prstGeom>
+            <a:ln>
+              <a:solidFill>
+                <a:schemeClr val="bg1">
+                  <a:lumMod val="75000"/>
+                </a:schemeClr>
+              </a:solidFill>
+            </a:ln>
+          </p:spPr>
+        </p:pic>
+        <p:cxnSp>
+          <p:nvCxnSpPr>
+            <p:cNvPr id="152" name="Straight Arrow Connector 151">
+              <a:extLst>
+                <a:ext uri="{FF2B5EF4-FFF2-40B4-BE49-F238E27FC236}">
+                  <a16:creationId xmlns:a16="http://schemas.microsoft.com/office/drawing/2014/main" id="{8FB48F83-A374-4039-B068-BD868589C115}"/>
+                </a:ext>
+              </a:extLst>
+            </p:cNvPr>
+            <p:cNvCxnSpPr>
+              <a:cxnSpLocks/>
+            </p:cNvCxnSpPr>
+            <p:nvPr/>
+          </p:nvCxnSpPr>
+          <p:spPr>
+            <a:xfrm>
+              <a:off x="847938" y="5529355"/>
+              <a:ext cx="382106" cy="0"/>
+            </a:xfrm>
+            <a:prstGeom prst="straightConnector1">
+              <a:avLst/>
+            </a:prstGeom>
+            <a:ln w="38100">
+              <a:solidFill>
+                <a:srgbClr val="0000CC"/>
+              </a:solidFill>
+              <a:tailEnd type="triangle"/>
+            </a:ln>
+          </p:spPr>
+          <p:style>
+            <a:lnRef idx="1">
+              <a:schemeClr val="accent1"/>
+            </a:lnRef>
+            <a:fillRef idx="0">
+              <a:schemeClr val="accent1"/>
+            </a:fillRef>
+            <a:effectRef idx="0">
+              <a:schemeClr val="accent1"/>
+            </a:effectRef>
+            <a:fontRef idx="minor">
+              <a:schemeClr val="tx1"/>
+            </a:fontRef>
+          </p:style>
+        </p:cxnSp>
+        <p:sp>
+          <p:nvSpPr>
+            <p:cNvPr id="153" name="Multiply 749">
+              <a:extLst>
+                <a:ext uri="{FF2B5EF4-FFF2-40B4-BE49-F238E27FC236}">
+                  <a16:creationId xmlns:a16="http://schemas.microsoft.com/office/drawing/2014/main" id="{70AC80DD-1CD1-4702-85ED-9B26A9253842}"/>
+                </a:ext>
+              </a:extLst>
+            </p:cNvPr>
+            <p:cNvSpPr/>
+            <p:nvPr/>
+          </p:nvSpPr>
+          <p:spPr>
+            <a:xfrm>
+              <a:off x="871207" y="5416695"/>
+              <a:ext cx="255213" cy="212800"/>
+            </a:xfrm>
+            <a:prstGeom prst="mathMultiply">
+              <a:avLst/>
+            </a:prstGeom>
+            <a:solidFill>
+              <a:srgbClr val="FFFF00"/>
+            </a:solidFill>
+            <a:ln>
+              <a:solidFill>
+                <a:srgbClr val="C00000"/>
+              </a:solidFill>
+            </a:ln>
+          </p:spPr>
+          <p:style>
+            <a:lnRef idx="2">
+              <a:schemeClr val="accent1">
+                <a:shade val="50000"/>
+              </a:schemeClr>
+            </a:lnRef>
+            <a:fillRef idx="1">
+              <a:schemeClr val="accent1"/>
+            </a:fillRef>
+            <a:effectRef idx="0">
+              <a:schemeClr val="accent1"/>
+            </a:effectRef>
+            <a:fontRef idx="minor">
+              <a:schemeClr val="lt1"/>
+            </a:fontRef>
+          </p:style>
+          <p:txBody>
+            <a:bodyPr rtlCol="0" anchor="ctr"/>
+            <a:lstStyle/>
+            <a:p>
+              <a:pPr algn="ctr"/>
+              <a:endParaRPr lang="en-US"/>
+            </a:p>
+          </p:txBody>
+        </p:sp>
+        <p:cxnSp>
+          <p:nvCxnSpPr>
+            <p:cNvPr id="154" name="Straight Arrow Connector 153">
+              <a:extLst>
+                <a:ext uri="{FF2B5EF4-FFF2-40B4-BE49-F238E27FC236}">
+                  <a16:creationId xmlns:a16="http://schemas.microsoft.com/office/drawing/2014/main" id="{8FB48F83-A374-4039-B068-BD868589C115}"/>
+                </a:ext>
+              </a:extLst>
+            </p:cNvPr>
+            <p:cNvCxnSpPr>
+              <a:cxnSpLocks/>
+            </p:cNvCxnSpPr>
+            <p:nvPr/>
+          </p:nvCxnSpPr>
+          <p:spPr>
+            <a:xfrm>
+              <a:off x="2107988" y="5520554"/>
+              <a:ext cx="382106" cy="0"/>
+            </a:xfrm>
+            <a:prstGeom prst="straightConnector1">
+              <a:avLst/>
+            </a:prstGeom>
+            <a:ln w="38100">
+              <a:solidFill>
+                <a:srgbClr val="0000CC"/>
+              </a:solidFill>
+              <a:tailEnd type="triangle"/>
+            </a:ln>
+          </p:spPr>
+          <p:style>
+            <a:lnRef idx="1">
+              <a:schemeClr val="accent1"/>
+            </a:lnRef>
+            <a:fillRef idx="0">
+              <a:schemeClr val="accent1"/>
+            </a:fillRef>
+            <a:effectRef idx="0">
+              <a:schemeClr val="accent1"/>
+            </a:effectRef>
+            <a:fontRef idx="minor">
+              <a:schemeClr val="tx1"/>
+            </a:fontRef>
+          </p:style>
+        </p:cxnSp>
+        <p:sp>
+          <p:nvSpPr>
+            <p:cNvPr id="155" name="Multiply 749">
+              <a:extLst>
+                <a:ext uri="{FF2B5EF4-FFF2-40B4-BE49-F238E27FC236}">
+                  <a16:creationId xmlns:a16="http://schemas.microsoft.com/office/drawing/2014/main" id="{70AC80DD-1CD1-4702-85ED-9B26A9253842}"/>
+                </a:ext>
+              </a:extLst>
+            </p:cNvPr>
+            <p:cNvSpPr/>
+            <p:nvPr/>
+          </p:nvSpPr>
+          <p:spPr>
+            <a:xfrm>
+              <a:off x="2131257" y="5407894"/>
+              <a:ext cx="255213" cy="212800"/>
+            </a:xfrm>
+            <a:prstGeom prst="mathMultiply">
+              <a:avLst/>
+            </a:prstGeom>
+            <a:solidFill>
+              <a:srgbClr val="FFFF00"/>
+            </a:solidFill>
+            <a:ln>
+              <a:solidFill>
+                <a:srgbClr val="C00000"/>
+              </a:solidFill>
+            </a:ln>
+          </p:spPr>
+          <p:style>
+            <a:lnRef idx="2">
+              <a:schemeClr val="accent1">
+                <a:shade val="50000"/>
+              </a:schemeClr>
+            </a:lnRef>
+            <a:fillRef idx="1">
+              <a:schemeClr val="accent1"/>
+            </a:fillRef>
+            <a:effectRef idx="0">
+              <a:schemeClr val="accent1"/>
+            </a:effectRef>
+            <a:fontRef idx="minor">
+              <a:schemeClr val="lt1"/>
+            </a:fontRef>
+          </p:style>
+          <p:txBody>
+            <a:bodyPr rtlCol="0" anchor="ctr"/>
+            <a:lstStyle/>
+            <a:p>
+              <a:pPr algn="ctr"/>
+              <a:endParaRPr lang="en-US"/>
+            </a:p>
+          </p:txBody>
+        </p:sp>
+      </p:grpSp>
+      <p:sp>
+        <p:nvSpPr>
+          <p:cNvPr id="156" name="TextBox 32">
+            <a:extLst>
+              <a:ext uri="{FF2B5EF4-FFF2-40B4-BE49-F238E27FC236}">
+                <a16:creationId xmlns:a16="http://schemas.microsoft.com/office/drawing/2014/main" id="{CC70EF54-7A9B-407A-8C24-CB3E940C02A0}"/>
+              </a:ext>
+            </a:extLst>
+          </p:cNvPr>
+          <p:cNvSpPr txBox="1"/>
+          <p:nvPr/>
+        </p:nvSpPr>
+        <p:spPr>
+          <a:xfrm>
+            <a:off x="101465" y="5669270"/>
+            <a:ext cx="7399159" cy="646331"/>
+          </a:xfrm>
+          <a:prstGeom prst="rect">
+            <a:avLst/>
+          </a:prstGeom>
+          <a:noFill/>
+          <a:ln w="19050">
+            <a:noFill/>
+          </a:ln>
+        </p:spPr>
+        <p:txBody>
+          <a:bodyPr wrap="square" rtlCol="0" anchor="ctr">
+            <a:spAutoFit/>
+          </a:bodyPr>
+          <a:lstStyle/>
+          <a:p>
+            <a:pPr marL="285750" indent="-285750">
+              <a:buFont typeface="Wingdings 2" panose="05020102010507070707" pitchFamily="18" charset="2"/>
+              <a:buChar char=""/>
+            </a:pPr>
+            <a:r>
+              <a:rPr lang="en-US" dirty="0" smtClean="0">
+                <a:latin typeface="Arial" panose="020B0604020202020204" pitchFamily="34" charset="0"/>
+                <a:cs typeface="Arial" panose="020B0604020202020204" pitchFamily="34" charset="0"/>
+                <a:sym typeface="Wingdings 2" panose="05020102010507070707" pitchFamily="18" charset="2"/>
+              </a:rPr>
+              <a:t>E</a:t>
+            </a:r>
+            <a:r>
+              <a:rPr lang="en-US" dirty="0" smtClean="0">
+                <a:latin typeface="Arial" panose="020B0604020202020204" pitchFamily="34" charset="0"/>
+                <a:cs typeface="Arial" panose="020B0604020202020204" pitchFamily="34" charset="0"/>
+                <a:sym typeface="Wingdings 2" panose="05020102010507070707" pitchFamily="18" charset="2"/>
+              </a:rPr>
+              <a:t>ach </a:t>
+            </a:r>
+            <a:r>
+              <a:rPr lang="en-US" dirty="0">
+                <a:latin typeface="Arial" panose="020B0604020202020204" pitchFamily="34" charset="0"/>
+                <a:cs typeface="Arial" panose="020B0604020202020204" pitchFamily="34" charset="0"/>
+                <a:sym typeface="Wingdings 2" panose="05020102010507070707" pitchFamily="18" charset="2"/>
+              </a:rPr>
+              <a:t>step is independent, with no link to each </a:t>
+            </a:r>
+            <a:r>
+              <a:rPr lang="en-US" dirty="0" smtClean="0">
+                <a:latin typeface="Arial" panose="020B0604020202020204" pitchFamily="34" charset="0"/>
+                <a:cs typeface="Arial" panose="020B0604020202020204" pitchFamily="34" charset="0"/>
+                <a:sym typeface="Wingdings 2" panose="05020102010507070707" pitchFamily="18" charset="2"/>
+              </a:rPr>
+              <a:t>other</a:t>
+            </a:r>
+          </a:p>
+          <a:p>
+            <a:pPr marL="285750" indent="-285750">
+              <a:buFont typeface="Wingdings 2" panose="05020102010507070707" pitchFamily="18" charset="2"/>
+              <a:buChar char=""/>
+            </a:pPr>
+            <a:r>
+              <a:rPr lang="en-US" dirty="0">
+                <a:latin typeface="Arial" panose="020B0604020202020204" pitchFamily="34" charset="0"/>
+                <a:cs typeface="Arial" panose="020B0604020202020204" pitchFamily="34" charset="0"/>
+                <a:sym typeface="Wingdings 2" panose="05020102010507070707" pitchFamily="18" charset="2"/>
+              </a:rPr>
+              <a:t>Risk quality:  Skip process &amp; misjudgment, human mistake</a:t>
+            </a:r>
+            <a:endParaRPr lang="en-US" dirty="0">
+              <a:latin typeface="Arial" panose="020B0604020202020204" pitchFamily="34" charset="0"/>
+              <a:cs typeface="Arial" panose="020B0604020202020204" pitchFamily="34" charset="0"/>
+              <a:sym typeface="Wingdings 2" panose="05020102010507070707" pitchFamily="18" charset="2"/>
+            </a:endParaRPr>
+          </a:p>
+        </p:txBody>
+      </p:sp>
     </p:spTree>
     <p:extLst>
       <p:ext uri="{BB962C8B-B14F-4D97-AF65-F5344CB8AC3E}">
@@ -14885,6 +18188,701 @@
           </p:txBody>
         </p:sp>
       </p:grpSp>
+      <p:sp>
+        <p:nvSpPr>
+          <p:cNvPr id="6" name="AutoShape 381">
+            <a:extLst>
+              <a:ext uri="{FF2B5EF4-FFF2-40B4-BE49-F238E27FC236}">
+                <a16:creationId xmlns:a16="http://schemas.microsoft.com/office/drawing/2014/main" id="{769BB28C-4467-F358-7596-8858963C7EE2}"/>
+              </a:ext>
+            </a:extLst>
+          </p:cNvPr>
+          <p:cNvSpPr>
+            <a:spLocks noChangeArrowheads="1"/>
+          </p:cNvSpPr>
+          <p:nvPr/>
+        </p:nvSpPr>
+        <p:spPr bwMode="auto">
+          <a:xfrm>
+            <a:off x="32123" y="625476"/>
+            <a:ext cx="9031227" cy="373988"/>
+          </a:xfrm>
+          <a:prstGeom prst="roundRect">
+            <a:avLst>
+              <a:gd name="adj" fmla="val 16667"/>
+            </a:avLst>
+          </a:prstGeom>
+          <a:solidFill>
+            <a:srgbClr val="333399"/>
+          </a:solidFill>
+          <a:ln>
+            <a:noFill/>
+          </a:ln>
+          <a:effectLst/>
+          <a:extLst>
+            <a:ext uri="{91240B29-F687-4F45-9708-019B960494DF}">
+              <a14:hiddenLine xmlns:a14="http://schemas.microsoft.com/office/drawing/2010/main" w="9525">
+                <a:solidFill>
+                  <a:schemeClr val="tx1"/>
+                </a:solidFill>
+                <a:round/>
+                <a:headEnd/>
+                <a:tailEnd/>
+              </a14:hiddenLine>
+            </a:ext>
+            <a:ext uri="{AF507438-7753-43E0-B8FC-AC1667EBCBE1}">
+              <a14:hiddenEffects xmlns:a14="http://schemas.microsoft.com/office/drawing/2010/main">
+                <a:effectLst>
+                  <a:outerShdw dist="35921" dir="2700000" algn="ctr" rotWithShape="0">
+                    <a:schemeClr val="bg2"/>
+                  </a:outerShdw>
+                </a:effectLst>
+              </a14:hiddenEffects>
+            </a:ext>
+          </a:extLst>
+        </p:spPr>
+        <p:txBody>
+          <a:bodyPr wrap="square" lIns="36000" tIns="0" rIns="36000" bIns="0" anchor="ctr" anchorCtr="0">
+            <a:noAutofit/>
+          </a:bodyPr>
+          <a:lstStyle/>
+          <a:p>
+            <a:pPr marL="285750" indent="-285750">
+              <a:spcBef>
+                <a:spcPct val="50000"/>
+              </a:spcBef>
+              <a:buFont typeface="Wingdings" panose="05000000000000000000" pitchFamily="2" charset="2"/>
+              <a:buChar char="Ø"/>
+              <a:defRPr/>
+            </a:pPr>
+            <a:r>
+              <a:rPr lang="en-US" altLang="ja-JP" sz="1600" b="1" dirty="0">
+                <a:solidFill>
+                  <a:srgbClr val="FFFFFF"/>
+                </a:solidFill>
+                <a:latin typeface="Arial" panose="020B0604020202020204" pitchFamily="34" charset="0"/>
+                <a:ea typeface="Meiryo UI" panose="020B0604030504040204" pitchFamily="50" charset="-128"/>
+                <a:cs typeface="Arial" panose="020B0604020202020204" pitchFamily="34" charset="0"/>
+              </a:rPr>
+              <a:t>E chop for IQC Department</a:t>
+            </a:r>
+            <a:endParaRPr lang="en-US" altLang="ja-JP" sz="1600" b="1" dirty="0">
+              <a:solidFill>
+                <a:srgbClr val="FFFFFF"/>
+              </a:solidFill>
+              <a:latin typeface="Arial" panose="020B0604020202020204" pitchFamily="34" charset="0"/>
+              <a:ea typeface="Meiryo UI" panose="020B0604030504040204" pitchFamily="50" charset="-128"/>
+              <a:cs typeface="Arial" panose="020B0604020202020204" pitchFamily="34" charset="0"/>
+            </a:endParaRPr>
+          </a:p>
+        </p:txBody>
+      </p:sp>
+      <p:sp>
+        <p:nvSpPr>
+          <p:cNvPr id="7" name="AutoShape 374">
+            <a:extLst>
+              <a:ext uri="{FF2B5EF4-FFF2-40B4-BE49-F238E27FC236}">
+                <a16:creationId xmlns:a16="http://schemas.microsoft.com/office/drawing/2014/main" id="{E9641436-FFE5-4A9D-A81B-056160D115E0}"/>
+              </a:ext>
+            </a:extLst>
+          </p:cNvPr>
+          <p:cNvSpPr>
+            <a:spLocks noChangeArrowheads="1"/>
+          </p:cNvSpPr>
+          <p:nvPr/>
+        </p:nvSpPr>
+        <p:spPr bwMode="auto">
+          <a:xfrm>
+            <a:off x="32123" y="1052475"/>
+            <a:ext cx="9064036" cy="1993982"/>
+          </a:xfrm>
+          <a:prstGeom prst="roundRect">
+            <a:avLst>
+              <a:gd name="adj" fmla="val 4218"/>
+            </a:avLst>
+          </a:prstGeom>
+          <a:noFill/>
+          <a:ln w="12700">
+            <a:solidFill>
+              <a:srgbClr val="0000FF"/>
+            </a:solidFill>
+            <a:round/>
+            <a:headEnd/>
+            <a:tailEnd/>
+          </a:ln>
+          <a:effectLst/>
+          <a:extLst>
+            <a:ext uri="{909E8E84-426E-40DD-AFC4-6F175D3DCCD1}">
+              <a14:hiddenFill xmlns:a14="http://schemas.microsoft.com/office/drawing/2010/main">
+                <a:solidFill>
+                  <a:srgbClr val="99CCFF">
+                    <a:alpha val="20000"/>
+                  </a:srgbClr>
+                </a:solidFill>
+              </a14:hiddenFill>
+            </a:ext>
+            <a:ext uri="{AF507438-7753-43E0-B8FC-AC1667EBCBE1}">
+              <a14:hiddenEffects xmlns:a14="http://schemas.microsoft.com/office/drawing/2010/main">
+                <a:effectLst>
+                  <a:outerShdw dist="35921" dir="2700000" algn="ctr" rotWithShape="0">
+                    <a:schemeClr val="bg2"/>
+                  </a:outerShdw>
+                </a:effectLst>
+              </a14:hiddenEffects>
+            </a:ext>
+          </a:extLst>
+        </p:spPr>
+        <p:txBody>
+          <a:bodyPr wrap="none" anchor="ctr"/>
+          <a:lstStyle/>
+          <a:p>
+            <a:pPr algn="ctr" fontAlgn="base">
+              <a:spcBef>
+                <a:spcPct val="0"/>
+              </a:spcBef>
+              <a:spcAft>
+                <a:spcPct val="0"/>
+              </a:spcAft>
+              <a:defRPr/>
+            </a:pPr>
+            <a:endParaRPr lang="ja-JP" altLang="en-US" b="1">
+              <a:solidFill>
+                <a:srgbClr val="FFFFFF"/>
+              </a:solidFill>
+              <a:latin typeface="Arial" panose="020B0604020202020204" pitchFamily="34" charset="0"/>
+              <a:ea typeface="ＭＳ Ｐゴシック"/>
+            </a:endParaRPr>
+          </a:p>
+          <a:p>
+            <a:pPr algn="ctr" fontAlgn="base">
+              <a:spcBef>
+                <a:spcPct val="0"/>
+              </a:spcBef>
+              <a:spcAft>
+                <a:spcPct val="0"/>
+              </a:spcAft>
+              <a:defRPr/>
+            </a:pPr>
+            <a:endParaRPr lang="ja-JP" altLang="en-US" b="1">
+              <a:solidFill>
+                <a:srgbClr val="FFFFFF"/>
+              </a:solidFill>
+              <a:latin typeface="Arial" panose="020B0604020202020204" pitchFamily="34" charset="0"/>
+              <a:ea typeface="ＭＳ Ｐゴシック"/>
+            </a:endParaRPr>
+          </a:p>
+          <a:p>
+            <a:pPr algn="ctr" fontAlgn="base">
+              <a:spcBef>
+                <a:spcPct val="0"/>
+              </a:spcBef>
+              <a:spcAft>
+                <a:spcPct val="0"/>
+              </a:spcAft>
+              <a:defRPr/>
+            </a:pPr>
+            <a:endParaRPr lang="ja-JP" altLang="en-US" b="1">
+              <a:solidFill>
+                <a:srgbClr val="FFFFFF"/>
+              </a:solidFill>
+              <a:latin typeface="Arial" panose="020B0604020202020204" pitchFamily="34" charset="0"/>
+              <a:ea typeface="ＭＳ Ｐゴシック"/>
+            </a:endParaRPr>
+          </a:p>
+          <a:p>
+            <a:pPr algn="ctr" fontAlgn="base">
+              <a:spcBef>
+                <a:spcPct val="0"/>
+              </a:spcBef>
+              <a:spcAft>
+                <a:spcPct val="0"/>
+              </a:spcAft>
+              <a:defRPr/>
+            </a:pPr>
+            <a:endParaRPr lang="ja-JP" altLang="en-US" b="1">
+              <a:solidFill>
+                <a:srgbClr val="FFFFFF"/>
+              </a:solidFill>
+              <a:latin typeface="Arial" panose="020B0604020202020204" pitchFamily="34" charset="0"/>
+              <a:ea typeface="ＭＳ Ｐゴシック"/>
+            </a:endParaRPr>
+          </a:p>
+          <a:p>
+            <a:pPr algn="ctr" fontAlgn="base">
+              <a:spcBef>
+                <a:spcPct val="0"/>
+              </a:spcBef>
+              <a:spcAft>
+                <a:spcPct val="0"/>
+              </a:spcAft>
+              <a:defRPr/>
+            </a:pPr>
+            <a:endParaRPr lang="ja-JP" altLang="en-US" b="1">
+              <a:solidFill>
+                <a:srgbClr val="FFFFFF"/>
+              </a:solidFill>
+              <a:latin typeface="Arial" panose="020B0604020202020204" pitchFamily="34" charset="0"/>
+              <a:ea typeface="ＭＳ Ｐゴシック"/>
+            </a:endParaRPr>
+          </a:p>
+          <a:p>
+            <a:pPr algn="ctr" fontAlgn="base">
+              <a:spcBef>
+                <a:spcPct val="0"/>
+              </a:spcBef>
+              <a:spcAft>
+                <a:spcPct val="0"/>
+              </a:spcAft>
+              <a:defRPr/>
+            </a:pPr>
+            <a:endParaRPr lang="ja-JP" altLang="en-US" b="1">
+              <a:solidFill>
+                <a:srgbClr val="FFFFFF"/>
+              </a:solidFill>
+              <a:latin typeface="Arial" panose="020B0604020202020204" pitchFamily="34" charset="0"/>
+              <a:ea typeface="ＭＳ Ｐゴシック"/>
+            </a:endParaRPr>
+          </a:p>
+          <a:p>
+            <a:pPr algn="ctr" fontAlgn="base">
+              <a:spcBef>
+                <a:spcPct val="0"/>
+              </a:spcBef>
+              <a:spcAft>
+                <a:spcPct val="0"/>
+              </a:spcAft>
+              <a:defRPr/>
+            </a:pPr>
+            <a:endParaRPr lang="ja-JP" altLang="en-US" b="1">
+              <a:solidFill>
+                <a:srgbClr val="FFFFFF"/>
+              </a:solidFill>
+              <a:latin typeface="Arial" panose="020B0604020202020204" pitchFamily="34" charset="0"/>
+              <a:ea typeface="ＭＳ Ｐゴシック"/>
+            </a:endParaRPr>
+          </a:p>
+          <a:p>
+            <a:pPr algn="ctr" fontAlgn="base">
+              <a:spcBef>
+                <a:spcPct val="0"/>
+              </a:spcBef>
+              <a:spcAft>
+                <a:spcPct val="0"/>
+              </a:spcAft>
+              <a:defRPr/>
+            </a:pPr>
+            <a:endParaRPr lang="ja-JP" altLang="en-US" b="1">
+              <a:solidFill>
+                <a:srgbClr val="FFFFFF"/>
+              </a:solidFill>
+              <a:latin typeface="Arial" panose="020B0604020202020204" pitchFamily="34" charset="0"/>
+              <a:ea typeface="ＭＳ Ｐゴシック"/>
+            </a:endParaRPr>
+          </a:p>
+        </p:txBody>
+      </p:sp>
+      <p:sp>
+        <p:nvSpPr>
+          <p:cNvPr id="8" name="Rectangle 4">
+            <a:extLst>
+              <a:ext uri="{FF2B5EF4-FFF2-40B4-BE49-F238E27FC236}">
+                <a16:creationId xmlns:a16="http://schemas.microsoft.com/office/drawing/2014/main" id="{E66EA2A5-10CA-4953-A1B2-A2921D46558D}"/>
+              </a:ext>
+            </a:extLst>
+          </p:cNvPr>
+          <p:cNvSpPr/>
+          <p:nvPr/>
+        </p:nvSpPr>
+        <p:spPr>
+          <a:xfrm>
+            <a:off x="46603" y="3124200"/>
+            <a:ext cx="9049556" cy="412108"/>
+          </a:xfrm>
+          <a:prstGeom prst="rect">
+            <a:avLst/>
+          </a:prstGeom>
+          <a:solidFill>
+            <a:srgbClr val="FFFFCC"/>
+          </a:solidFill>
+          <a:ln w="19050">
+            <a:solidFill>
+              <a:schemeClr val="tx1">
+                <a:lumMod val="50000"/>
+                <a:lumOff val="50000"/>
+              </a:schemeClr>
+            </a:solidFill>
+          </a:ln>
+        </p:spPr>
+        <p:style>
+          <a:lnRef idx="2">
+            <a:schemeClr val="accent1">
+              <a:shade val="50000"/>
+            </a:schemeClr>
+          </a:lnRef>
+          <a:fillRef idx="1">
+            <a:schemeClr val="accent1"/>
+          </a:fillRef>
+          <a:effectRef idx="0">
+            <a:schemeClr val="accent1"/>
+          </a:effectRef>
+          <a:fontRef idx="minor">
+            <a:schemeClr val="lt1"/>
+          </a:fontRef>
+        </p:style>
+        <p:txBody>
+          <a:bodyPr rtlCol="0" anchor="t"/>
+          <a:lstStyle/>
+          <a:p>
+            <a:pPr lvl="0" algn="ctr">
+              <a:spcBef>
+                <a:spcPct val="20000"/>
+              </a:spcBef>
+              <a:defRPr/>
+            </a:pPr>
+            <a:r>
+              <a:rPr lang="en-US" altLang="ja-JP" b="1" dirty="0">
+                <a:solidFill>
+                  <a:schemeClr val="tx1"/>
+                </a:solidFill>
+                <a:latin typeface="Arial" panose="020B0604020202020204" pitchFamily="34" charset="0"/>
+                <a:cs typeface="Arial" panose="020B0604020202020204" pitchFamily="34" charset="0"/>
+              </a:rPr>
+              <a:t>Replace physical stamp by electronic stamp for IQC</a:t>
+            </a:r>
+            <a:endParaRPr lang="en-US" altLang="ja-JP" b="1" dirty="0">
+              <a:solidFill>
+                <a:schemeClr val="tx1"/>
+              </a:solidFill>
+              <a:latin typeface="Arial" panose="020B0604020202020204" pitchFamily="34" charset="0"/>
+              <a:cs typeface="Arial" panose="020B0604020202020204" pitchFamily="34" charset="0"/>
+            </a:endParaRPr>
+          </a:p>
+        </p:txBody>
+      </p:sp>
+      <p:sp>
+        <p:nvSpPr>
+          <p:cNvPr id="10" name="Rectangle 11">
+            <a:extLst>
+              <a:ext uri="{FF2B5EF4-FFF2-40B4-BE49-F238E27FC236}">
+                <a16:creationId xmlns:a16="http://schemas.microsoft.com/office/drawing/2014/main" id="{75C01FB4-008B-4826-B8B3-4D90B19E85C1}"/>
+              </a:ext>
+            </a:extLst>
+          </p:cNvPr>
+          <p:cNvSpPr/>
+          <p:nvPr/>
+        </p:nvSpPr>
+        <p:spPr>
+          <a:xfrm>
+            <a:off x="46597" y="3631937"/>
+            <a:ext cx="1306733" cy="512552"/>
+          </a:xfrm>
+          <a:prstGeom prst="rect">
+            <a:avLst/>
+          </a:prstGeom>
+          <a:ln w="19050"/>
+        </p:spPr>
+        <p:style>
+          <a:lnRef idx="1">
+            <a:schemeClr val="accent6"/>
+          </a:lnRef>
+          <a:fillRef idx="2">
+            <a:schemeClr val="accent6"/>
+          </a:fillRef>
+          <a:effectRef idx="1">
+            <a:schemeClr val="accent6"/>
+          </a:effectRef>
+          <a:fontRef idx="minor">
+            <a:schemeClr val="dk1"/>
+          </a:fontRef>
+        </p:style>
+        <p:txBody>
+          <a:bodyPr rtlCol="0" anchor="ctr"/>
+          <a:lstStyle/>
+          <a:p>
+            <a:r>
+              <a:rPr lang="en-US" b="1" dirty="0">
+                <a:latin typeface="Arial" panose="020B0604020202020204" pitchFamily="34" charset="0"/>
+                <a:cs typeface="Arial" panose="020B0604020202020204" pitchFamily="34" charset="0"/>
+              </a:rPr>
+              <a:t>Problem:</a:t>
+            </a:r>
+          </a:p>
+        </p:txBody>
+      </p:sp>
+      <p:sp>
+        <p:nvSpPr>
+          <p:cNvPr id="11" name="テキスト ボックス 74">
+            <a:extLst>
+              <a:ext uri="{FF2B5EF4-FFF2-40B4-BE49-F238E27FC236}">
+                <a16:creationId xmlns:a16="http://schemas.microsoft.com/office/drawing/2014/main" id="{8A383A7B-D46E-4000-AA3C-9788519D0569}"/>
+              </a:ext>
+            </a:extLst>
+          </p:cNvPr>
+          <p:cNvSpPr txBox="1"/>
+          <p:nvPr/>
+        </p:nvSpPr>
+        <p:spPr>
+          <a:xfrm>
+            <a:off x="1421279" y="3623135"/>
+            <a:ext cx="7674880" cy="512553"/>
+          </a:xfrm>
+          <a:prstGeom prst="rect">
+            <a:avLst/>
+          </a:prstGeom>
+          <a:noFill/>
+          <a:ln w="19050">
+            <a:solidFill>
+              <a:schemeClr val="accent1"/>
+            </a:solidFill>
+          </a:ln>
+        </p:spPr>
+        <p:txBody>
+          <a:bodyPr wrap="none" anchor="ctr">
+            <a:noAutofit/>
+          </a:bodyPr>
+          <a:lstStyle/>
+          <a:p>
+            <a:r>
+              <a:rPr lang="en-US" altLang="ja-JP" dirty="0">
+                <a:latin typeface="Arial" panose="020B0604020202020204" pitchFamily="34" charset="0"/>
+                <a:cs typeface="Arial" panose="020B0604020202020204" pitchFamily="34" charset="0"/>
+              </a:rPr>
+              <a:t>OQC Loss time to find all the same lot to chop </a:t>
+            </a:r>
+            <a:r>
+              <a:rPr lang="en-US" altLang="ja-JP" dirty="0" smtClean="0">
+                <a:latin typeface="Arial" panose="020B0604020202020204" pitchFamily="34" charset="0"/>
+                <a:cs typeface="Arial" panose="020B0604020202020204" pitchFamily="34" charset="0"/>
+              </a:rPr>
+              <a:t>stamp.</a:t>
+            </a:r>
+          </a:p>
+          <a:p>
+            <a:r>
+              <a:rPr lang="en-US" altLang="ja-JP" dirty="0" smtClean="0">
+                <a:latin typeface="Arial" panose="020B0604020202020204" pitchFamily="34" charset="0"/>
+                <a:cs typeface="Arial" panose="020B0604020202020204" pitchFamily="34" charset="0"/>
+              </a:rPr>
+              <a:t>FA and </a:t>
+            </a:r>
+            <a:r>
+              <a:rPr lang="en-US" altLang="ja-JP" dirty="0">
+                <a:latin typeface="Arial" panose="020B0604020202020204" pitchFamily="34" charset="0"/>
+                <a:cs typeface="Arial" panose="020B0604020202020204" pitchFamily="34" charset="0"/>
+              </a:rPr>
+              <a:t>SCM loss of time to confirm stamp by visual check.</a:t>
+            </a:r>
+            <a:endParaRPr lang="en-US" altLang="ja-JP" dirty="0">
+              <a:latin typeface="Arial" panose="020B0604020202020204" pitchFamily="34" charset="0"/>
+              <a:cs typeface="Arial" panose="020B0604020202020204" pitchFamily="34" charset="0"/>
+            </a:endParaRPr>
+          </a:p>
+        </p:txBody>
+      </p:sp>
+      <p:sp>
+        <p:nvSpPr>
+          <p:cNvPr id="12" name="AutoShape 374">
+            <a:extLst>
+              <a:ext uri="{FF2B5EF4-FFF2-40B4-BE49-F238E27FC236}">
+                <a16:creationId xmlns:a16="http://schemas.microsoft.com/office/drawing/2014/main" id="{E9641436-FFE5-4A9D-A81B-056160D115E0}"/>
+              </a:ext>
+            </a:extLst>
+          </p:cNvPr>
+          <p:cNvSpPr>
+            <a:spLocks noChangeArrowheads="1"/>
+          </p:cNvSpPr>
+          <p:nvPr/>
+        </p:nvSpPr>
+        <p:spPr bwMode="auto">
+          <a:xfrm>
+            <a:off x="41994" y="4240118"/>
+            <a:ext cx="9064036" cy="2541682"/>
+          </a:xfrm>
+          <a:prstGeom prst="roundRect">
+            <a:avLst>
+              <a:gd name="adj" fmla="val 4218"/>
+            </a:avLst>
+          </a:prstGeom>
+          <a:noFill/>
+          <a:ln w="12700">
+            <a:solidFill>
+              <a:srgbClr val="0000FF"/>
+            </a:solidFill>
+            <a:round/>
+            <a:headEnd/>
+            <a:tailEnd/>
+          </a:ln>
+          <a:effectLst/>
+          <a:extLst>
+            <a:ext uri="{909E8E84-426E-40DD-AFC4-6F175D3DCCD1}">
+              <a14:hiddenFill xmlns:a14="http://schemas.microsoft.com/office/drawing/2010/main">
+                <a:solidFill>
+                  <a:srgbClr val="99CCFF">
+                    <a:alpha val="20000"/>
+                  </a:srgbClr>
+                </a:solidFill>
+              </a14:hiddenFill>
+            </a:ext>
+            <a:ext uri="{AF507438-7753-43E0-B8FC-AC1667EBCBE1}">
+              <a14:hiddenEffects xmlns:a14="http://schemas.microsoft.com/office/drawing/2010/main">
+                <a:effectLst>
+                  <a:outerShdw dist="35921" dir="2700000" algn="ctr" rotWithShape="0">
+                    <a:schemeClr val="bg2"/>
+                  </a:outerShdw>
+                </a:effectLst>
+              </a14:hiddenEffects>
+            </a:ext>
+          </a:extLst>
+        </p:spPr>
+        <p:txBody>
+          <a:bodyPr wrap="none" anchor="ctr"/>
+          <a:lstStyle/>
+          <a:p>
+            <a:pPr algn="ctr" fontAlgn="base">
+              <a:spcBef>
+                <a:spcPct val="0"/>
+              </a:spcBef>
+              <a:spcAft>
+                <a:spcPct val="0"/>
+              </a:spcAft>
+              <a:defRPr/>
+            </a:pPr>
+            <a:endParaRPr lang="ja-JP" altLang="en-US" b="1">
+              <a:solidFill>
+                <a:srgbClr val="FFFFFF"/>
+              </a:solidFill>
+              <a:latin typeface="Arial" panose="020B0604020202020204" pitchFamily="34" charset="0"/>
+              <a:ea typeface="ＭＳ Ｐゴシック"/>
+            </a:endParaRPr>
+          </a:p>
+          <a:p>
+            <a:pPr algn="ctr" fontAlgn="base">
+              <a:spcBef>
+                <a:spcPct val="0"/>
+              </a:spcBef>
+              <a:spcAft>
+                <a:spcPct val="0"/>
+              </a:spcAft>
+              <a:defRPr/>
+            </a:pPr>
+            <a:endParaRPr lang="ja-JP" altLang="en-US" b="1">
+              <a:solidFill>
+                <a:srgbClr val="FFFFFF"/>
+              </a:solidFill>
+              <a:latin typeface="Arial" panose="020B0604020202020204" pitchFamily="34" charset="0"/>
+              <a:ea typeface="ＭＳ Ｐゴシック"/>
+            </a:endParaRPr>
+          </a:p>
+          <a:p>
+            <a:pPr algn="ctr" fontAlgn="base">
+              <a:spcBef>
+                <a:spcPct val="0"/>
+              </a:spcBef>
+              <a:spcAft>
+                <a:spcPct val="0"/>
+              </a:spcAft>
+              <a:defRPr/>
+            </a:pPr>
+            <a:endParaRPr lang="ja-JP" altLang="en-US" b="1">
+              <a:solidFill>
+                <a:srgbClr val="FFFFFF"/>
+              </a:solidFill>
+              <a:latin typeface="Arial" panose="020B0604020202020204" pitchFamily="34" charset="0"/>
+              <a:ea typeface="ＭＳ Ｐゴシック"/>
+            </a:endParaRPr>
+          </a:p>
+          <a:p>
+            <a:pPr algn="ctr" fontAlgn="base">
+              <a:spcBef>
+                <a:spcPct val="0"/>
+              </a:spcBef>
+              <a:spcAft>
+                <a:spcPct val="0"/>
+              </a:spcAft>
+              <a:defRPr/>
+            </a:pPr>
+            <a:endParaRPr lang="ja-JP" altLang="en-US" b="1">
+              <a:solidFill>
+                <a:srgbClr val="FFFFFF"/>
+              </a:solidFill>
+              <a:latin typeface="Arial" panose="020B0604020202020204" pitchFamily="34" charset="0"/>
+              <a:ea typeface="ＭＳ Ｐゴシック"/>
+            </a:endParaRPr>
+          </a:p>
+          <a:p>
+            <a:pPr algn="ctr" fontAlgn="base">
+              <a:spcBef>
+                <a:spcPct val="0"/>
+              </a:spcBef>
+              <a:spcAft>
+                <a:spcPct val="0"/>
+              </a:spcAft>
+              <a:defRPr/>
+            </a:pPr>
+            <a:endParaRPr lang="ja-JP" altLang="en-US" b="1">
+              <a:solidFill>
+                <a:srgbClr val="FFFFFF"/>
+              </a:solidFill>
+              <a:latin typeface="Arial" panose="020B0604020202020204" pitchFamily="34" charset="0"/>
+              <a:ea typeface="ＭＳ Ｐゴシック"/>
+            </a:endParaRPr>
+          </a:p>
+          <a:p>
+            <a:pPr algn="ctr" fontAlgn="base">
+              <a:spcBef>
+                <a:spcPct val="0"/>
+              </a:spcBef>
+              <a:spcAft>
+                <a:spcPct val="0"/>
+              </a:spcAft>
+              <a:defRPr/>
+            </a:pPr>
+            <a:endParaRPr lang="ja-JP" altLang="en-US" b="1">
+              <a:solidFill>
+                <a:srgbClr val="FFFFFF"/>
+              </a:solidFill>
+              <a:latin typeface="Arial" panose="020B0604020202020204" pitchFamily="34" charset="0"/>
+              <a:ea typeface="ＭＳ Ｐゴシック"/>
+            </a:endParaRPr>
+          </a:p>
+          <a:p>
+            <a:pPr algn="ctr" fontAlgn="base">
+              <a:spcBef>
+                <a:spcPct val="0"/>
+              </a:spcBef>
+              <a:spcAft>
+                <a:spcPct val="0"/>
+              </a:spcAft>
+              <a:defRPr/>
+            </a:pPr>
+            <a:endParaRPr lang="ja-JP" altLang="en-US" b="1">
+              <a:solidFill>
+                <a:srgbClr val="FFFFFF"/>
+              </a:solidFill>
+              <a:latin typeface="Arial" panose="020B0604020202020204" pitchFamily="34" charset="0"/>
+              <a:ea typeface="ＭＳ Ｐゴシック"/>
+            </a:endParaRPr>
+          </a:p>
+          <a:p>
+            <a:pPr algn="ctr" fontAlgn="base">
+              <a:spcBef>
+                <a:spcPct val="0"/>
+              </a:spcBef>
+              <a:spcAft>
+                <a:spcPct val="0"/>
+              </a:spcAft>
+              <a:defRPr/>
+            </a:pPr>
+            <a:endParaRPr lang="ja-JP" altLang="en-US" b="1">
+              <a:solidFill>
+                <a:srgbClr val="FFFFFF"/>
+              </a:solidFill>
+              <a:latin typeface="Arial" panose="020B0604020202020204" pitchFamily="34" charset="0"/>
+              <a:ea typeface="ＭＳ Ｐゴシック"/>
+            </a:endParaRPr>
+          </a:p>
+        </p:txBody>
+      </p:sp>
     </p:spTree>
     <p:extLst>
       <p:ext uri="{BB962C8B-B14F-4D97-AF65-F5344CB8AC3E}">
